--- a/project/Mining Git.pptx
+++ b/project/Mining Git.pptx
@@ -6,14 +6,15 @@
   </p:sldMasterIdLst>
   <p:sldIdLst>
     <p:sldId id="256" r:id="rId2"/>
-    <p:sldId id="259" r:id="rId3"/>
-    <p:sldId id="258" r:id="rId4"/>
-    <p:sldId id="260" r:id="rId5"/>
-    <p:sldId id="261" r:id="rId6"/>
-    <p:sldId id="262" r:id="rId7"/>
-    <p:sldId id="263" r:id="rId8"/>
-    <p:sldId id="257" r:id="rId9"/>
-    <p:sldId id="264" r:id="rId10"/>
+    <p:sldId id="265" r:id="rId3"/>
+    <p:sldId id="259" r:id="rId4"/>
+    <p:sldId id="258" r:id="rId5"/>
+    <p:sldId id="260" r:id="rId6"/>
+    <p:sldId id="261" r:id="rId7"/>
+    <p:sldId id="262" r:id="rId8"/>
+    <p:sldId id="263" r:id="rId9"/>
+    <p:sldId id="257" r:id="rId10"/>
+    <p:sldId id="264" r:id="rId11"/>
   </p:sldIdLst>
   <p:sldSz cx="9144000" cy="6858000" type="screen4x3"/>
   <p:notesSz cx="6858000" cy="9144000"/>
@@ -296,7 +297,7 @@
           <a:p>
             <a:fld id="{E06ED853-94C4-4CD4-BAC0-E9D782A6748D}" type="datetimeFigureOut">
               <a:rPr lang="en-US" smtClean="0"/>
-              <a:t>11/22/2012</a:t>
+              <a:t>11/23/2012</a:t>
             </a:fld>
             <a:endParaRPr lang="en-US"/>
           </a:p>
@@ -466,7 +467,7 @@
           <a:p>
             <a:fld id="{E06ED853-94C4-4CD4-BAC0-E9D782A6748D}" type="datetimeFigureOut">
               <a:rPr lang="en-US" smtClean="0"/>
-              <a:t>11/22/2012</a:t>
+              <a:t>11/23/2012</a:t>
             </a:fld>
             <a:endParaRPr lang="en-US"/>
           </a:p>
@@ -646,7 +647,7 @@
           <a:p>
             <a:fld id="{E06ED853-94C4-4CD4-BAC0-E9D782A6748D}" type="datetimeFigureOut">
               <a:rPr lang="en-US" smtClean="0"/>
-              <a:t>11/22/2012</a:t>
+              <a:t>11/23/2012</a:t>
             </a:fld>
             <a:endParaRPr lang="en-US"/>
           </a:p>
@@ -816,7 +817,7 @@
           <a:p>
             <a:fld id="{E06ED853-94C4-4CD4-BAC0-E9D782A6748D}" type="datetimeFigureOut">
               <a:rPr lang="en-US" smtClean="0"/>
-              <a:t>11/22/2012</a:t>
+              <a:t>11/23/2012</a:t>
             </a:fld>
             <a:endParaRPr lang="en-US"/>
           </a:p>
@@ -1062,7 +1063,7 @@
           <a:p>
             <a:fld id="{E06ED853-94C4-4CD4-BAC0-E9D782A6748D}" type="datetimeFigureOut">
               <a:rPr lang="en-US" smtClean="0"/>
-              <a:t>11/22/2012</a:t>
+              <a:t>11/23/2012</a:t>
             </a:fld>
             <a:endParaRPr lang="en-US"/>
           </a:p>
@@ -1350,7 +1351,7 @@
           <a:p>
             <a:fld id="{E06ED853-94C4-4CD4-BAC0-E9D782A6748D}" type="datetimeFigureOut">
               <a:rPr lang="en-US" smtClean="0"/>
-              <a:t>11/22/2012</a:t>
+              <a:t>11/23/2012</a:t>
             </a:fld>
             <a:endParaRPr lang="en-US"/>
           </a:p>
@@ -1772,7 +1773,7 @@
           <a:p>
             <a:fld id="{E06ED853-94C4-4CD4-BAC0-E9D782A6748D}" type="datetimeFigureOut">
               <a:rPr lang="en-US" smtClean="0"/>
-              <a:t>11/22/2012</a:t>
+              <a:t>11/23/2012</a:t>
             </a:fld>
             <a:endParaRPr lang="en-US"/>
           </a:p>
@@ -1890,7 +1891,7 @@
           <a:p>
             <a:fld id="{E06ED853-94C4-4CD4-BAC0-E9D782A6748D}" type="datetimeFigureOut">
               <a:rPr lang="en-US" smtClean="0"/>
-              <a:t>11/22/2012</a:t>
+              <a:t>11/23/2012</a:t>
             </a:fld>
             <a:endParaRPr lang="en-US"/>
           </a:p>
@@ -1985,7 +1986,7 @@
           <a:p>
             <a:fld id="{E06ED853-94C4-4CD4-BAC0-E9D782A6748D}" type="datetimeFigureOut">
               <a:rPr lang="en-US" smtClean="0"/>
-              <a:t>11/22/2012</a:t>
+              <a:t>11/23/2012</a:t>
             </a:fld>
             <a:endParaRPr lang="en-US"/>
           </a:p>
@@ -2262,7 +2263,7 @@
           <a:p>
             <a:fld id="{E06ED853-94C4-4CD4-BAC0-E9D782A6748D}" type="datetimeFigureOut">
               <a:rPr lang="en-US" smtClean="0"/>
-              <a:t>11/22/2012</a:t>
+              <a:t>11/23/2012</a:t>
             </a:fld>
             <a:endParaRPr lang="en-US"/>
           </a:p>
@@ -2515,7 +2516,7 @@
           <a:p>
             <a:fld id="{E06ED853-94C4-4CD4-BAC0-E9D782A6748D}" type="datetimeFigureOut">
               <a:rPr lang="en-US" smtClean="0"/>
-              <a:t>11/22/2012</a:t>
+              <a:t>11/23/2012</a:t>
             </a:fld>
             <a:endParaRPr lang="en-US"/>
           </a:p>
@@ -2728,7 +2729,7 @@
           <a:p>
             <a:fld id="{E06ED853-94C4-4CD4-BAC0-E9D782A6748D}" type="datetimeFigureOut">
               <a:rPr lang="en-US" smtClean="0"/>
-              <a:t>11/22/2012</a:t>
+              <a:t>11/23/2012</a:t>
             </a:fld>
             <a:endParaRPr lang="en-US"/>
           </a:p>
@@ -3170,7 +3171,880 @@
 </p:sld>
 </file>
 
+<file path=ppt/slides/slide10.xml><?xml version="1.0" encoding="utf-8"?>
+<p:sld xmlns:a="http://schemas.openxmlformats.org/drawingml/2006/main" xmlns:r="http://schemas.openxmlformats.org/officeDocument/2006/relationships" xmlns:p="http://schemas.openxmlformats.org/presentationml/2006/main">
+  <p:cSld>
+    <p:spTree>
+      <p:nvGrpSpPr>
+        <p:cNvPr id="1" name=""/>
+        <p:cNvGrpSpPr/>
+        <p:nvPr/>
+      </p:nvGrpSpPr>
+      <p:grpSpPr>
+        <a:xfrm>
+          <a:off x="0" y="0"/>
+          <a:ext cx="0" cy="0"/>
+          <a:chOff x="0" y="0"/>
+          <a:chExt cx="0" cy="0"/>
+        </a:xfrm>
+      </p:grpSpPr>
+      <p:sp>
+        <p:nvSpPr>
+          <p:cNvPr id="2" name="Título 1"/>
+          <p:cNvSpPr>
+            <a:spLocks noGrp="1"/>
+          </p:cNvSpPr>
+          <p:nvPr>
+            <p:ph type="title"/>
+          </p:nvPr>
+        </p:nvSpPr>
+        <p:spPr/>
+        <p:txBody>
+          <a:bodyPr/>
+          <a:lstStyle/>
+          <a:p>
+            <a:r>
+              <a:rPr lang="en-US" dirty="0" smtClean="0"/>
+              <a:t>Future work</a:t>
+            </a:r>
+            <a:endParaRPr lang="en-US" dirty="0"/>
+          </a:p>
+        </p:txBody>
+      </p:sp>
+      <p:sp>
+        <p:nvSpPr>
+          <p:cNvPr id="3" name="Espaço Reservado para Conteúdo 2"/>
+          <p:cNvSpPr>
+            <a:spLocks noGrp="1"/>
+          </p:cNvSpPr>
+          <p:nvPr>
+            <p:ph idx="1"/>
+          </p:nvPr>
+        </p:nvSpPr>
+        <p:spPr/>
+        <p:txBody>
+          <a:bodyPr/>
+          <a:lstStyle/>
+          <a:p>
+            <a:pPr marL="0" indent="0">
+              <a:buNone/>
+            </a:pPr>
+            <a:r>
+              <a:rPr lang="en-US" dirty="0" smtClean="0"/>
+              <a:t>Parse the intersection files to check whether the changes made in parallel were confined to the same methods</a:t>
+            </a:r>
+            <a:endParaRPr lang="en-US" dirty="0"/>
+          </a:p>
+        </p:txBody>
+      </p:sp>
+    </p:spTree>
+    <p:extLst>
+      <p:ext uri="{BB962C8B-B14F-4D97-AF65-F5344CB8AC3E}">
+        <p14:creationId xmlns:p14="http://schemas.microsoft.com/office/powerpoint/2010/main" val="943371163"/>
+      </p:ext>
+    </p:extLst>
+  </p:cSld>
+  <p:clrMapOvr>
+    <a:masterClrMapping/>
+  </p:clrMapOvr>
+</p:sld>
+</file>
+
 <file path=ppt/slides/slide2.xml><?xml version="1.0" encoding="utf-8"?>
+<p:sld xmlns:a="http://schemas.openxmlformats.org/drawingml/2006/main" xmlns:r="http://schemas.openxmlformats.org/officeDocument/2006/relationships" xmlns:p="http://schemas.openxmlformats.org/presentationml/2006/main">
+  <p:cSld>
+    <p:spTree>
+      <p:nvGrpSpPr>
+        <p:cNvPr id="1" name=""/>
+        <p:cNvGrpSpPr/>
+        <p:nvPr/>
+      </p:nvGrpSpPr>
+      <p:grpSpPr>
+        <a:xfrm>
+          <a:off x="0" y="0"/>
+          <a:ext cx="0" cy="0"/>
+          <a:chOff x="0" y="0"/>
+          <a:chExt cx="0" cy="0"/>
+        </a:xfrm>
+      </p:grpSpPr>
+      <p:sp>
+        <p:nvSpPr>
+          <p:cNvPr id="2" name="Título 1"/>
+          <p:cNvSpPr>
+            <a:spLocks noGrp="1"/>
+          </p:cNvSpPr>
+          <p:nvPr>
+            <p:ph type="title"/>
+          </p:nvPr>
+        </p:nvSpPr>
+        <p:spPr/>
+        <p:txBody>
+          <a:bodyPr/>
+          <a:lstStyle/>
+          <a:p>
+            <a:endParaRPr lang="en-US" dirty="0"/>
+          </a:p>
+        </p:txBody>
+      </p:sp>
+      <p:cxnSp>
+        <p:nvCxnSpPr>
+          <p:cNvPr id="5" name="Conector reto 4"/>
+          <p:cNvCxnSpPr/>
+          <p:nvPr/>
+        </p:nvCxnSpPr>
+        <p:spPr>
+          <a:xfrm>
+            <a:off x="2375756" y="4743706"/>
+            <a:ext cx="4536504" cy="0"/>
+          </a:xfrm>
+          <a:prstGeom prst="line">
+            <a:avLst/>
+          </a:prstGeom>
+          <a:ln w="25400">
+            <a:solidFill>
+              <a:schemeClr val="tx1"/>
+            </a:solidFill>
+          </a:ln>
+        </p:spPr>
+        <p:style>
+          <a:lnRef idx="1">
+            <a:schemeClr val="accent1"/>
+          </a:lnRef>
+          <a:fillRef idx="0">
+            <a:schemeClr val="accent1"/>
+          </a:fillRef>
+          <a:effectRef idx="0">
+            <a:schemeClr val="accent1"/>
+          </a:effectRef>
+          <a:fontRef idx="minor">
+            <a:schemeClr val="tx1"/>
+          </a:fontRef>
+        </p:style>
+      </p:cxnSp>
+      <p:sp>
+        <p:nvSpPr>
+          <p:cNvPr id="7" name="CaixaDeTexto 6"/>
+          <p:cNvSpPr txBox="1"/>
+          <p:nvPr/>
+        </p:nvSpPr>
+        <p:spPr>
+          <a:xfrm>
+            <a:off x="2159732" y="4887722"/>
+            <a:ext cx="936104" cy="646331"/>
+          </a:xfrm>
+          <a:prstGeom prst="rect">
+            <a:avLst/>
+          </a:prstGeom>
+          <a:noFill/>
+        </p:spPr>
+        <p:txBody>
+          <a:bodyPr wrap="square" rtlCol="0">
+            <a:spAutoFit/>
+          </a:bodyPr>
+          <a:lstStyle/>
+          <a:p>
+            <a:pPr algn="ctr"/>
+            <a:r>
+              <a:rPr lang="en-US" dirty="0" smtClean="0"/>
+              <a:t>Base Commit</a:t>
+            </a:r>
+            <a:endParaRPr lang="en-US" dirty="0"/>
+          </a:p>
+        </p:txBody>
+      </p:sp>
+      <p:sp>
+        <p:nvSpPr>
+          <p:cNvPr id="9" name="CaixaDeTexto 8"/>
+          <p:cNvSpPr txBox="1"/>
+          <p:nvPr/>
+        </p:nvSpPr>
+        <p:spPr>
+          <a:xfrm>
+            <a:off x="4103948" y="4070267"/>
+            <a:ext cx="1080120" cy="369332"/>
+          </a:xfrm>
+          <a:prstGeom prst="rect">
+            <a:avLst/>
+          </a:prstGeom>
+          <a:noFill/>
+        </p:spPr>
+        <p:txBody>
+          <a:bodyPr wrap="square" rtlCol="0">
+            <a:spAutoFit/>
+          </a:bodyPr>
+          <a:lstStyle/>
+          <a:p>
+            <a:pPr algn="ctr"/>
+            <a:r>
+              <a:rPr lang="en-US" dirty="0" smtClean="0"/>
+              <a:t>Feature A</a:t>
+            </a:r>
+            <a:endParaRPr lang="en-US" dirty="0"/>
+          </a:p>
+        </p:txBody>
+      </p:sp>
+      <p:sp>
+        <p:nvSpPr>
+          <p:cNvPr id="13" name="CaixaDeTexto 12"/>
+          <p:cNvSpPr txBox="1"/>
+          <p:nvPr/>
+        </p:nvSpPr>
+        <p:spPr>
+          <a:xfrm>
+            <a:off x="4247964" y="3015524"/>
+            <a:ext cx="1080120" cy="369332"/>
+          </a:xfrm>
+          <a:prstGeom prst="rect">
+            <a:avLst/>
+          </a:prstGeom>
+          <a:noFill/>
+        </p:spPr>
+        <p:txBody>
+          <a:bodyPr wrap="square" rtlCol="0">
+            <a:spAutoFit/>
+          </a:bodyPr>
+          <a:lstStyle/>
+          <a:p>
+            <a:pPr algn="ctr"/>
+            <a:r>
+              <a:rPr lang="en-US" dirty="0" smtClean="0"/>
+              <a:t>Feature B</a:t>
+            </a:r>
+            <a:endParaRPr lang="en-US" dirty="0"/>
+          </a:p>
+        </p:txBody>
+      </p:sp>
+      <p:cxnSp>
+        <p:nvCxnSpPr>
+          <p:cNvPr id="14" name="Conector reto 13"/>
+          <p:cNvCxnSpPr/>
+          <p:nvPr/>
+        </p:nvCxnSpPr>
+        <p:spPr>
+          <a:xfrm flipV="1">
+            <a:off x="2735796" y="3959460"/>
+            <a:ext cx="1368152" cy="792088"/>
+          </a:xfrm>
+          <a:prstGeom prst="line">
+            <a:avLst/>
+          </a:prstGeom>
+          <a:ln w="25400">
+            <a:solidFill>
+              <a:schemeClr val="tx1"/>
+            </a:solidFill>
+          </a:ln>
+        </p:spPr>
+        <p:style>
+          <a:lnRef idx="1">
+            <a:schemeClr val="accent1"/>
+          </a:lnRef>
+          <a:fillRef idx="0">
+            <a:schemeClr val="accent1"/>
+          </a:fillRef>
+          <a:effectRef idx="0">
+            <a:schemeClr val="accent1"/>
+          </a:effectRef>
+          <a:fontRef idx="minor">
+            <a:schemeClr val="tx1"/>
+          </a:fontRef>
+        </p:style>
+      </p:cxnSp>
+      <p:cxnSp>
+        <p:nvCxnSpPr>
+          <p:cNvPr id="17" name="Conector reto 16"/>
+          <p:cNvCxnSpPr/>
+          <p:nvPr/>
+        </p:nvCxnSpPr>
+        <p:spPr>
+          <a:xfrm>
+            <a:off x="4103948" y="3962529"/>
+            <a:ext cx="1449155" cy="0"/>
+          </a:xfrm>
+          <a:prstGeom prst="line">
+            <a:avLst/>
+          </a:prstGeom>
+          <a:ln w="25400">
+            <a:solidFill>
+              <a:schemeClr val="tx1"/>
+            </a:solidFill>
+          </a:ln>
+        </p:spPr>
+        <p:style>
+          <a:lnRef idx="1">
+            <a:schemeClr val="accent1"/>
+          </a:lnRef>
+          <a:fillRef idx="0">
+            <a:schemeClr val="accent1"/>
+          </a:fillRef>
+          <a:effectRef idx="0">
+            <a:schemeClr val="accent1"/>
+          </a:effectRef>
+          <a:fontRef idx="minor">
+            <a:schemeClr val="tx1"/>
+          </a:fontRef>
+        </p:style>
+      </p:cxnSp>
+      <p:cxnSp>
+        <p:nvCxnSpPr>
+          <p:cNvPr id="19" name="Conector reto 18"/>
+          <p:cNvCxnSpPr/>
+          <p:nvPr/>
+        </p:nvCxnSpPr>
+        <p:spPr>
+          <a:xfrm flipV="1">
+            <a:off x="2697141" y="3519570"/>
+            <a:ext cx="1368152" cy="1235048"/>
+          </a:xfrm>
+          <a:prstGeom prst="line">
+            <a:avLst/>
+          </a:prstGeom>
+          <a:ln w="25400">
+            <a:solidFill>
+              <a:schemeClr val="tx1"/>
+            </a:solidFill>
+          </a:ln>
+        </p:spPr>
+        <p:style>
+          <a:lnRef idx="1">
+            <a:schemeClr val="accent1"/>
+          </a:lnRef>
+          <a:fillRef idx="0">
+            <a:schemeClr val="accent1"/>
+          </a:fillRef>
+          <a:effectRef idx="0">
+            <a:schemeClr val="accent1"/>
+          </a:effectRef>
+          <a:fontRef idx="minor">
+            <a:schemeClr val="tx1"/>
+          </a:fontRef>
+        </p:style>
+      </p:cxnSp>
+      <p:cxnSp>
+        <p:nvCxnSpPr>
+          <p:cNvPr id="21" name="Conector reto 20"/>
+          <p:cNvCxnSpPr/>
+          <p:nvPr/>
+        </p:nvCxnSpPr>
+        <p:spPr>
+          <a:xfrm>
+            <a:off x="4031940" y="3519570"/>
+            <a:ext cx="1449155" cy="0"/>
+          </a:xfrm>
+          <a:prstGeom prst="line">
+            <a:avLst/>
+          </a:prstGeom>
+          <a:ln w="25400">
+            <a:solidFill>
+              <a:schemeClr val="tx1"/>
+            </a:solidFill>
+          </a:ln>
+        </p:spPr>
+        <p:style>
+          <a:lnRef idx="1">
+            <a:schemeClr val="accent1"/>
+          </a:lnRef>
+          <a:fillRef idx="0">
+            <a:schemeClr val="accent1"/>
+          </a:fillRef>
+          <a:effectRef idx="0">
+            <a:schemeClr val="accent1"/>
+          </a:effectRef>
+          <a:fontRef idx="minor">
+            <a:schemeClr val="tx1"/>
+          </a:fontRef>
+        </p:style>
+      </p:cxnSp>
+      <p:cxnSp>
+        <p:nvCxnSpPr>
+          <p:cNvPr id="22" name="Conector reto 21"/>
+          <p:cNvCxnSpPr/>
+          <p:nvPr/>
+        </p:nvCxnSpPr>
+        <p:spPr>
+          <a:xfrm flipV="1">
+            <a:off x="2735796" y="2725741"/>
+            <a:ext cx="1296144" cy="2017965"/>
+          </a:xfrm>
+          <a:prstGeom prst="line">
+            <a:avLst/>
+          </a:prstGeom>
+          <a:ln w="25400">
+            <a:solidFill>
+              <a:schemeClr val="tx1"/>
+            </a:solidFill>
+          </a:ln>
+        </p:spPr>
+        <p:style>
+          <a:lnRef idx="1">
+            <a:schemeClr val="accent1"/>
+          </a:lnRef>
+          <a:fillRef idx="0">
+            <a:schemeClr val="accent1"/>
+          </a:fillRef>
+          <a:effectRef idx="0">
+            <a:schemeClr val="accent1"/>
+          </a:effectRef>
+          <a:fontRef idx="minor">
+            <a:schemeClr val="tx1"/>
+          </a:fontRef>
+        </p:style>
+      </p:cxnSp>
+      <p:cxnSp>
+        <p:nvCxnSpPr>
+          <p:cNvPr id="43" name="Conector reto 42"/>
+          <p:cNvCxnSpPr/>
+          <p:nvPr/>
+        </p:nvCxnSpPr>
+        <p:spPr>
+          <a:xfrm>
+            <a:off x="4031940" y="2725741"/>
+            <a:ext cx="1449155" cy="0"/>
+          </a:xfrm>
+          <a:prstGeom prst="line">
+            <a:avLst/>
+          </a:prstGeom>
+          <a:ln w="25400">
+            <a:solidFill>
+              <a:schemeClr val="tx1"/>
+            </a:solidFill>
+          </a:ln>
+        </p:spPr>
+        <p:style>
+          <a:lnRef idx="1">
+            <a:schemeClr val="accent1"/>
+          </a:lnRef>
+          <a:fillRef idx="0">
+            <a:schemeClr val="accent1"/>
+          </a:fillRef>
+          <a:effectRef idx="0">
+            <a:schemeClr val="accent1"/>
+          </a:effectRef>
+          <a:fontRef idx="minor">
+            <a:schemeClr val="tx1"/>
+          </a:fontRef>
+        </p:style>
+      </p:cxnSp>
+      <p:sp>
+        <p:nvSpPr>
+          <p:cNvPr id="44" name="CaixaDeTexto 43"/>
+          <p:cNvSpPr txBox="1"/>
+          <p:nvPr/>
+        </p:nvSpPr>
+        <p:spPr>
+          <a:xfrm>
+            <a:off x="4307323" y="2212393"/>
+            <a:ext cx="1080120" cy="369332"/>
+          </a:xfrm>
+          <a:prstGeom prst="rect">
+            <a:avLst/>
+          </a:prstGeom>
+          <a:noFill/>
+        </p:spPr>
+        <p:txBody>
+          <a:bodyPr wrap="square" rtlCol="0">
+            <a:spAutoFit/>
+          </a:bodyPr>
+          <a:lstStyle/>
+          <a:p>
+            <a:pPr algn="ctr"/>
+            <a:r>
+              <a:rPr lang="en-US" dirty="0" smtClean="0"/>
+              <a:t>Feature C</a:t>
+            </a:r>
+            <a:endParaRPr lang="en-US" dirty="0"/>
+          </a:p>
+        </p:txBody>
+      </p:sp>
+      <p:cxnSp>
+        <p:nvCxnSpPr>
+          <p:cNvPr id="45" name="Conector reto 44"/>
+          <p:cNvCxnSpPr/>
+          <p:nvPr/>
+        </p:nvCxnSpPr>
+        <p:spPr>
+          <a:xfrm flipH="1" flipV="1">
+            <a:off x="5553103" y="3962530"/>
+            <a:ext cx="1071125" cy="828470"/>
+          </a:xfrm>
+          <a:prstGeom prst="line">
+            <a:avLst/>
+          </a:prstGeom>
+          <a:ln w="25400">
+            <a:solidFill>
+              <a:schemeClr val="tx1"/>
+            </a:solidFill>
+          </a:ln>
+        </p:spPr>
+        <p:style>
+          <a:lnRef idx="1">
+            <a:schemeClr val="accent1"/>
+          </a:lnRef>
+          <a:fillRef idx="0">
+            <a:schemeClr val="accent1"/>
+          </a:fillRef>
+          <a:effectRef idx="0">
+            <a:schemeClr val="accent1"/>
+          </a:effectRef>
+          <a:fontRef idx="minor">
+            <a:schemeClr val="tx1"/>
+          </a:fontRef>
+        </p:style>
+      </p:cxnSp>
+      <p:cxnSp>
+        <p:nvCxnSpPr>
+          <p:cNvPr id="48" name="Conector reto 47"/>
+          <p:cNvCxnSpPr/>
+          <p:nvPr/>
+        </p:nvCxnSpPr>
+        <p:spPr>
+          <a:xfrm flipH="1" flipV="1">
+            <a:off x="5481095" y="3519570"/>
+            <a:ext cx="1143133" cy="1271430"/>
+          </a:xfrm>
+          <a:prstGeom prst="line">
+            <a:avLst/>
+          </a:prstGeom>
+          <a:ln w="25400">
+            <a:solidFill>
+              <a:schemeClr val="tx1"/>
+            </a:solidFill>
+          </a:ln>
+        </p:spPr>
+        <p:style>
+          <a:lnRef idx="1">
+            <a:schemeClr val="accent1"/>
+          </a:lnRef>
+          <a:fillRef idx="0">
+            <a:schemeClr val="accent1"/>
+          </a:fillRef>
+          <a:effectRef idx="0">
+            <a:schemeClr val="accent1"/>
+          </a:effectRef>
+          <a:fontRef idx="minor">
+            <a:schemeClr val="tx1"/>
+          </a:fontRef>
+        </p:style>
+      </p:cxnSp>
+      <p:cxnSp>
+        <p:nvCxnSpPr>
+          <p:cNvPr id="51" name="Conector reto 50"/>
+          <p:cNvCxnSpPr/>
+          <p:nvPr/>
+        </p:nvCxnSpPr>
+        <p:spPr>
+          <a:xfrm flipH="1" flipV="1">
+            <a:off x="5481095" y="2725741"/>
+            <a:ext cx="1143134" cy="2065260"/>
+          </a:xfrm>
+          <a:prstGeom prst="line">
+            <a:avLst/>
+          </a:prstGeom>
+          <a:ln w="25400">
+            <a:solidFill>
+              <a:schemeClr val="tx1"/>
+            </a:solidFill>
+          </a:ln>
+        </p:spPr>
+        <p:style>
+          <a:lnRef idx="1">
+            <a:schemeClr val="accent1"/>
+          </a:lnRef>
+          <a:fillRef idx="0">
+            <a:schemeClr val="accent1"/>
+          </a:fillRef>
+          <a:effectRef idx="0">
+            <a:schemeClr val="accent1"/>
+          </a:effectRef>
+          <a:fontRef idx="minor">
+            <a:schemeClr val="tx1"/>
+          </a:fontRef>
+        </p:style>
+      </p:cxnSp>
+      <p:sp>
+        <p:nvSpPr>
+          <p:cNvPr id="56" name="Elipse 55"/>
+          <p:cNvSpPr/>
+          <p:nvPr/>
+        </p:nvSpPr>
+        <p:spPr>
+          <a:xfrm>
+            <a:off x="6516216" y="4646606"/>
+            <a:ext cx="216024" cy="216024"/>
+          </a:xfrm>
+          <a:prstGeom prst="ellipse">
+            <a:avLst/>
+          </a:prstGeom>
+          <a:solidFill>
+            <a:schemeClr val="tx1"/>
+          </a:solidFill>
+          <a:ln>
+            <a:solidFill>
+              <a:schemeClr val="tx1"/>
+            </a:solidFill>
+          </a:ln>
+        </p:spPr>
+        <p:style>
+          <a:lnRef idx="2">
+            <a:schemeClr val="accent1">
+              <a:shade val="50000"/>
+            </a:schemeClr>
+          </a:lnRef>
+          <a:fillRef idx="1">
+            <a:schemeClr val="accent1"/>
+          </a:fillRef>
+          <a:effectRef idx="0">
+            <a:schemeClr val="accent1"/>
+          </a:effectRef>
+          <a:fontRef idx="minor">
+            <a:schemeClr val="lt1"/>
+          </a:fontRef>
+        </p:style>
+        <p:txBody>
+          <a:bodyPr rtlCol="0" anchor="ctr"/>
+          <a:lstStyle/>
+          <a:p>
+            <a:pPr algn="ctr"/>
+            <a:endParaRPr lang="en-US"/>
+          </a:p>
+        </p:txBody>
+      </p:sp>
+      <p:sp>
+        <p:nvSpPr>
+          <p:cNvPr id="57" name="CaixaDeTexto 56"/>
+          <p:cNvSpPr txBox="1"/>
+          <p:nvPr/>
+        </p:nvSpPr>
+        <p:spPr>
+          <a:xfrm>
+            <a:off x="6156176" y="4942909"/>
+            <a:ext cx="936104" cy="646331"/>
+          </a:xfrm>
+          <a:prstGeom prst="rect">
+            <a:avLst/>
+          </a:prstGeom>
+          <a:noFill/>
+        </p:spPr>
+        <p:txBody>
+          <a:bodyPr wrap="square" rtlCol="0">
+            <a:spAutoFit/>
+          </a:bodyPr>
+          <a:lstStyle/>
+          <a:p>
+            <a:pPr algn="ctr"/>
+            <a:r>
+              <a:rPr lang="en-US" dirty="0" smtClean="0"/>
+              <a:t>Merge Commit</a:t>
+            </a:r>
+            <a:endParaRPr lang="en-US" dirty="0"/>
+          </a:p>
+        </p:txBody>
+      </p:sp>
+      <p:sp>
+        <p:nvSpPr>
+          <p:cNvPr id="6" name="Elipse 5"/>
+          <p:cNvSpPr/>
+          <p:nvPr/>
+        </p:nvSpPr>
+        <p:spPr>
+          <a:xfrm>
+            <a:off x="2643290" y="4635694"/>
+            <a:ext cx="216024" cy="216024"/>
+          </a:xfrm>
+          <a:prstGeom prst="ellipse">
+            <a:avLst/>
+          </a:prstGeom>
+          <a:solidFill>
+            <a:srgbClr val="FF0000"/>
+          </a:solidFill>
+          <a:ln>
+            <a:solidFill>
+              <a:srgbClr val="FF0000"/>
+            </a:solidFill>
+          </a:ln>
+        </p:spPr>
+        <p:style>
+          <a:lnRef idx="2">
+            <a:schemeClr val="accent1">
+              <a:shade val="50000"/>
+            </a:schemeClr>
+          </a:lnRef>
+          <a:fillRef idx="1">
+            <a:schemeClr val="accent1"/>
+          </a:fillRef>
+          <a:effectRef idx="0">
+            <a:schemeClr val="accent1"/>
+          </a:effectRef>
+          <a:fontRef idx="minor">
+            <a:schemeClr val="lt1"/>
+          </a:fontRef>
+        </p:style>
+        <p:txBody>
+          <a:bodyPr rtlCol="0" anchor="ctr"/>
+          <a:lstStyle/>
+          <a:p>
+            <a:pPr algn="ctr"/>
+            <a:endParaRPr lang="en-US"/>
+          </a:p>
+        </p:txBody>
+      </p:sp>
+      <p:sp>
+        <p:nvSpPr>
+          <p:cNvPr id="8" name="Elipse 7"/>
+          <p:cNvSpPr/>
+          <p:nvPr/>
+        </p:nvSpPr>
+        <p:spPr>
+          <a:xfrm>
+            <a:off x="4499992" y="3851448"/>
+            <a:ext cx="216024" cy="216024"/>
+          </a:xfrm>
+          <a:prstGeom prst="ellipse">
+            <a:avLst/>
+          </a:prstGeom>
+          <a:solidFill>
+            <a:srgbClr val="FF0000"/>
+          </a:solidFill>
+          <a:ln>
+            <a:solidFill>
+              <a:srgbClr val="FF0000"/>
+            </a:solidFill>
+          </a:ln>
+        </p:spPr>
+        <p:style>
+          <a:lnRef idx="2">
+            <a:schemeClr val="accent1">
+              <a:shade val="50000"/>
+            </a:schemeClr>
+          </a:lnRef>
+          <a:fillRef idx="1">
+            <a:schemeClr val="accent1"/>
+          </a:fillRef>
+          <a:effectRef idx="0">
+            <a:schemeClr val="accent1"/>
+          </a:effectRef>
+          <a:fontRef idx="minor">
+            <a:schemeClr val="lt1"/>
+          </a:fontRef>
+        </p:style>
+        <p:txBody>
+          <a:bodyPr rtlCol="0" anchor="ctr"/>
+          <a:lstStyle/>
+          <a:p>
+            <a:pPr algn="ctr"/>
+            <a:endParaRPr lang="en-US"/>
+          </a:p>
+        </p:txBody>
+      </p:sp>
+      <p:sp>
+        <p:nvSpPr>
+          <p:cNvPr id="10" name="Elipse 9"/>
+          <p:cNvSpPr/>
+          <p:nvPr/>
+        </p:nvSpPr>
+        <p:spPr>
+          <a:xfrm>
+            <a:off x="4680012" y="3411558"/>
+            <a:ext cx="216024" cy="216024"/>
+          </a:xfrm>
+          <a:prstGeom prst="ellipse">
+            <a:avLst/>
+          </a:prstGeom>
+          <a:solidFill>
+            <a:srgbClr val="FF0000"/>
+          </a:solidFill>
+          <a:ln>
+            <a:solidFill>
+              <a:srgbClr val="FF0000"/>
+            </a:solidFill>
+          </a:ln>
+        </p:spPr>
+        <p:style>
+          <a:lnRef idx="2">
+            <a:schemeClr val="accent1">
+              <a:shade val="50000"/>
+            </a:schemeClr>
+          </a:lnRef>
+          <a:fillRef idx="1">
+            <a:schemeClr val="accent1"/>
+          </a:fillRef>
+          <a:effectRef idx="0">
+            <a:schemeClr val="accent1"/>
+          </a:effectRef>
+          <a:fontRef idx="minor">
+            <a:schemeClr val="lt1"/>
+          </a:fontRef>
+        </p:style>
+        <p:txBody>
+          <a:bodyPr rtlCol="0" anchor="ctr"/>
+          <a:lstStyle/>
+          <a:p>
+            <a:pPr algn="ctr"/>
+            <a:endParaRPr lang="en-US"/>
+          </a:p>
+        </p:txBody>
+      </p:sp>
+      <p:sp>
+        <p:nvSpPr>
+          <p:cNvPr id="12" name="Elipse 11"/>
+          <p:cNvSpPr/>
+          <p:nvPr/>
+        </p:nvSpPr>
+        <p:spPr>
+          <a:xfrm>
+            <a:off x="4739371" y="2617729"/>
+            <a:ext cx="216024" cy="216024"/>
+          </a:xfrm>
+          <a:prstGeom prst="ellipse">
+            <a:avLst/>
+          </a:prstGeom>
+          <a:solidFill>
+            <a:srgbClr val="FF0000"/>
+          </a:solidFill>
+          <a:ln>
+            <a:solidFill>
+              <a:srgbClr val="FF0000"/>
+            </a:solidFill>
+          </a:ln>
+        </p:spPr>
+        <p:style>
+          <a:lnRef idx="2">
+            <a:schemeClr val="accent1">
+              <a:shade val="50000"/>
+            </a:schemeClr>
+          </a:lnRef>
+          <a:fillRef idx="1">
+            <a:schemeClr val="accent1"/>
+          </a:fillRef>
+          <a:effectRef idx="0">
+            <a:schemeClr val="accent1"/>
+          </a:effectRef>
+          <a:fontRef idx="minor">
+            <a:schemeClr val="lt1"/>
+          </a:fontRef>
+        </p:style>
+        <p:txBody>
+          <a:bodyPr rtlCol="0" anchor="ctr"/>
+          <a:lstStyle/>
+          <a:p>
+            <a:pPr algn="ctr"/>
+            <a:endParaRPr lang="en-US"/>
+          </a:p>
+        </p:txBody>
+      </p:sp>
+    </p:spTree>
+    <p:extLst>
+      <p:ext uri="{BB962C8B-B14F-4D97-AF65-F5344CB8AC3E}">
+        <p14:creationId xmlns:p14="http://schemas.microsoft.com/office/powerpoint/2010/main" val="4068230305"/>
+      </p:ext>
+    </p:extLst>
+  </p:cSld>
+  <p:clrMapOvr>
+    <a:masterClrMapping/>
+  </p:clrMapOvr>
+</p:sld>
+</file>
+
+<file path=ppt/slides/slide3.xml><?xml version="1.0" encoding="utf-8"?>
 <p:sld xmlns:a="http://schemas.openxmlformats.org/drawingml/2006/main" xmlns:r="http://schemas.openxmlformats.org/officeDocument/2006/relationships" xmlns:p="http://schemas.openxmlformats.org/presentationml/2006/main">
   <p:cSld>
     <p:spTree>
@@ -3385,7 +4259,7 @@
 </p:sld>
 </file>
 
-<file path=ppt/slides/slide3.xml><?xml version="1.0" encoding="utf-8"?>
+<file path=ppt/slides/slide4.xml><?xml version="1.0" encoding="utf-8"?>
 <p:sld xmlns:a="http://schemas.openxmlformats.org/drawingml/2006/main" xmlns:r="http://schemas.openxmlformats.org/officeDocument/2006/relationships" xmlns:p="http://schemas.openxmlformats.org/presentationml/2006/main">
   <p:cSld>
     <p:spTree>
@@ -3975,888 +4849,6 @@
     <p:extLst>
       <p:ext uri="{BB962C8B-B14F-4D97-AF65-F5344CB8AC3E}">
         <p14:creationId xmlns:p14="http://schemas.microsoft.com/office/powerpoint/2010/main" val="1058399534"/>
-      </p:ext>
-    </p:extLst>
-  </p:cSld>
-  <p:clrMapOvr>
-    <a:masterClrMapping/>
-  </p:clrMapOvr>
-</p:sld>
-</file>
-
-<file path=ppt/slides/slide4.xml><?xml version="1.0" encoding="utf-8"?>
-<p:sld xmlns:a="http://schemas.openxmlformats.org/drawingml/2006/main" xmlns:r="http://schemas.openxmlformats.org/officeDocument/2006/relationships" xmlns:p="http://schemas.openxmlformats.org/presentationml/2006/main">
-  <p:cSld>
-    <p:spTree>
-      <p:nvGrpSpPr>
-        <p:cNvPr id="1" name=""/>
-        <p:cNvGrpSpPr/>
-        <p:nvPr/>
-      </p:nvGrpSpPr>
-      <p:grpSpPr>
-        <a:xfrm>
-          <a:off x="0" y="0"/>
-          <a:ext cx="0" cy="0"/>
-          <a:chOff x="0" y="0"/>
-          <a:chExt cx="0" cy="0"/>
-        </a:xfrm>
-      </p:grpSpPr>
-      <p:sp>
-        <p:nvSpPr>
-          <p:cNvPr id="2" name="Título 1"/>
-          <p:cNvSpPr>
-            <a:spLocks noGrp="1"/>
-          </p:cNvSpPr>
-          <p:nvPr>
-            <p:ph type="title"/>
-          </p:nvPr>
-        </p:nvSpPr>
-        <p:spPr/>
-        <p:txBody>
-          <a:bodyPr>
-            <a:normAutofit fontScale="90000"/>
-          </a:bodyPr>
-          <a:lstStyle/>
-          <a:p>
-            <a:r>
-              <a:rPr lang="en-US" dirty="0" smtClean="0"/>
-              <a:t>2</a:t>
-            </a:r>
-            <a:r>
-              <a:rPr lang="en-US" baseline="30000" dirty="0" smtClean="0"/>
-              <a:t>nd</a:t>
-            </a:r>
-            <a:r>
-              <a:rPr lang="en-US" dirty="0" smtClean="0"/>
-              <a:t> step: compute features changesets from base commit </a:t>
-            </a:r>
-            <a:endParaRPr lang="en-US" dirty="0"/>
-          </a:p>
-        </p:txBody>
-      </p:sp>
-      <p:sp>
-        <p:nvSpPr>
-          <p:cNvPr id="15" name="CaixaDeTexto 14"/>
-          <p:cNvSpPr txBox="1"/>
-          <p:nvPr/>
-        </p:nvSpPr>
-        <p:spPr>
-          <a:xfrm>
-            <a:off x="1416560" y="3995772"/>
-            <a:ext cx="648072" cy="369332"/>
-          </a:xfrm>
-          <a:prstGeom prst="rect">
-            <a:avLst/>
-          </a:prstGeom>
-          <a:noFill/>
-        </p:spPr>
-        <p:txBody>
-          <a:bodyPr wrap="square" rtlCol="0">
-            <a:spAutoFit/>
-          </a:bodyPr>
-          <a:lstStyle/>
-          <a:p>
-            <a:pPr algn="ctr"/>
-            <a:r>
-              <a:rPr lang="en-US" b="1" dirty="0" smtClean="0"/>
-              <a:t>Base</a:t>
-            </a:r>
-            <a:endParaRPr lang="en-US" b="1" dirty="0"/>
-          </a:p>
-        </p:txBody>
-      </p:sp>
-      <p:sp>
-        <p:nvSpPr>
-          <p:cNvPr id="16" name="CaixaDeTexto 15"/>
-          <p:cNvSpPr txBox="1"/>
-          <p:nvPr/>
-        </p:nvSpPr>
-        <p:spPr>
-          <a:xfrm>
-            <a:off x="3644280" y="2555612"/>
-            <a:ext cx="1215752" cy="369332"/>
-          </a:xfrm>
-          <a:prstGeom prst="rect">
-            <a:avLst/>
-          </a:prstGeom>
-          <a:noFill/>
-        </p:spPr>
-        <p:txBody>
-          <a:bodyPr wrap="square" rtlCol="0">
-            <a:spAutoFit/>
-          </a:bodyPr>
-          <a:lstStyle/>
-          <a:p>
-            <a:pPr algn="ctr"/>
-            <a:r>
-              <a:rPr lang="en-US" b="1" dirty="0" smtClean="0"/>
-              <a:t>Feature A</a:t>
-            </a:r>
-            <a:endParaRPr lang="en-US" b="1" dirty="0"/>
-          </a:p>
-        </p:txBody>
-      </p:sp>
-      <p:sp>
-        <p:nvSpPr>
-          <p:cNvPr id="17" name="CaixaDeTexto 16"/>
-          <p:cNvSpPr txBox="1"/>
-          <p:nvPr/>
-        </p:nvSpPr>
-        <p:spPr>
-          <a:xfrm>
-            <a:off x="3644280" y="4025762"/>
-            <a:ext cx="1215752" cy="369332"/>
-          </a:xfrm>
-          <a:prstGeom prst="rect">
-            <a:avLst/>
-          </a:prstGeom>
-          <a:noFill/>
-        </p:spPr>
-        <p:txBody>
-          <a:bodyPr wrap="square" rtlCol="0">
-            <a:spAutoFit/>
-          </a:bodyPr>
-          <a:lstStyle/>
-          <a:p>
-            <a:pPr algn="ctr"/>
-            <a:r>
-              <a:rPr lang="en-US" b="1" dirty="0" smtClean="0"/>
-              <a:t>Feature B</a:t>
-            </a:r>
-            <a:endParaRPr lang="en-US" b="1" dirty="0"/>
-          </a:p>
-        </p:txBody>
-      </p:sp>
-      <p:sp>
-        <p:nvSpPr>
-          <p:cNvPr id="18" name="CaixaDeTexto 17"/>
-          <p:cNvSpPr txBox="1"/>
-          <p:nvPr/>
-        </p:nvSpPr>
-        <p:spPr>
-          <a:xfrm rot="16200000">
-            <a:off x="4019445" y="4388613"/>
-            <a:ext cx="447746" cy="369332"/>
-          </a:xfrm>
-          <a:prstGeom prst="rect">
-            <a:avLst/>
-          </a:prstGeom>
-          <a:noFill/>
-        </p:spPr>
-        <p:txBody>
-          <a:bodyPr wrap="square" rtlCol="0">
-            <a:spAutoFit/>
-          </a:bodyPr>
-          <a:lstStyle/>
-          <a:p>
-            <a:pPr algn="ctr"/>
-            <a:r>
-              <a:rPr lang="en-US" b="1" dirty="0" smtClean="0"/>
-              <a:t>…</a:t>
-            </a:r>
-            <a:endParaRPr lang="en-US" b="1" dirty="0"/>
-          </a:p>
-        </p:txBody>
-      </p:sp>
-      <p:pic>
-        <p:nvPicPr>
-          <p:cNvPr id="19" name="Picture 8" descr="https://encrypted-tbn1.gstatic.com/images?q=tbn:ANd9GcSTWegXeVbI7vkwCRdU7HXn6jpA-WP2OuRQlejJfqxk_dC-rbp7zg"/>
-          <p:cNvPicPr>
-            <a:picLocks noChangeAspect="1" noChangeArrowheads="1"/>
-          </p:cNvPicPr>
-          <p:nvPr/>
-        </p:nvPicPr>
-        <p:blipFill>
-          <a:blip r:embed="rId2" cstate="print">
-            <a:extLst>
-              <a:ext uri="{28A0092B-C50C-407E-A947-70E740481C1C}">
-                <a14:useLocalDpi xmlns:a14="http://schemas.microsoft.com/office/drawing/2010/main" val="0"/>
-              </a:ext>
-            </a:extLst>
-          </a:blip>
-          <a:srcRect/>
-          <a:stretch>
-            <a:fillRect/>
-          </a:stretch>
-        </p:blipFill>
-        <p:spPr bwMode="auto">
-          <a:xfrm>
-            <a:off x="1331640" y="3276376"/>
-            <a:ext cx="800696" cy="800696"/>
-          </a:xfrm>
-          <a:prstGeom prst="rect">
-            <a:avLst/>
-          </a:prstGeom>
-          <a:noFill/>
-          <a:extLst>
-            <a:ext uri="{909E8E84-426E-40DD-AFC4-6F175D3DCCD1}">
-              <a14:hiddenFill xmlns:a14="http://schemas.microsoft.com/office/drawing/2010/main">
-                <a:solidFill>
-                  <a:srgbClr val="FFFFFF"/>
-                </a:solidFill>
-              </a14:hiddenFill>
-            </a:ext>
-          </a:extLst>
-        </p:spPr>
-      </p:pic>
-      <p:pic>
-        <p:nvPicPr>
-          <p:cNvPr id="20" name="Picture 8" descr="https://encrypted-tbn1.gstatic.com/images?q=tbn:ANd9GcSTWegXeVbI7vkwCRdU7HXn6jpA-WP2OuRQlejJfqxk_dC-rbp7zg"/>
-          <p:cNvPicPr>
-            <a:picLocks noChangeAspect="1" noChangeArrowheads="1"/>
-          </p:cNvPicPr>
-          <p:nvPr/>
-        </p:nvPicPr>
-        <p:blipFill>
-          <a:blip r:embed="rId2" cstate="print">
-            <a:extLst>
-              <a:ext uri="{28A0092B-C50C-407E-A947-70E740481C1C}">
-                <a14:useLocalDpi xmlns:a14="http://schemas.microsoft.com/office/drawing/2010/main" val="0"/>
-              </a:ext>
-            </a:extLst>
-          </a:blip>
-          <a:srcRect/>
-          <a:stretch>
-            <a:fillRect/>
-          </a:stretch>
-        </p:blipFill>
-        <p:spPr bwMode="auto">
-          <a:xfrm>
-            <a:off x="3851808" y="1844824"/>
-            <a:ext cx="800696" cy="800696"/>
-          </a:xfrm>
-          <a:prstGeom prst="rect">
-            <a:avLst/>
-          </a:prstGeom>
-          <a:noFill/>
-          <a:extLst>
-            <a:ext uri="{909E8E84-426E-40DD-AFC4-6F175D3DCCD1}">
-              <a14:hiddenFill xmlns:a14="http://schemas.microsoft.com/office/drawing/2010/main">
-                <a:solidFill>
-                  <a:srgbClr val="FFFFFF"/>
-                </a:solidFill>
-              </a14:hiddenFill>
-            </a:ext>
-          </a:extLst>
-        </p:spPr>
-      </p:pic>
-      <p:pic>
-        <p:nvPicPr>
-          <p:cNvPr id="21" name="Picture 8" descr="https://encrypted-tbn1.gstatic.com/images?q=tbn:ANd9GcSTWegXeVbI7vkwCRdU7HXn6jpA-WP2OuRQlejJfqxk_dC-rbp7zg"/>
-          <p:cNvPicPr>
-            <a:picLocks noChangeAspect="1" noChangeArrowheads="1"/>
-          </p:cNvPicPr>
-          <p:nvPr/>
-        </p:nvPicPr>
-        <p:blipFill>
-          <a:blip r:embed="rId2" cstate="print">
-            <a:extLst>
-              <a:ext uri="{28A0092B-C50C-407E-A947-70E740481C1C}">
-                <a14:useLocalDpi xmlns:a14="http://schemas.microsoft.com/office/drawing/2010/main" val="0"/>
-              </a:ext>
-            </a:extLst>
-          </a:blip>
-          <a:srcRect/>
-          <a:stretch>
-            <a:fillRect/>
-          </a:stretch>
-        </p:blipFill>
-        <p:spPr bwMode="auto">
-          <a:xfrm>
-            <a:off x="3860416" y="3262234"/>
-            <a:ext cx="800696" cy="800696"/>
-          </a:xfrm>
-          <a:prstGeom prst="rect">
-            <a:avLst/>
-          </a:prstGeom>
-          <a:noFill/>
-          <a:extLst>
-            <a:ext uri="{909E8E84-426E-40DD-AFC4-6F175D3DCCD1}">
-              <a14:hiddenFill xmlns:a14="http://schemas.microsoft.com/office/drawing/2010/main">
-                <a:solidFill>
-                  <a:srgbClr val="FFFFFF"/>
-                </a:solidFill>
-              </a14:hiddenFill>
-            </a:ext>
-          </a:extLst>
-        </p:spPr>
-      </p:pic>
-      <p:sp>
-        <p:nvSpPr>
-          <p:cNvPr id="22" name="CaixaDeTexto 21"/>
-          <p:cNvSpPr txBox="1"/>
-          <p:nvPr/>
-        </p:nvSpPr>
-        <p:spPr>
-          <a:xfrm>
-            <a:off x="3635896" y="5579948"/>
-            <a:ext cx="1215752" cy="369332"/>
-          </a:xfrm>
-          <a:prstGeom prst="rect">
-            <a:avLst/>
-          </a:prstGeom>
-          <a:noFill/>
-        </p:spPr>
-        <p:txBody>
-          <a:bodyPr wrap="square" rtlCol="0">
-            <a:spAutoFit/>
-          </a:bodyPr>
-          <a:lstStyle/>
-          <a:p>
-            <a:pPr algn="ctr"/>
-            <a:r>
-              <a:rPr lang="en-US" b="1" dirty="0" smtClean="0"/>
-              <a:t>Feature N</a:t>
-            </a:r>
-            <a:endParaRPr lang="en-US" b="1" dirty="0"/>
-          </a:p>
-        </p:txBody>
-      </p:sp>
-      <p:pic>
-        <p:nvPicPr>
-          <p:cNvPr id="23" name="Picture 8" descr="https://encrypted-tbn1.gstatic.com/images?q=tbn:ANd9GcSTWegXeVbI7vkwCRdU7HXn6jpA-WP2OuRQlejJfqxk_dC-rbp7zg"/>
-          <p:cNvPicPr>
-            <a:picLocks noChangeAspect="1" noChangeArrowheads="1"/>
-          </p:cNvPicPr>
-          <p:nvPr/>
-        </p:nvPicPr>
-        <p:blipFill>
-          <a:blip r:embed="rId2" cstate="print">
-            <a:extLst>
-              <a:ext uri="{28A0092B-C50C-407E-A947-70E740481C1C}">
-                <a14:useLocalDpi xmlns:a14="http://schemas.microsoft.com/office/drawing/2010/main" val="0"/>
-              </a:ext>
-            </a:extLst>
-          </a:blip>
-          <a:srcRect/>
-          <a:stretch>
-            <a:fillRect/>
-          </a:stretch>
-        </p:blipFill>
-        <p:spPr bwMode="auto">
-          <a:xfrm>
-            <a:off x="3852032" y="4816420"/>
-            <a:ext cx="800696" cy="800696"/>
-          </a:xfrm>
-          <a:prstGeom prst="rect">
-            <a:avLst/>
-          </a:prstGeom>
-          <a:noFill/>
-          <a:extLst>
-            <a:ext uri="{909E8E84-426E-40DD-AFC4-6F175D3DCCD1}">
-              <a14:hiddenFill xmlns:a14="http://schemas.microsoft.com/office/drawing/2010/main">
-                <a:solidFill>
-                  <a:srgbClr val="FFFFFF"/>
-                </a:solidFill>
-              </a14:hiddenFill>
-            </a:ext>
-          </a:extLst>
-        </p:spPr>
-      </p:pic>
-      <p:cxnSp>
-        <p:nvCxnSpPr>
-          <p:cNvPr id="25" name="Conector de seta reta 24"/>
-          <p:cNvCxnSpPr>
-            <a:stCxn id="19" idx="3"/>
-            <a:endCxn id="20" idx="1"/>
-          </p:cNvCxnSpPr>
-          <p:nvPr/>
-        </p:nvCxnSpPr>
-        <p:spPr>
-          <a:xfrm flipV="1">
-            <a:off x="2132336" y="2245172"/>
-            <a:ext cx="1719472" cy="1431552"/>
-          </a:xfrm>
-          <a:prstGeom prst="straightConnector1">
-            <a:avLst/>
-          </a:prstGeom>
-          <a:ln w="25400">
-            <a:solidFill>
-              <a:schemeClr val="tx1"/>
-            </a:solidFill>
-            <a:tailEnd type="arrow"/>
-          </a:ln>
-        </p:spPr>
-        <p:style>
-          <a:lnRef idx="1">
-            <a:schemeClr val="accent1"/>
-          </a:lnRef>
-          <a:fillRef idx="0">
-            <a:schemeClr val="accent1"/>
-          </a:fillRef>
-          <a:effectRef idx="0">
-            <a:schemeClr val="accent1"/>
-          </a:effectRef>
-          <a:fontRef idx="minor">
-            <a:schemeClr val="tx1"/>
-          </a:fontRef>
-        </p:style>
-      </p:cxnSp>
-      <p:cxnSp>
-        <p:nvCxnSpPr>
-          <p:cNvPr id="26" name="Conector de seta reta 25"/>
-          <p:cNvCxnSpPr>
-            <a:stCxn id="19" idx="3"/>
-            <a:endCxn id="21" idx="1"/>
-          </p:cNvCxnSpPr>
-          <p:nvPr/>
-        </p:nvCxnSpPr>
-        <p:spPr>
-          <a:xfrm flipV="1">
-            <a:off x="2132336" y="3662582"/>
-            <a:ext cx="1728080" cy="14142"/>
-          </a:xfrm>
-          <a:prstGeom prst="straightConnector1">
-            <a:avLst/>
-          </a:prstGeom>
-          <a:ln w="25400">
-            <a:solidFill>
-              <a:schemeClr val="tx1"/>
-            </a:solidFill>
-            <a:tailEnd type="arrow"/>
-          </a:ln>
-        </p:spPr>
-        <p:style>
-          <a:lnRef idx="1">
-            <a:schemeClr val="accent1"/>
-          </a:lnRef>
-          <a:fillRef idx="0">
-            <a:schemeClr val="accent1"/>
-          </a:fillRef>
-          <a:effectRef idx="0">
-            <a:schemeClr val="accent1"/>
-          </a:effectRef>
-          <a:fontRef idx="minor">
-            <a:schemeClr val="tx1"/>
-          </a:fontRef>
-        </p:style>
-      </p:cxnSp>
-      <p:cxnSp>
-        <p:nvCxnSpPr>
-          <p:cNvPr id="31" name="Conector de seta reta 30"/>
-          <p:cNvCxnSpPr>
-            <a:stCxn id="19" idx="3"/>
-            <a:endCxn id="23" idx="1"/>
-          </p:cNvCxnSpPr>
-          <p:nvPr/>
-        </p:nvCxnSpPr>
-        <p:spPr>
-          <a:xfrm>
-            <a:off x="2132336" y="3676724"/>
-            <a:ext cx="1719696" cy="1540044"/>
-          </a:xfrm>
-          <a:prstGeom prst="straightConnector1">
-            <a:avLst/>
-          </a:prstGeom>
-          <a:ln w="25400">
-            <a:solidFill>
-              <a:schemeClr val="tx1"/>
-            </a:solidFill>
-            <a:tailEnd type="arrow"/>
-          </a:ln>
-        </p:spPr>
-        <p:style>
-          <a:lnRef idx="1">
-            <a:schemeClr val="accent1"/>
-          </a:lnRef>
-          <a:fillRef idx="0">
-            <a:schemeClr val="accent1"/>
-          </a:fillRef>
-          <a:effectRef idx="0">
-            <a:schemeClr val="accent1"/>
-          </a:effectRef>
-          <a:fontRef idx="minor">
-            <a:schemeClr val="tx1"/>
-          </a:fontRef>
-        </p:style>
-      </p:cxnSp>
-      <p:sp>
-        <p:nvSpPr>
-          <p:cNvPr id="34" name="Retângulo com Único Canto Aparado 33"/>
-          <p:cNvSpPr/>
-          <p:nvPr/>
-        </p:nvSpPr>
-        <p:spPr>
-          <a:xfrm>
-            <a:off x="5868940" y="1898861"/>
-            <a:ext cx="791292" cy="692622"/>
-          </a:xfrm>
-          <a:prstGeom prst="snip1Rect">
-            <a:avLst/>
-          </a:prstGeom>
-          <a:noFill/>
-          <a:ln>
-            <a:solidFill>
-              <a:schemeClr val="tx1"/>
-            </a:solidFill>
-          </a:ln>
-        </p:spPr>
-        <p:style>
-          <a:lnRef idx="2">
-            <a:schemeClr val="accent1">
-              <a:shade val="50000"/>
-            </a:schemeClr>
-          </a:lnRef>
-          <a:fillRef idx="1">
-            <a:schemeClr val="accent1"/>
-          </a:fillRef>
-          <a:effectRef idx="0">
-            <a:schemeClr val="accent1"/>
-          </a:effectRef>
-          <a:fontRef idx="minor">
-            <a:schemeClr val="lt1"/>
-          </a:fontRef>
-        </p:style>
-        <p:txBody>
-          <a:bodyPr rtlCol="0" anchor="ctr"/>
-          <a:lstStyle/>
-          <a:p>
-            <a:pPr algn="ctr"/>
-            <a:r>
-              <a:rPr lang="en-US" u="sng" dirty="0" smtClean="0">
-                <a:solidFill>
-                  <a:schemeClr val="tx1"/>
-                </a:solidFill>
-              </a:rPr>
-              <a:t>________</a:t>
-            </a:r>
-            <a:endParaRPr lang="en-US" u="sng" dirty="0">
-              <a:solidFill>
-                <a:schemeClr val="tx1"/>
-              </a:solidFill>
-            </a:endParaRPr>
-          </a:p>
-        </p:txBody>
-      </p:sp>
-      <p:sp>
-        <p:nvSpPr>
-          <p:cNvPr id="35" name="CaixaDeTexto 34"/>
-          <p:cNvSpPr txBox="1"/>
-          <p:nvPr/>
-        </p:nvSpPr>
-        <p:spPr>
-          <a:xfrm>
-            <a:off x="5580112" y="2627620"/>
-            <a:ext cx="1368152" cy="369332"/>
-          </a:xfrm>
-          <a:prstGeom prst="rect">
-            <a:avLst/>
-          </a:prstGeom>
-          <a:noFill/>
-        </p:spPr>
-        <p:txBody>
-          <a:bodyPr wrap="square" rtlCol="0">
-            <a:spAutoFit/>
-          </a:bodyPr>
-          <a:lstStyle/>
-          <a:p>
-            <a:pPr algn="ctr"/>
-            <a:r>
-              <a:rPr lang="en-US" b="1" dirty="0" smtClean="0"/>
-              <a:t>Changeset A</a:t>
-            </a:r>
-            <a:endParaRPr lang="en-US" b="1" dirty="0"/>
-          </a:p>
-        </p:txBody>
-      </p:sp>
-      <p:cxnSp>
-        <p:nvCxnSpPr>
-          <p:cNvPr id="36" name="Conector de seta reta 35"/>
-          <p:cNvCxnSpPr>
-            <a:stCxn id="20" idx="3"/>
-            <a:endCxn id="34" idx="2"/>
-          </p:cNvCxnSpPr>
-          <p:nvPr/>
-        </p:nvCxnSpPr>
-        <p:spPr>
-          <a:xfrm>
-            <a:off x="4652504" y="2245172"/>
-            <a:ext cx="1216436" cy="0"/>
-          </a:xfrm>
-          <a:prstGeom prst="straightConnector1">
-            <a:avLst/>
-          </a:prstGeom>
-          <a:ln w="25400">
-            <a:solidFill>
-              <a:schemeClr val="tx1"/>
-            </a:solidFill>
-            <a:tailEnd type="arrow"/>
-          </a:ln>
-        </p:spPr>
-        <p:style>
-          <a:lnRef idx="1">
-            <a:schemeClr val="accent1"/>
-          </a:lnRef>
-          <a:fillRef idx="0">
-            <a:schemeClr val="accent1"/>
-          </a:fillRef>
-          <a:effectRef idx="0">
-            <a:schemeClr val="accent1"/>
-          </a:effectRef>
-          <a:fontRef idx="minor">
-            <a:schemeClr val="tx1"/>
-          </a:fontRef>
-        </p:style>
-      </p:cxnSp>
-      <p:sp>
-        <p:nvSpPr>
-          <p:cNvPr id="40" name="Retângulo com Único Canto Aparado 39"/>
-          <p:cNvSpPr/>
-          <p:nvPr/>
-        </p:nvSpPr>
-        <p:spPr>
-          <a:xfrm>
-            <a:off x="5868940" y="3316271"/>
-            <a:ext cx="791292" cy="692622"/>
-          </a:xfrm>
-          <a:prstGeom prst="snip1Rect">
-            <a:avLst/>
-          </a:prstGeom>
-          <a:noFill/>
-          <a:ln>
-            <a:solidFill>
-              <a:schemeClr val="tx1"/>
-            </a:solidFill>
-          </a:ln>
-        </p:spPr>
-        <p:style>
-          <a:lnRef idx="2">
-            <a:schemeClr val="accent1">
-              <a:shade val="50000"/>
-            </a:schemeClr>
-          </a:lnRef>
-          <a:fillRef idx="1">
-            <a:schemeClr val="accent1"/>
-          </a:fillRef>
-          <a:effectRef idx="0">
-            <a:schemeClr val="accent1"/>
-          </a:effectRef>
-          <a:fontRef idx="minor">
-            <a:schemeClr val="lt1"/>
-          </a:fontRef>
-        </p:style>
-        <p:txBody>
-          <a:bodyPr rtlCol="0" anchor="ctr"/>
-          <a:lstStyle/>
-          <a:p>
-            <a:pPr algn="ctr"/>
-            <a:r>
-              <a:rPr lang="en-US" u="sng" dirty="0" smtClean="0">
-                <a:solidFill>
-                  <a:schemeClr val="tx1"/>
-                </a:solidFill>
-              </a:rPr>
-              <a:t>________</a:t>
-            </a:r>
-            <a:endParaRPr lang="en-US" u="sng" dirty="0">
-              <a:solidFill>
-                <a:schemeClr val="tx1"/>
-              </a:solidFill>
-            </a:endParaRPr>
-          </a:p>
-        </p:txBody>
-      </p:sp>
-      <p:sp>
-        <p:nvSpPr>
-          <p:cNvPr id="41" name="CaixaDeTexto 40"/>
-          <p:cNvSpPr txBox="1"/>
-          <p:nvPr/>
-        </p:nvSpPr>
-        <p:spPr>
-          <a:xfrm>
-            <a:off x="5580112" y="4067780"/>
-            <a:ext cx="1368152" cy="369332"/>
-          </a:xfrm>
-          <a:prstGeom prst="rect">
-            <a:avLst/>
-          </a:prstGeom>
-          <a:noFill/>
-        </p:spPr>
-        <p:txBody>
-          <a:bodyPr wrap="square" rtlCol="0">
-            <a:spAutoFit/>
-          </a:bodyPr>
-          <a:lstStyle/>
-          <a:p>
-            <a:pPr algn="ctr"/>
-            <a:r>
-              <a:rPr lang="en-US" b="1" dirty="0" smtClean="0"/>
-              <a:t>Changeset B</a:t>
-            </a:r>
-            <a:endParaRPr lang="en-US" b="1" dirty="0"/>
-          </a:p>
-        </p:txBody>
-      </p:sp>
-      <p:cxnSp>
-        <p:nvCxnSpPr>
-          <p:cNvPr id="42" name="Conector de seta reta 41"/>
-          <p:cNvCxnSpPr>
-            <a:stCxn id="21" idx="3"/>
-            <a:endCxn id="40" idx="2"/>
-          </p:cNvCxnSpPr>
-          <p:nvPr/>
-        </p:nvCxnSpPr>
-        <p:spPr>
-          <a:xfrm>
-            <a:off x="4661112" y="3662582"/>
-            <a:ext cx="1207828" cy="0"/>
-          </a:xfrm>
-          <a:prstGeom prst="straightConnector1">
-            <a:avLst/>
-          </a:prstGeom>
-          <a:ln w="25400">
-            <a:solidFill>
-              <a:schemeClr val="tx1"/>
-            </a:solidFill>
-            <a:tailEnd type="arrow"/>
-          </a:ln>
-        </p:spPr>
-        <p:style>
-          <a:lnRef idx="1">
-            <a:schemeClr val="accent1"/>
-          </a:lnRef>
-          <a:fillRef idx="0">
-            <a:schemeClr val="accent1"/>
-          </a:fillRef>
-          <a:effectRef idx="0">
-            <a:schemeClr val="accent1"/>
-          </a:effectRef>
-          <a:fontRef idx="minor">
-            <a:schemeClr val="tx1"/>
-          </a:fontRef>
-        </p:style>
-      </p:cxnSp>
-      <p:sp>
-        <p:nvSpPr>
-          <p:cNvPr id="45" name="Retângulo com Único Canto Aparado 44"/>
-          <p:cNvSpPr/>
-          <p:nvPr/>
-        </p:nvSpPr>
-        <p:spPr>
-          <a:xfrm>
-            <a:off x="5868940" y="4828439"/>
-            <a:ext cx="791292" cy="692622"/>
-          </a:xfrm>
-          <a:prstGeom prst="snip1Rect">
-            <a:avLst/>
-          </a:prstGeom>
-          <a:noFill/>
-          <a:ln>
-            <a:solidFill>
-              <a:schemeClr val="tx1"/>
-            </a:solidFill>
-          </a:ln>
-        </p:spPr>
-        <p:style>
-          <a:lnRef idx="2">
-            <a:schemeClr val="accent1">
-              <a:shade val="50000"/>
-            </a:schemeClr>
-          </a:lnRef>
-          <a:fillRef idx="1">
-            <a:schemeClr val="accent1"/>
-          </a:fillRef>
-          <a:effectRef idx="0">
-            <a:schemeClr val="accent1"/>
-          </a:effectRef>
-          <a:fontRef idx="minor">
-            <a:schemeClr val="lt1"/>
-          </a:fontRef>
-        </p:style>
-        <p:txBody>
-          <a:bodyPr rtlCol="0" anchor="ctr"/>
-          <a:lstStyle/>
-          <a:p>
-            <a:pPr algn="ctr"/>
-            <a:r>
-              <a:rPr lang="en-US" u="sng" dirty="0" smtClean="0">
-                <a:solidFill>
-                  <a:schemeClr val="tx1"/>
-                </a:solidFill>
-              </a:rPr>
-              <a:t>________</a:t>
-            </a:r>
-            <a:endParaRPr lang="en-US" u="sng" dirty="0">
-              <a:solidFill>
-                <a:schemeClr val="tx1"/>
-              </a:solidFill>
-            </a:endParaRPr>
-          </a:p>
-        </p:txBody>
-      </p:sp>
-      <p:sp>
-        <p:nvSpPr>
-          <p:cNvPr id="46" name="CaixaDeTexto 45"/>
-          <p:cNvSpPr txBox="1"/>
-          <p:nvPr/>
-        </p:nvSpPr>
-        <p:spPr>
-          <a:xfrm>
-            <a:off x="5580112" y="5579948"/>
-            <a:ext cx="1368152" cy="369332"/>
-          </a:xfrm>
-          <a:prstGeom prst="rect">
-            <a:avLst/>
-          </a:prstGeom>
-          <a:noFill/>
-        </p:spPr>
-        <p:txBody>
-          <a:bodyPr wrap="square" rtlCol="0">
-            <a:spAutoFit/>
-          </a:bodyPr>
-          <a:lstStyle/>
-          <a:p>
-            <a:pPr algn="ctr"/>
-            <a:r>
-              <a:rPr lang="en-US" b="1" dirty="0" smtClean="0"/>
-              <a:t>Changeset N</a:t>
-            </a:r>
-            <a:endParaRPr lang="en-US" b="1" dirty="0"/>
-          </a:p>
-        </p:txBody>
-      </p:sp>
-      <p:cxnSp>
-        <p:nvCxnSpPr>
-          <p:cNvPr id="47" name="Conector de seta reta 46"/>
-          <p:cNvCxnSpPr>
-            <a:endCxn id="45" idx="2"/>
-          </p:cNvCxnSpPr>
-          <p:nvPr/>
-        </p:nvCxnSpPr>
-        <p:spPr>
-          <a:xfrm>
-            <a:off x="4661112" y="5174750"/>
-            <a:ext cx="1207828" cy="0"/>
-          </a:xfrm>
-          <a:prstGeom prst="straightConnector1">
-            <a:avLst/>
-          </a:prstGeom>
-          <a:ln w="25400">
-            <a:solidFill>
-              <a:schemeClr val="tx1"/>
-            </a:solidFill>
-            <a:tailEnd type="arrow"/>
-          </a:ln>
-        </p:spPr>
-        <p:style>
-          <a:lnRef idx="1">
-            <a:schemeClr val="accent1"/>
-          </a:lnRef>
-          <a:fillRef idx="0">
-            <a:schemeClr val="accent1"/>
-          </a:fillRef>
-          <a:effectRef idx="0">
-            <a:schemeClr val="accent1"/>
-          </a:effectRef>
-          <a:fontRef idx="minor">
-            <a:schemeClr val="tx1"/>
-          </a:fontRef>
-        </p:style>
-      </p:cxnSp>
-    </p:spTree>
-    <p:extLst>
-      <p:ext uri="{BB962C8B-B14F-4D97-AF65-F5344CB8AC3E}">
-        <p14:creationId xmlns:p14="http://schemas.microsoft.com/office/powerpoint/2010/main" val="4087524318"/>
       </p:ext>
     </p:extLst>
   </p:cSld>
@@ -4902,15 +4894,15 @@
           <a:p>
             <a:r>
               <a:rPr lang="en-US" dirty="0" smtClean="0"/>
-              <a:t>3</a:t>
+              <a:t>2</a:t>
             </a:r>
             <a:r>
               <a:rPr lang="en-US" baseline="30000" dirty="0" smtClean="0"/>
-              <a:t>rd</a:t>
+              <a:t>nd</a:t>
             </a:r>
             <a:r>
               <a:rPr lang="en-US" dirty="0" smtClean="0"/>
-              <a:t> step: compute features changesets intersection</a:t>
+              <a:t> step: compute features changesets from base commit </a:t>
             </a:r>
             <a:endParaRPr lang="en-US" dirty="0"/>
           </a:p>
@@ -4918,13 +4910,449 @@
       </p:sp>
       <p:sp>
         <p:nvSpPr>
-          <p:cNvPr id="4" name="Retângulo com Único Canto Aparado 3"/>
+          <p:cNvPr id="15" name="CaixaDeTexto 14"/>
+          <p:cNvSpPr txBox="1"/>
+          <p:nvPr/>
+        </p:nvSpPr>
+        <p:spPr>
+          <a:xfrm>
+            <a:off x="1416560" y="3995772"/>
+            <a:ext cx="648072" cy="369332"/>
+          </a:xfrm>
+          <a:prstGeom prst="rect">
+            <a:avLst/>
+          </a:prstGeom>
+          <a:noFill/>
+        </p:spPr>
+        <p:txBody>
+          <a:bodyPr wrap="square" rtlCol="0">
+            <a:spAutoFit/>
+          </a:bodyPr>
+          <a:lstStyle/>
+          <a:p>
+            <a:pPr algn="ctr"/>
+            <a:r>
+              <a:rPr lang="en-US" b="1" dirty="0" smtClean="0"/>
+              <a:t>Base</a:t>
+            </a:r>
+            <a:endParaRPr lang="en-US" b="1" dirty="0"/>
+          </a:p>
+        </p:txBody>
+      </p:sp>
+      <p:sp>
+        <p:nvSpPr>
+          <p:cNvPr id="16" name="CaixaDeTexto 15"/>
+          <p:cNvSpPr txBox="1"/>
+          <p:nvPr/>
+        </p:nvSpPr>
+        <p:spPr>
+          <a:xfrm>
+            <a:off x="3644280" y="2555612"/>
+            <a:ext cx="1215752" cy="369332"/>
+          </a:xfrm>
+          <a:prstGeom prst="rect">
+            <a:avLst/>
+          </a:prstGeom>
+          <a:noFill/>
+        </p:spPr>
+        <p:txBody>
+          <a:bodyPr wrap="square" rtlCol="0">
+            <a:spAutoFit/>
+          </a:bodyPr>
+          <a:lstStyle/>
+          <a:p>
+            <a:pPr algn="ctr"/>
+            <a:r>
+              <a:rPr lang="en-US" b="1" dirty="0" smtClean="0"/>
+              <a:t>Feature A</a:t>
+            </a:r>
+            <a:endParaRPr lang="en-US" b="1" dirty="0"/>
+          </a:p>
+        </p:txBody>
+      </p:sp>
+      <p:sp>
+        <p:nvSpPr>
+          <p:cNvPr id="17" name="CaixaDeTexto 16"/>
+          <p:cNvSpPr txBox="1"/>
+          <p:nvPr/>
+        </p:nvSpPr>
+        <p:spPr>
+          <a:xfrm>
+            <a:off x="3644280" y="4025762"/>
+            <a:ext cx="1215752" cy="369332"/>
+          </a:xfrm>
+          <a:prstGeom prst="rect">
+            <a:avLst/>
+          </a:prstGeom>
+          <a:noFill/>
+        </p:spPr>
+        <p:txBody>
+          <a:bodyPr wrap="square" rtlCol="0">
+            <a:spAutoFit/>
+          </a:bodyPr>
+          <a:lstStyle/>
+          <a:p>
+            <a:pPr algn="ctr"/>
+            <a:r>
+              <a:rPr lang="en-US" b="1" dirty="0" smtClean="0"/>
+              <a:t>Feature B</a:t>
+            </a:r>
+            <a:endParaRPr lang="en-US" b="1" dirty="0"/>
+          </a:p>
+        </p:txBody>
+      </p:sp>
+      <p:sp>
+        <p:nvSpPr>
+          <p:cNvPr id="18" name="CaixaDeTexto 17"/>
+          <p:cNvSpPr txBox="1"/>
+          <p:nvPr/>
+        </p:nvSpPr>
+        <p:spPr>
+          <a:xfrm rot="16200000">
+            <a:off x="4019445" y="4388613"/>
+            <a:ext cx="447746" cy="369332"/>
+          </a:xfrm>
+          <a:prstGeom prst="rect">
+            <a:avLst/>
+          </a:prstGeom>
+          <a:noFill/>
+        </p:spPr>
+        <p:txBody>
+          <a:bodyPr wrap="square" rtlCol="0">
+            <a:spAutoFit/>
+          </a:bodyPr>
+          <a:lstStyle/>
+          <a:p>
+            <a:pPr algn="ctr"/>
+            <a:r>
+              <a:rPr lang="en-US" b="1" dirty="0" smtClean="0"/>
+              <a:t>…</a:t>
+            </a:r>
+            <a:endParaRPr lang="en-US" b="1" dirty="0"/>
+          </a:p>
+        </p:txBody>
+      </p:sp>
+      <p:pic>
+        <p:nvPicPr>
+          <p:cNvPr id="19" name="Picture 8" descr="https://encrypted-tbn1.gstatic.com/images?q=tbn:ANd9GcSTWegXeVbI7vkwCRdU7HXn6jpA-WP2OuRQlejJfqxk_dC-rbp7zg"/>
+          <p:cNvPicPr>
+            <a:picLocks noChangeAspect="1" noChangeArrowheads="1"/>
+          </p:cNvPicPr>
+          <p:nvPr/>
+        </p:nvPicPr>
+        <p:blipFill>
+          <a:blip r:embed="rId2" cstate="print">
+            <a:extLst>
+              <a:ext uri="{28A0092B-C50C-407E-A947-70E740481C1C}">
+                <a14:useLocalDpi xmlns:a14="http://schemas.microsoft.com/office/drawing/2010/main" val="0"/>
+              </a:ext>
+            </a:extLst>
+          </a:blip>
+          <a:srcRect/>
+          <a:stretch>
+            <a:fillRect/>
+          </a:stretch>
+        </p:blipFill>
+        <p:spPr bwMode="auto">
+          <a:xfrm>
+            <a:off x="1331640" y="3276376"/>
+            <a:ext cx="800696" cy="800696"/>
+          </a:xfrm>
+          <a:prstGeom prst="rect">
+            <a:avLst/>
+          </a:prstGeom>
+          <a:noFill/>
+          <a:extLst>
+            <a:ext uri="{909E8E84-426E-40DD-AFC4-6F175D3DCCD1}">
+              <a14:hiddenFill xmlns:a14="http://schemas.microsoft.com/office/drawing/2010/main">
+                <a:solidFill>
+                  <a:srgbClr val="FFFFFF"/>
+                </a:solidFill>
+              </a14:hiddenFill>
+            </a:ext>
+          </a:extLst>
+        </p:spPr>
+      </p:pic>
+      <p:pic>
+        <p:nvPicPr>
+          <p:cNvPr id="20" name="Picture 8" descr="https://encrypted-tbn1.gstatic.com/images?q=tbn:ANd9GcSTWegXeVbI7vkwCRdU7HXn6jpA-WP2OuRQlejJfqxk_dC-rbp7zg"/>
+          <p:cNvPicPr>
+            <a:picLocks noChangeAspect="1" noChangeArrowheads="1"/>
+          </p:cNvPicPr>
+          <p:nvPr/>
+        </p:nvPicPr>
+        <p:blipFill>
+          <a:blip r:embed="rId2" cstate="print">
+            <a:extLst>
+              <a:ext uri="{28A0092B-C50C-407E-A947-70E740481C1C}">
+                <a14:useLocalDpi xmlns:a14="http://schemas.microsoft.com/office/drawing/2010/main" val="0"/>
+              </a:ext>
+            </a:extLst>
+          </a:blip>
+          <a:srcRect/>
+          <a:stretch>
+            <a:fillRect/>
+          </a:stretch>
+        </p:blipFill>
+        <p:spPr bwMode="auto">
+          <a:xfrm>
+            <a:off x="3851808" y="1844824"/>
+            <a:ext cx="800696" cy="800696"/>
+          </a:xfrm>
+          <a:prstGeom prst="rect">
+            <a:avLst/>
+          </a:prstGeom>
+          <a:noFill/>
+          <a:extLst>
+            <a:ext uri="{909E8E84-426E-40DD-AFC4-6F175D3DCCD1}">
+              <a14:hiddenFill xmlns:a14="http://schemas.microsoft.com/office/drawing/2010/main">
+                <a:solidFill>
+                  <a:srgbClr val="FFFFFF"/>
+                </a:solidFill>
+              </a14:hiddenFill>
+            </a:ext>
+          </a:extLst>
+        </p:spPr>
+      </p:pic>
+      <p:pic>
+        <p:nvPicPr>
+          <p:cNvPr id="21" name="Picture 8" descr="https://encrypted-tbn1.gstatic.com/images?q=tbn:ANd9GcSTWegXeVbI7vkwCRdU7HXn6jpA-WP2OuRQlejJfqxk_dC-rbp7zg"/>
+          <p:cNvPicPr>
+            <a:picLocks noChangeAspect="1" noChangeArrowheads="1"/>
+          </p:cNvPicPr>
+          <p:nvPr/>
+        </p:nvPicPr>
+        <p:blipFill>
+          <a:blip r:embed="rId2" cstate="print">
+            <a:extLst>
+              <a:ext uri="{28A0092B-C50C-407E-A947-70E740481C1C}">
+                <a14:useLocalDpi xmlns:a14="http://schemas.microsoft.com/office/drawing/2010/main" val="0"/>
+              </a:ext>
+            </a:extLst>
+          </a:blip>
+          <a:srcRect/>
+          <a:stretch>
+            <a:fillRect/>
+          </a:stretch>
+        </p:blipFill>
+        <p:spPr bwMode="auto">
+          <a:xfrm>
+            <a:off x="3860416" y="3262234"/>
+            <a:ext cx="800696" cy="800696"/>
+          </a:xfrm>
+          <a:prstGeom prst="rect">
+            <a:avLst/>
+          </a:prstGeom>
+          <a:noFill/>
+          <a:extLst>
+            <a:ext uri="{909E8E84-426E-40DD-AFC4-6F175D3DCCD1}">
+              <a14:hiddenFill xmlns:a14="http://schemas.microsoft.com/office/drawing/2010/main">
+                <a:solidFill>
+                  <a:srgbClr val="FFFFFF"/>
+                </a:solidFill>
+              </a14:hiddenFill>
+            </a:ext>
+          </a:extLst>
+        </p:spPr>
+      </p:pic>
+      <p:sp>
+        <p:nvSpPr>
+          <p:cNvPr id="22" name="CaixaDeTexto 21"/>
+          <p:cNvSpPr txBox="1"/>
+          <p:nvPr/>
+        </p:nvSpPr>
+        <p:spPr>
+          <a:xfrm>
+            <a:off x="3635896" y="5579948"/>
+            <a:ext cx="1215752" cy="369332"/>
+          </a:xfrm>
+          <a:prstGeom prst="rect">
+            <a:avLst/>
+          </a:prstGeom>
+          <a:noFill/>
+        </p:spPr>
+        <p:txBody>
+          <a:bodyPr wrap="square" rtlCol="0">
+            <a:spAutoFit/>
+          </a:bodyPr>
+          <a:lstStyle/>
+          <a:p>
+            <a:pPr algn="ctr"/>
+            <a:r>
+              <a:rPr lang="en-US" b="1" dirty="0" smtClean="0"/>
+              <a:t>Feature N</a:t>
+            </a:r>
+            <a:endParaRPr lang="en-US" b="1" dirty="0"/>
+          </a:p>
+        </p:txBody>
+      </p:sp>
+      <p:pic>
+        <p:nvPicPr>
+          <p:cNvPr id="23" name="Picture 8" descr="https://encrypted-tbn1.gstatic.com/images?q=tbn:ANd9GcSTWegXeVbI7vkwCRdU7HXn6jpA-WP2OuRQlejJfqxk_dC-rbp7zg"/>
+          <p:cNvPicPr>
+            <a:picLocks noChangeAspect="1" noChangeArrowheads="1"/>
+          </p:cNvPicPr>
+          <p:nvPr/>
+        </p:nvPicPr>
+        <p:blipFill>
+          <a:blip r:embed="rId2" cstate="print">
+            <a:extLst>
+              <a:ext uri="{28A0092B-C50C-407E-A947-70E740481C1C}">
+                <a14:useLocalDpi xmlns:a14="http://schemas.microsoft.com/office/drawing/2010/main" val="0"/>
+              </a:ext>
+            </a:extLst>
+          </a:blip>
+          <a:srcRect/>
+          <a:stretch>
+            <a:fillRect/>
+          </a:stretch>
+        </p:blipFill>
+        <p:spPr bwMode="auto">
+          <a:xfrm>
+            <a:off x="3852032" y="4816420"/>
+            <a:ext cx="800696" cy="800696"/>
+          </a:xfrm>
+          <a:prstGeom prst="rect">
+            <a:avLst/>
+          </a:prstGeom>
+          <a:noFill/>
+          <a:extLst>
+            <a:ext uri="{909E8E84-426E-40DD-AFC4-6F175D3DCCD1}">
+              <a14:hiddenFill xmlns:a14="http://schemas.microsoft.com/office/drawing/2010/main">
+                <a:solidFill>
+                  <a:srgbClr val="FFFFFF"/>
+                </a:solidFill>
+              </a14:hiddenFill>
+            </a:ext>
+          </a:extLst>
+        </p:spPr>
+      </p:pic>
+      <p:cxnSp>
+        <p:nvCxnSpPr>
+          <p:cNvPr id="25" name="Conector de seta reta 24"/>
+          <p:cNvCxnSpPr>
+            <a:stCxn id="19" idx="3"/>
+            <a:endCxn id="20" idx="1"/>
+          </p:cNvCxnSpPr>
+          <p:nvPr/>
+        </p:nvCxnSpPr>
+        <p:spPr>
+          <a:xfrm flipV="1">
+            <a:off x="2132336" y="2245172"/>
+            <a:ext cx="1719472" cy="1431552"/>
+          </a:xfrm>
+          <a:prstGeom prst="straightConnector1">
+            <a:avLst/>
+          </a:prstGeom>
+          <a:ln w="25400">
+            <a:solidFill>
+              <a:schemeClr val="tx1"/>
+            </a:solidFill>
+            <a:tailEnd type="arrow"/>
+          </a:ln>
+        </p:spPr>
+        <p:style>
+          <a:lnRef idx="1">
+            <a:schemeClr val="accent1"/>
+          </a:lnRef>
+          <a:fillRef idx="0">
+            <a:schemeClr val="accent1"/>
+          </a:fillRef>
+          <a:effectRef idx="0">
+            <a:schemeClr val="accent1"/>
+          </a:effectRef>
+          <a:fontRef idx="minor">
+            <a:schemeClr val="tx1"/>
+          </a:fontRef>
+        </p:style>
+      </p:cxnSp>
+      <p:cxnSp>
+        <p:nvCxnSpPr>
+          <p:cNvPr id="26" name="Conector de seta reta 25"/>
+          <p:cNvCxnSpPr>
+            <a:stCxn id="19" idx="3"/>
+            <a:endCxn id="21" idx="1"/>
+          </p:cNvCxnSpPr>
+          <p:nvPr/>
+        </p:nvCxnSpPr>
+        <p:spPr>
+          <a:xfrm flipV="1">
+            <a:off x="2132336" y="3662582"/>
+            <a:ext cx="1728080" cy="14142"/>
+          </a:xfrm>
+          <a:prstGeom prst="straightConnector1">
+            <a:avLst/>
+          </a:prstGeom>
+          <a:ln w="25400">
+            <a:solidFill>
+              <a:schemeClr val="tx1"/>
+            </a:solidFill>
+            <a:tailEnd type="arrow"/>
+          </a:ln>
+        </p:spPr>
+        <p:style>
+          <a:lnRef idx="1">
+            <a:schemeClr val="accent1"/>
+          </a:lnRef>
+          <a:fillRef idx="0">
+            <a:schemeClr val="accent1"/>
+          </a:fillRef>
+          <a:effectRef idx="0">
+            <a:schemeClr val="accent1"/>
+          </a:effectRef>
+          <a:fontRef idx="minor">
+            <a:schemeClr val="tx1"/>
+          </a:fontRef>
+        </p:style>
+      </p:cxnSp>
+      <p:cxnSp>
+        <p:nvCxnSpPr>
+          <p:cNvPr id="31" name="Conector de seta reta 30"/>
+          <p:cNvCxnSpPr>
+            <a:stCxn id="19" idx="3"/>
+            <a:endCxn id="23" idx="1"/>
+          </p:cNvCxnSpPr>
+          <p:nvPr/>
+        </p:nvCxnSpPr>
+        <p:spPr>
+          <a:xfrm>
+            <a:off x="2132336" y="3676724"/>
+            <a:ext cx="1719696" cy="1540044"/>
+          </a:xfrm>
+          <a:prstGeom prst="straightConnector1">
+            <a:avLst/>
+          </a:prstGeom>
+          <a:ln w="25400">
+            <a:solidFill>
+              <a:schemeClr val="tx1"/>
+            </a:solidFill>
+            <a:tailEnd type="arrow"/>
+          </a:ln>
+        </p:spPr>
+        <p:style>
+          <a:lnRef idx="1">
+            <a:schemeClr val="accent1"/>
+          </a:lnRef>
+          <a:fillRef idx="0">
+            <a:schemeClr val="accent1"/>
+          </a:fillRef>
+          <a:effectRef idx="0">
+            <a:schemeClr val="accent1"/>
+          </a:effectRef>
+          <a:fontRef idx="minor">
+            <a:schemeClr val="tx1"/>
+          </a:fontRef>
+        </p:style>
+      </p:cxnSp>
+      <p:sp>
+        <p:nvSpPr>
+          <p:cNvPr id="34" name="Retângulo com Único Canto Aparado 33"/>
           <p:cNvSpPr/>
           <p:nvPr/>
         </p:nvSpPr>
         <p:spPr>
           <a:xfrm>
-            <a:off x="1836492" y="2978981"/>
+            <a:off x="5868940" y="1898861"/>
             <a:ext cx="791292" cy="692622"/>
           </a:xfrm>
           <a:prstGeom prst="snip1Rect">
@@ -4976,13 +5404,13 @@
       </p:sp>
       <p:sp>
         <p:nvSpPr>
-          <p:cNvPr id="5" name="CaixaDeTexto 4"/>
+          <p:cNvPr id="35" name="CaixaDeTexto 34"/>
           <p:cNvSpPr txBox="1"/>
           <p:nvPr/>
         </p:nvSpPr>
         <p:spPr>
           <a:xfrm>
-            <a:off x="1547664" y="3707740"/>
+            <a:off x="5580112" y="2627620"/>
             <a:ext cx="1368152" cy="369332"/>
           </a:xfrm>
           <a:prstGeom prst="rect">
@@ -5005,15 +5433,54 @@
           </a:p>
         </p:txBody>
       </p:sp>
-      <p:sp>
-        <p:nvSpPr>
-          <p:cNvPr id="6" name="Retângulo com Único Canto Aparado 5"/>
+      <p:cxnSp>
+        <p:nvCxnSpPr>
+          <p:cNvPr id="36" name="Conector de seta reta 35"/>
+          <p:cNvCxnSpPr>
+            <a:stCxn id="20" idx="3"/>
+            <a:endCxn id="34" idx="2"/>
+          </p:cNvCxnSpPr>
+          <p:nvPr/>
+        </p:nvCxnSpPr>
+        <p:spPr>
+          <a:xfrm>
+            <a:off x="4652504" y="2245172"/>
+            <a:ext cx="1216436" cy="0"/>
+          </a:xfrm>
+          <a:prstGeom prst="straightConnector1">
+            <a:avLst/>
+          </a:prstGeom>
+          <a:ln w="25400">
+            <a:solidFill>
+              <a:schemeClr val="tx1"/>
+            </a:solidFill>
+            <a:tailEnd type="arrow"/>
+          </a:ln>
+        </p:spPr>
+        <p:style>
+          <a:lnRef idx="1">
+            <a:schemeClr val="accent1"/>
+          </a:lnRef>
+          <a:fillRef idx="0">
+            <a:schemeClr val="accent1"/>
+          </a:fillRef>
+          <a:effectRef idx="0">
+            <a:schemeClr val="accent1"/>
+          </a:effectRef>
+          <a:fontRef idx="minor">
+            <a:schemeClr val="tx1"/>
+          </a:fontRef>
+        </p:style>
+      </p:cxnSp>
+      <p:sp>
+        <p:nvSpPr>
+          <p:cNvPr id="40" name="Retângulo com Único Canto Aparado 39"/>
           <p:cNvSpPr/>
           <p:nvPr/>
         </p:nvSpPr>
         <p:spPr>
           <a:xfrm>
-            <a:off x="4140748" y="2924944"/>
+            <a:off x="5868940" y="3316271"/>
             <a:ext cx="791292" cy="692622"/>
           </a:xfrm>
           <a:prstGeom prst="snip1Rect">
@@ -5065,13 +5532,13 @@
       </p:sp>
       <p:sp>
         <p:nvSpPr>
-          <p:cNvPr id="7" name="CaixaDeTexto 6"/>
+          <p:cNvPr id="41" name="CaixaDeTexto 40"/>
           <p:cNvSpPr txBox="1"/>
           <p:nvPr/>
         </p:nvSpPr>
         <p:spPr>
           <a:xfrm>
-            <a:off x="3779912" y="3676453"/>
+            <a:off x="5580112" y="4067780"/>
             <a:ext cx="1368152" cy="369332"/>
           </a:xfrm>
           <a:prstGeom prst="rect">
@@ -5094,15 +5561,54 @@
           </a:p>
         </p:txBody>
       </p:sp>
-      <p:sp>
-        <p:nvSpPr>
-          <p:cNvPr id="8" name="Retângulo com Único Canto Aparado 7"/>
+      <p:cxnSp>
+        <p:nvCxnSpPr>
+          <p:cNvPr id="42" name="Conector de seta reta 41"/>
+          <p:cNvCxnSpPr>
+            <a:stCxn id="21" idx="3"/>
+            <a:endCxn id="40" idx="2"/>
+          </p:cNvCxnSpPr>
+          <p:nvPr/>
+        </p:nvCxnSpPr>
+        <p:spPr>
+          <a:xfrm>
+            <a:off x="4661112" y="3662582"/>
+            <a:ext cx="1207828" cy="0"/>
+          </a:xfrm>
+          <a:prstGeom prst="straightConnector1">
+            <a:avLst/>
+          </a:prstGeom>
+          <a:ln w="25400">
+            <a:solidFill>
+              <a:schemeClr val="tx1"/>
+            </a:solidFill>
+            <a:tailEnd type="arrow"/>
+          </a:ln>
+        </p:spPr>
+        <p:style>
+          <a:lnRef idx="1">
+            <a:schemeClr val="accent1"/>
+          </a:lnRef>
+          <a:fillRef idx="0">
+            <a:schemeClr val="accent1"/>
+          </a:fillRef>
+          <a:effectRef idx="0">
+            <a:schemeClr val="accent1"/>
+          </a:effectRef>
+          <a:fontRef idx="minor">
+            <a:schemeClr val="tx1"/>
+          </a:fontRef>
+        </p:style>
+      </p:cxnSp>
+      <p:sp>
+        <p:nvSpPr>
+          <p:cNvPr id="45" name="Retângulo com Único Canto Aparado 44"/>
           <p:cNvSpPr/>
           <p:nvPr/>
         </p:nvSpPr>
         <p:spPr>
           <a:xfrm>
-            <a:off x="4140748" y="4180367"/>
+            <a:off x="5868940" y="4828439"/>
             <a:ext cx="791292" cy="692622"/>
           </a:xfrm>
           <a:prstGeom prst="snip1Rect">
@@ -5154,13 +5660,13 @@
       </p:sp>
       <p:sp>
         <p:nvSpPr>
-          <p:cNvPr id="9" name="CaixaDeTexto 8"/>
+          <p:cNvPr id="46" name="CaixaDeTexto 45"/>
           <p:cNvSpPr txBox="1"/>
           <p:nvPr/>
         </p:nvSpPr>
         <p:spPr>
           <a:xfrm>
-            <a:off x="3851920" y="4931876"/>
+            <a:off x="5580112" y="5579948"/>
             <a:ext cx="1368152" cy="369332"/>
           </a:xfrm>
           <a:prstGeom prst="rect">
@@ -5177,843 +5683,54 @@
             <a:pPr algn="ctr"/>
             <a:r>
               <a:rPr lang="en-US" b="1" dirty="0" smtClean="0"/>
-              <a:t>Changeset C</a:t>
+              <a:t>Changeset N</a:t>
             </a:r>
             <a:endParaRPr lang="en-US" b="1" dirty="0"/>
           </a:p>
         </p:txBody>
       </p:sp>
-      <p:sp>
-        <p:nvSpPr>
-          <p:cNvPr id="10" name="Retângulo com Único Canto Aparado 9"/>
-          <p:cNvSpPr/>
-          <p:nvPr/>
-        </p:nvSpPr>
-        <p:spPr>
-          <a:xfrm>
-            <a:off x="1836492" y="4162396"/>
-            <a:ext cx="791292" cy="692622"/>
-          </a:xfrm>
-          <a:prstGeom prst="snip1Rect">
-            <a:avLst/>
-          </a:prstGeom>
-          <a:noFill/>
-          <a:ln>
+      <p:cxnSp>
+        <p:nvCxnSpPr>
+          <p:cNvPr id="47" name="Conector de seta reta 46"/>
+          <p:cNvCxnSpPr>
+            <a:endCxn id="45" idx="2"/>
+          </p:cNvCxnSpPr>
+          <p:nvPr/>
+        </p:nvCxnSpPr>
+        <p:spPr>
+          <a:xfrm>
+            <a:off x="4661112" y="5174750"/>
+            <a:ext cx="1207828" cy="0"/>
+          </a:xfrm>
+          <a:prstGeom prst="straightConnector1">
+            <a:avLst/>
+          </a:prstGeom>
+          <a:ln w="25400">
             <a:solidFill>
               <a:schemeClr val="tx1"/>
             </a:solidFill>
+            <a:tailEnd type="arrow"/>
           </a:ln>
         </p:spPr>
         <p:style>
-          <a:lnRef idx="2">
-            <a:schemeClr val="accent1">
-              <a:shade val="50000"/>
-            </a:schemeClr>
+          <a:lnRef idx="1">
+            <a:schemeClr val="accent1"/>
           </a:lnRef>
-          <a:fillRef idx="1">
+          <a:fillRef idx="0">
             <a:schemeClr val="accent1"/>
           </a:fillRef>
           <a:effectRef idx="0">
             <a:schemeClr val="accent1"/>
           </a:effectRef>
           <a:fontRef idx="minor">
-            <a:schemeClr val="lt1"/>
+            <a:schemeClr val="tx1"/>
           </a:fontRef>
         </p:style>
-        <p:txBody>
-          <a:bodyPr rtlCol="0" anchor="ctr"/>
-          <a:lstStyle/>
-          <a:p>
-            <a:pPr algn="ctr"/>
-            <a:r>
-              <a:rPr lang="en-US" u="sng" dirty="0" smtClean="0">
-                <a:solidFill>
-                  <a:schemeClr val="tx1"/>
-                </a:solidFill>
-              </a:rPr>
-              <a:t>________</a:t>
-            </a:r>
-            <a:endParaRPr lang="en-US" u="sng" dirty="0">
-              <a:solidFill>
-                <a:schemeClr val="tx1"/>
-              </a:solidFill>
-            </a:endParaRPr>
-          </a:p>
-        </p:txBody>
-      </p:sp>
-      <p:sp>
-        <p:nvSpPr>
-          <p:cNvPr id="11" name="CaixaDeTexto 10"/>
-          <p:cNvSpPr txBox="1"/>
-          <p:nvPr/>
-        </p:nvSpPr>
-        <p:spPr>
-          <a:xfrm>
-            <a:off x="1547664" y="4891155"/>
-            <a:ext cx="1368152" cy="369332"/>
-          </a:xfrm>
-          <a:prstGeom prst="rect">
-            <a:avLst/>
-          </a:prstGeom>
-          <a:noFill/>
-        </p:spPr>
-        <p:txBody>
-          <a:bodyPr wrap="square" rtlCol="0">
-            <a:spAutoFit/>
-          </a:bodyPr>
-          <a:lstStyle/>
-          <a:p>
-            <a:pPr algn="ctr"/>
-            <a:r>
-              <a:rPr lang="en-US" b="1" dirty="0" smtClean="0"/>
-              <a:t>Changeset A</a:t>
-            </a:r>
-            <a:endParaRPr lang="en-US" b="1" dirty="0"/>
-          </a:p>
-        </p:txBody>
-      </p:sp>
-      <p:sp>
-        <p:nvSpPr>
-          <p:cNvPr id="12" name="Espaço Reservado para Conteúdo 2"/>
-          <p:cNvSpPr>
-            <a:spLocks noGrp="1"/>
-          </p:cNvSpPr>
-          <p:nvPr>
-            <p:ph idx="1"/>
-          </p:nvPr>
-        </p:nvSpPr>
-        <p:spPr>
-          <a:xfrm>
-            <a:off x="97160" y="1772816"/>
-            <a:ext cx="4114800" cy="604664"/>
-          </a:xfrm>
-        </p:spPr>
-        <p:txBody>
-          <a:bodyPr/>
-          <a:lstStyle/>
-          <a:p>
-            <a:pPr marL="0" indent="0">
-              <a:buNone/>
-            </a:pPr>
-            <a:r>
-              <a:rPr lang="en-US" dirty="0" smtClean="0"/>
-              <a:t>For features A, B and C:</a:t>
-            </a:r>
-            <a:endParaRPr lang="en-US" dirty="0"/>
-          </a:p>
-        </p:txBody>
-      </p:sp>
-      <p:sp>
-        <p:nvSpPr>
-          <p:cNvPr id="13" name="Retângulo com Único Canto Aparado 12"/>
-          <p:cNvSpPr/>
-          <p:nvPr/>
-        </p:nvSpPr>
-        <p:spPr>
-          <a:xfrm>
-            <a:off x="1836492" y="5332495"/>
-            <a:ext cx="791292" cy="692622"/>
-          </a:xfrm>
-          <a:prstGeom prst="snip1Rect">
-            <a:avLst/>
-          </a:prstGeom>
-          <a:noFill/>
-          <a:ln>
-            <a:solidFill>
-              <a:schemeClr val="tx1"/>
-            </a:solidFill>
-          </a:ln>
-        </p:spPr>
-        <p:style>
-          <a:lnRef idx="2">
-            <a:schemeClr val="accent1">
-              <a:shade val="50000"/>
-            </a:schemeClr>
-          </a:lnRef>
-          <a:fillRef idx="1">
-            <a:schemeClr val="accent1"/>
-          </a:fillRef>
-          <a:effectRef idx="0">
-            <a:schemeClr val="accent1"/>
-          </a:effectRef>
-          <a:fontRef idx="minor">
-            <a:schemeClr val="lt1"/>
-          </a:fontRef>
-        </p:style>
-        <p:txBody>
-          <a:bodyPr rtlCol="0" anchor="ctr"/>
-          <a:lstStyle/>
-          <a:p>
-            <a:pPr algn="ctr"/>
-            <a:r>
-              <a:rPr lang="en-US" u="sng" dirty="0" smtClean="0">
-                <a:solidFill>
-                  <a:schemeClr val="tx1"/>
-                </a:solidFill>
-              </a:rPr>
-              <a:t>________</a:t>
-            </a:r>
-            <a:endParaRPr lang="en-US" u="sng" dirty="0">
-              <a:solidFill>
-                <a:schemeClr val="tx1"/>
-              </a:solidFill>
-            </a:endParaRPr>
-          </a:p>
-        </p:txBody>
-      </p:sp>
-      <p:sp>
-        <p:nvSpPr>
-          <p:cNvPr id="14" name="CaixaDeTexto 13"/>
-          <p:cNvSpPr txBox="1"/>
-          <p:nvPr/>
-        </p:nvSpPr>
-        <p:spPr>
-          <a:xfrm>
-            <a:off x="1547664" y="6084004"/>
-            <a:ext cx="1368152" cy="369332"/>
-          </a:xfrm>
-          <a:prstGeom prst="rect">
-            <a:avLst/>
-          </a:prstGeom>
-          <a:noFill/>
-        </p:spPr>
-        <p:txBody>
-          <a:bodyPr wrap="square" rtlCol="0">
-            <a:spAutoFit/>
-          </a:bodyPr>
-          <a:lstStyle/>
-          <a:p>
-            <a:pPr algn="ctr"/>
-            <a:r>
-              <a:rPr lang="en-US" b="1" dirty="0" smtClean="0"/>
-              <a:t>Changeset B</a:t>
-            </a:r>
-            <a:endParaRPr lang="en-US" b="1" dirty="0"/>
-          </a:p>
-        </p:txBody>
-      </p:sp>
-      <p:sp>
-        <p:nvSpPr>
-          <p:cNvPr id="15" name="Retângulo com Único Canto Aparado 14"/>
-          <p:cNvSpPr/>
-          <p:nvPr/>
-        </p:nvSpPr>
-        <p:spPr>
-          <a:xfrm>
-            <a:off x="4140748" y="5332495"/>
-            <a:ext cx="791292" cy="692622"/>
-          </a:xfrm>
-          <a:prstGeom prst="snip1Rect">
-            <a:avLst/>
-          </a:prstGeom>
-          <a:noFill/>
-          <a:ln>
-            <a:solidFill>
-              <a:schemeClr val="tx1"/>
-            </a:solidFill>
-          </a:ln>
-        </p:spPr>
-        <p:style>
-          <a:lnRef idx="2">
-            <a:schemeClr val="accent1">
-              <a:shade val="50000"/>
-            </a:schemeClr>
-          </a:lnRef>
-          <a:fillRef idx="1">
-            <a:schemeClr val="accent1"/>
-          </a:fillRef>
-          <a:effectRef idx="0">
-            <a:schemeClr val="accent1"/>
-          </a:effectRef>
-          <a:fontRef idx="minor">
-            <a:schemeClr val="lt1"/>
-          </a:fontRef>
-        </p:style>
-        <p:txBody>
-          <a:bodyPr rtlCol="0" anchor="ctr"/>
-          <a:lstStyle/>
-          <a:p>
-            <a:pPr algn="ctr"/>
-            <a:r>
-              <a:rPr lang="en-US" u="sng" dirty="0" smtClean="0">
-                <a:solidFill>
-                  <a:schemeClr val="tx1"/>
-                </a:solidFill>
-              </a:rPr>
-              <a:t>________</a:t>
-            </a:r>
-            <a:endParaRPr lang="en-US" u="sng" dirty="0">
-              <a:solidFill>
-                <a:schemeClr val="tx1"/>
-              </a:solidFill>
-            </a:endParaRPr>
-          </a:p>
-        </p:txBody>
-      </p:sp>
-      <p:sp>
-        <p:nvSpPr>
-          <p:cNvPr id="16" name="CaixaDeTexto 15"/>
-          <p:cNvSpPr txBox="1"/>
-          <p:nvPr/>
-        </p:nvSpPr>
-        <p:spPr>
-          <a:xfrm>
-            <a:off x="3851920" y="6084004"/>
-            <a:ext cx="1368152" cy="369332"/>
-          </a:xfrm>
-          <a:prstGeom prst="rect">
-            <a:avLst/>
-          </a:prstGeom>
-          <a:noFill/>
-        </p:spPr>
-        <p:txBody>
-          <a:bodyPr wrap="square" rtlCol="0">
-            <a:spAutoFit/>
-          </a:bodyPr>
-          <a:lstStyle/>
-          <a:p>
-            <a:pPr algn="ctr"/>
-            <a:r>
-              <a:rPr lang="en-US" b="1" dirty="0" smtClean="0"/>
-              <a:t>Changeset C</a:t>
-            </a:r>
-            <a:endParaRPr lang="en-US" b="1" dirty="0"/>
-          </a:p>
-        </p:txBody>
-      </p:sp>
-      <p:sp>
-        <p:nvSpPr>
-          <p:cNvPr id="21" name="Retângulo 20"/>
-          <p:cNvSpPr/>
-          <p:nvPr/>
-        </p:nvSpPr>
-        <p:spPr>
-          <a:xfrm rot="10800000">
-            <a:off x="3203848" y="3140968"/>
-            <a:ext cx="504056" cy="446190"/>
-          </a:xfrm>
-          <a:prstGeom prst="rect">
-            <a:avLst/>
-          </a:prstGeom>
-          <a:noFill/>
-          <a:ln>
-            <a:noFill/>
-          </a:ln>
-        </p:spPr>
-        <p:style>
-          <a:lnRef idx="2">
-            <a:schemeClr val="accent1">
-              <a:shade val="50000"/>
-            </a:schemeClr>
-          </a:lnRef>
-          <a:fillRef idx="1">
-            <a:schemeClr val="accent1"/>
-          </a:fillRef>
-          <a:effectRef idx="0">
-            <a:schemeClr val="accent1"/>
-          </a:effectRef>
-          <a:fontRef idx="minor">
-            <a:schemeClr val="lt1"/>
-          </a:fontRef>
-        </p:style>
-        <p:txBody>
-          <a:bodyPr rtlCol="0" anchor="ctr"/>
-          <a:lstStyle/>
-          <a:p>
-            <a:pPr algn="ctr"/>
-            <a:r>
-              <a:rPr lang="en-US" sz="3600" b="1" dirty="0" smtClean="0">
-                <a:solidFill>
-                  <a:schemeClr val="tx1"/>
-                </a:solidFill>
-              </a:rPr>
-              <a:t>U</a:t>
-            </a:r>
-            <a:endParaRPr lang="en-US" sz="3600" b="1" dirty="0">
-              <a:solidFill>
-                <a:schemeClr val="tx1"/>
-              </a:solidFill>
-            </a:endParaRPr>
-          </a:p>
-        </p:txBody>
-      </p:sp>
-      <p:sp>
-        <p:nvSpPr>
-          <p:cNvPr id="22" name="Retângulo 21"/>
-          <p:cNvSpPr/>
-          <p:nvPr/>
-        </p:nvSpPr>
-        <p:spPr>
-          <a:xfrm rot="10800000">
-            <a:off x="3203848" y="4293096"/>
-            <a:ext cx="504056" cy="446190"/>
-          </a:xfrm>
-          <a:prstGeom prst="rect">
-            <a:avLst/>
-          </a:prstGeom>
-          <a:noFill/>
-          <a:ln>
-            <a:noFill/>
-          </a:ln>
-        </p:spPr>
-        <p:style>
-          <a:lnRef idx="2">
-            <a:schemeClr val="accent1">
-              <a:shade val="50000"/>
-            </a:schemeClr>
-          </a:lnRef>
-          <a:fillRef idx="1">
-            <a:schemeClr val="accent1"/>
-          </a:fillRef>
-          <a:effectRef idx="0">
-            <a:schemeClr val="accent1"/>
-          </a:effectRef>
-          <a:fontRef idx="minor">
-            <a:schemeClr val="lt1"/>
-          </a:fontRef>
-        </p:style>
-        <p:txBody>
-          <a:bodyPr rtlCol="0" anchor="ctr"/>
-          <a:lstStyle/>
-          <a:p>
-            <a:pPr algn="ctr"/>
-            <a:r>
-              <a:rPr lang="en-US" sz="3600" b="1" dirty="0" smtClean="0">
-                <a:solidFill>
-                  <a:schemeClr val="tx1"/>
-                </a:solidFill>
-              </a:rPr>
-              <a:t>U</a:t>
-            </a:r>
-            <a:endParaRPr lang="en-US" sz="3600" b="1" dirty="0">
-              <a:solidFill>
-                <a:schemeClr val="tx1"/>
-              </a:solidFill>
-            </a:endParaRPr>
-          </a:p>
-        </p:txBody>
-      </p:sp>
-      <p:sp>
-        <p:nvSpPr>
-          <p:cNvPr id="23" name="Retângulo 22"/>
-          <p:cNvSpPr/>
-          <p:nvPr/>
-        </p:nvSpPr>
-        <p:spPr>
-          <a:xfrm rot="10800000">
-            <a:off x="3203848" y="5445224"/>
-            <a:ext cx="504056" cy="446190"/>
-          </a:xfrm>
-          <a:prstGeom prst="rect">
-            <a:avLst/>
-          </a:prstGeom>
-          <a:noFill/>
-          <a:ln>
-            <a:noFill/>
-          </a:ln>
-        </p:spPr>
-        <p:style>
-          <a:lnRef idx="2">
-            <a:schemeClr val="accent1">
-              <a:shade val="50000"/>
-            </a:schemeClr>
-          </a:lnRef>
-          <a:fillRef idx="1">
-            <a:schemeClr val="accent1"/>
-          </a:fillRef>
-          <a:effectRef idx="0">
-            <a:schemeClr val="accent1"/>
-          </a:effectRef>
-          <a:fontRef idx="minor">
-            <a:schemeClr val="lt1"/>
-          </a:fontRef>
-        </p:style>
-        <p:txBody>
-          <a:bodyPr rtlCol="0" anchor="ctr"/>
-          <a:lstStyle/>
-          <a:p>
-            <a:pPr algn="ctr"/>
-            <a:r>
-              <a:rPr lang="en-US" sz="3600" b="1" dirty="0" smtClean="0">
-                <a:solidFill>
-                  <a:schemeClr val="tx1"/>
-                </a:solidFill>
-              </a:rPr>
-              <a:t>U</a:t>
-            </a:r>
-            <a:endParaRPr lang="en-US" sz="3600" b="1" dirty="0">
-              <a:solidFill>
-                <a:schemeClr val="tx1"/>
-              </a:solidFill>
-            </a:endParaRPr>
-          </a:p>
-        </p:txBody>
-      </p:sp>
-      <p:sp>
-        <p:nvSpPr>
-          <p:cNvPr id="26" name="CaixaDeTexto 25"/>
-          <p:cNvSpPr txBox="1"/>
-          <p:nvPr/>
-        </p:nvSpPr>
-        <p:spPr>
-          <a:xfrm>
-            <a:off x="5508104" y="2996952"/>
-            <a:ext cx="360040" cy="646331"/>
-          </a:xfrm>
-          <a:prstGeom prst="rect">
-            <a:avLst/>
-          </a:prstGeom>
-          <a:noFill/>
-        </p:spPr>
-        <p:txBody>
-          <a:bodyPr wrap="square" rtlCol="0">
-            <a:spAutoFit/>
-          </a:bodyPr>
-          <a:lstStyle/>
-          <a:p>
-            <a:r>
-              <a:rPr lang="en-US" sz="3600" b="1" dirty="0" smtClean="0"/>
-              <a:t>=</a:t>
-            </a:r>
-            <a:endParaRPr lang="en-US" sz="3600" b="1" dirty="0"/>
-          </a:p>
-        </p:txBody>
-      </p:sp>
-      <p:sp>
-        <p:nvSpPr>
-          <p:cNvPr id="27" name="CaixaDeTexto 26"/>
-          <p:cNvSpPr txBox="1"/>
-          <p:nvPr/>
-        </p:nvSpPr>
-        <p:spPr>
-          <a:xfrm>
-            <a:off x="5508104" y="4221088"/>
-            <a:ext cx="360040" cy="646331"/>
-          </a:xfrm>
-          <a:prstGeom prst="rect">
-            <a:avLst/>
-          </a:prstGeom>
-          <a:noFill/>
-        </p:spPr>
-        <p:txBody>
-          <a:bodyPr wrap="square" rtlCol="0">
-            <a:spAutoFit/>
-          </a:bodyPr>
-          <a:lstStyle/>
-          <a:p>
-            <a:r>
-              <a:rPr lang="en-US" sz="3600" b="1" dirty="0" smtClean="0"/>
-              <a:t>=</a:t>
-            </a:r>
-            <a:endParaRPr lang="en-US" sz="3600" b="1" dirty="0"/>
-          </a:p>
-        </p:txBody>
-      </p:sp>
-      <p:sp>
-        <p:nvSpPr>
-          <p:cNvPr id="28" name="CaixaDeTexto 27"/>
-          <p:cNvSpPr txBox="1"/>
-          <p:nvPr/>
-        </p:nvSpPr>
-        <p:spPr>
-          <a:xfrm>
-            <a:off x="5508104" y="5373216"/>
-            <a:ext cx="360040" cy="646331"/>
-          </a:xfrm>
-          <a:prstGeom prst="rect">
-            <a:avLst/>
-          </a:prstGeom>
-          <a:noFill/>
-        </p:spPr>
-        <p:txBody>
-          <a:bodyPr wrap="square" rtlCol="0">
-            <a:spAutoFit/>
-          </a:bodyPr>
-          <a:lstStyle/>
-          <a:p>
-            <a:r>
-              <a:rPr lang="en-US" sz="3600" b="1" dirty="0" smtClean="0"/>
-              <a:t>=</a:t>
-            </a:r>
-            <a:endParaRPr lang="en-US" sz="3600" b="1" dirty="0"/>
-          </a:p>
-        </p:txBody>
-      </p:sp>
-      <p:sp>
-        <p:nvSpPr>
-          <p:cNvPr id="29" name="Retângulo com Único Canto Aparado 28"/>
-          <p:cNvSpPr/>
-          <p:nvPr/>
-        </p:nvSpPr>
-        <p:spPr>
-          <a:xfrm>
-            <a:off x="6445004" y="2924944"/>
-            <a:ext cx="791292" cy="692622"/>
-          </a:xfrm>
-          <a:prstGeom prst="snip1Rect">
-            <a:avLst/>
-          </a:prstGeom>
-          <a:noFill/>
-          <a:ln>
-            <a:solidFill>
-              <a:schemeClr val="tx1"/>
-            </a:solidFill>
-          </a:ln>
-        </p:spPr>
-        <p:style>
-          <a:lnRef idx="2">
-            <a:schemeClr val="accent1">
-              <a:shade val="50000"/>
-            </a:schemeClr>
-          </a:lnRef>
-          <a:fillRef idx="1">
-            <a:schemeClr val="accent1"/>
-          </a:fillRef>
-          <a:effectRef idx="0">
-            <a:schemeClr val="accent1"/>
-          </a:effectRef>
-          <a:fontRef idx="minor">
-            <a:schemeClr val="lt1"/>
-          </a:fontRef>
-        </p:style>
-        <p:txBody>
-          <a:bodyPr rtlCol="0" anchor="ctr"/>
-          <a:lstStyle/>
-          <a:p>
-            <a:pPr algn="ctr"/>
-            <a:r>
-              <a:rPr lang="en-US" u="sng" dirty="0" smtClean="0">
-                <a:solidFill>
-                  <a:schemeClr val="tx1"/>
-                </a:solidFill>
-              </a:rPr>
-              <a:t>________</a:t>
-            </a:r>
-            <a:endParaRPr lang="en-US" u="sng" dirty="0">
-              <a:solidFill>
-                <a:schemeClr val="tx1"/>
-              </a:solidFill>
-            </a:endParaRPr>
-          </a:p>
-        </p:txBody>
-      </p:sp>
-      <p:sp>
-        <p:nvSpPr>
-          <p:cNvPr id="30" name="CaixaDeTexto 29"/>
-          <p:cNvSpPr txBox="1"/>
-          <p:nvPr/>
-        </p:nvSpPr>
-        <p:spPr>
-          <a:xfrm>
-            <a:off x="6156176" y="3676453"/>
-            <a:ext cx="1368152" cy="369332"/>
-          </a:xfrm>
-          <a:prstGeom prst="rect">
-            <a:avLst/>
-          </a:prstGeom>
-          <a:noFill/>
-        </p:spPr>
-        <p:txBody>
-          <a:bodyPr wrap="square" rtlCol="0">
-            <a:spAutoFit/>
-          </a:bodyPr>
-          <a:lstStyle/>
-          <a:p>
-            <a:pPr algn="ctr"/>
-            <a:r>
-              <a:rPr lang="en-US" b="1" dirty="0" smtClean="0"/>
-              <a:t>A ^ B</a:t>
-            </a:r>
-            <a:endParaRPr lang="en-US" b="1" dirty="0"/>
-          </a:p>
-        </p:txBody>
-      </p:sp>
-      <p:sp>
-        <p:nvSpPr>
-          <p:cNvPr id="31" name="Retângulo com Único Canto Aparado 30"/>
-          <p:cNvSpPr/>
-          <p:nvPr/>
-        </p:nvSpPr>
-        <p:spPr>
-          <a:xfrm>
-            <a:off x="6445004" y="4180367"/>
-            <a:ext cx="791292" cy="692622"/>
-          </a:xfrm>
-          <a:prstGeom prst="snip1Rect">
-            <a:avLst/>
-          </a:prstGeom>
-          <a:noFill/>
-          <a:ln>
-            <a:solidFill>
-              <a:schemeClr val="tx1"/>
-            </a:solidFill>
-          </a:ln>
-        </p:spPr>
-        <p:style>
-          <a:lnRef idx="2">
-            <a:schemeClr val="accent1">
-              <a:shade val="50000"/>
-            </a:schemeClr>
-          </a:lnRef>
-          <a:fillRef idx="1">
-            <a:schemeClr val="accent1"/>
-          </a:fillRef>
-          <a:effectRef idx="0">
-            <a:schemeClr val="accent1"/>
-          </a:effectRef>
-          <a:fontRef idx="minor">
-            <a:schemeClr val="lt1"/>
-          </a:fontRef>
-        </p:style>
-        <p:txBody>
-          <a:bodyPr rtlCol="0" anchor="ctr"/>
-          <a:lstStyle/>
-          <a:p>
-            <a:pPr algn="ctr"/>
-            <a:r>
-              <a:rPr lang="en-US" u="sng" dirty="0" smtClean="0">
-                <a:solidFill>
-                  <a:schemeClr val="tx1"/>
-                </a:solidFill>
-              </a:rPr>
-              <a:t>________</a:t>
-            </a:r>
-            <a:endParaRPr lang="en-US" u="sng" dirty="0">
-              <a:solidFill>
-                <a:schemeClr val="tx1"/>
-              </a:solidFill>
-            </a:endParaRPr>
-          </a:p>
-        </p:txBody>
-      </p:sp>
-      <p:sp>
-        <p:nvSpPr>
-          <p:cNvPr id="32" name="CaixaDeTexto 31"/>
-          <p:cNvSpPr txBox="1"/>
-          <p:nvPr/>
-        </p:nvSpPr>
-        <p:spPr>
-          <a:xfrm>
-            <a:off x="6156176" y="4931876"/>
-            <a:ext cx="1368152" cy="369332"/>
-          </a:xfrm>
-          <a:prstGeom prst="rect">
-            <a:avLst/>
-          </a:prstGeom>
-          <a:noFill/>
-        </p:spPr>
-        <p:txBody>
-          <a:bodyPr wrap="square" rtlCol="0">
-            <a:spAutoFit/>
-          </a:bodyPr>
-          <a:lstStyle/>
-          <a:p>
-            <a:pPr algn="ctr"/>
-            <a:r>
-              <a:rPr lang="en-US" b="1" dirty="0" smtClean="0"/>
-              <a:t>A ^ C</a:t>
-            </a:r>
-            <a:endParaRPr lang="en-US" b="1" dirty="0"/>
-          </a:p>
-        </p:txBody>
-      </p:sp>
-      <p:sp>
-        <p:nvSpPr>
-          <p:cNvPr id="33" name="Retângulo com Único Canto Aparado 32"/>
-          <p:cNvSpPr/>
-          <p:nvPr/>
-        </p:nvSpPr>
-        <p:spPr>
-          <a:xfrm>
-            <a:off x="6445004" y="5332495"/>
-            <a:ext cx="791292" cy="692622"/>
-          </a:xfrm>
-          <a:prstGeom prst="snip1Rect">
-            <a:avLst/>
-          </a:prstGeom>
-          <a:noFill/>
-          <a:ln>
-            <a:solidFill>
-              <a:schemeClr val="tx1"/>
-            </a:solidFill>
-          </a:ln>
-        </p:spPr>
-        <p:style>
-          <a:lnRef idx="2">
-            <a:schemeClr val="accent1">
-              <a:shade val="50000"/>
-            </a:schemeClr>
-          </a:lnRef>
-          <a:fillRef idx="1">
-            <a:schemeClr val="accent1"/>
-          </a:fillRef>
-          <a:effectRef idx="0">
-            <a:schemeClr val="accent1"/>
-          </a:effectRef>
-          <a:fontRef idx="minor">
-            <a:schemeClr val="lt1"/>
-          </a:fontRef>
-        </p:style>
-        <p:txBody>
-          <a:bodyPr rtlCol="0" anchor="ctr"/>
-          <a:lstStyle/>
-          <a:p>
-            <a:pPr algn="ctr"/>
-            <a:r>
-              <a:rPr lang="en-US" u="sng" dirty="0" smtClean="0">
-                <a:solidFill>
-                  <a:schemeClr val="tx1"/>
-                </a:solidFill>
-              </a:rPr>
-              <a:t>________</a:t>
-            </a:r>
-            <a:endParaRPr lang="en-US" u="sng" dirty="0">
-              <a:solidFill>
-                <a:schemeClr val="tx1"/>
-              </a:solidFill>
-            </a:endParaRPr>
-          </a:p>
-        </p:txBody>
-      </p:sp>
-      <p:sp>
-        <p:nvSpPr>
-          <p:cNvPr id="34" name="CaixaDeTexto 33"/>
-          <p:cNvSpPr txBox="1"/>
-          <p:nvPr/>
-        </p:nvSpPr>
-        <p:spPr>
-          <a:xfrm>
-            <a:off x="6156176" y="6084004"/>
-            <a:ext cx="1368152" cy="369332"/>
-          </a:xfrm>
-          <a:prstGeom prst="rect">
-            <a:avLst/>
-          </a:prstGeom>
-          <a:noFill/>
-        </p:spPr>
-        <p:txBody>
-          <a:bodyPr wrap="square" rtlCol="0">
-            <a:spAutoFit/>
-          </a:bodyPr>
-          <a:lstStyle/>
-          <a:p>
-            <a:pPr algn="ctr"/>
-            <a:r>
-              <a:rPr lang="en-US" b="1" dirty="0"/>
-              <a:t>B</a:t>
-            </a:r>
-            <a:r>
-              <a:rPr lang="en-US" b="1" dirty="0" smtClean="0"/>
-              <a:t> ^ C</a:t>
-            </a:r>
-            <a:endParaRPr lang="en-US" b="1" dirty="0"/>
-          </a:p>
-        </p:txBody>
-      </p:sp>
+      </p:cxnSp>
     </p:spTree>
     <p:extLst>
       <p:ext uri="{BB962C8B-B14F-4D97-AF65-F5344CB8AC3E}">
-        <p14:creationId xmlns:p14="http://schemas.microsoft.com/office/powerpoint/2010/main" val="524890082"/>
+        <p14:creationId xmlns:p14="http://schemas.microsoft.com/office/powerpoint/2010/main" val="4087524318"/>
       </p:ext>
     </p:extLst>
   </p:cSld>
@@ -6058,6 +5775,1163 @@
           <a:lstStyle/>
           <a:p>
             <a:r>
+              <a:rPr lang="en-US" dirty="0" smtClean="0"/>
+              <a:t>3</a:t>
+            </a:r>
+            <a:r>
+              <a:rPr lang="en-US" baseline="30000" dirty="0" smtClean="0"/>
+              <a:t>rd</a:t>
+            </a:r>
+            <a:r>
+              <a:rPr lang="en-US" dirty="0" smtClean="0"/>
+              <a:t> step: compute features changesets intersection</a:t>
+            </a:r>
+            <a:endParaRPr lang="en-US" dirty="0"/>
+          </a:p>
+        </p:txBody>
+      </p:sp>
+      <p:sp>
+        <p:nvSpPr>
+          <p:cNvPr id="4" name="Retângulo com Único Canto Aparado 3"/>
+          <p:cNvSpPr/>
+          <p:nvPr/>
+        </p:nvSpPr>
+        <p:spPr>
+          <a:xfrm>
+            <a:off x="1836492" y="2978981"/>
+            <a:ext cx="791292" cy="692622"/>
+          </a:xfrm>
+          <a:prstGeom prst="snip1Rect">
+            <a:avLst/>
+          </a:prstGeom>
+          <a:noFill/>
+          <a:ln>
+            <a:solidFill>
+              <a:schemeClr val="tx1"/>
+            </a:solidFill>
+          </a:ln>
+        </p:spPr>
+        <p:style>
+          <a:lnRef idx="2">
+            <a:schemeClr val="accent1">
+              <a:shade val="50000"/>
+            </a:schemeClr>
+          </a:lnRef>
+          <a:fillRef idx="1">
+            <a:schemeClr val="accent1"/>
+          </a:fillRef>
+          <a:effectRef idx="0">
+            <a:schemeClr val="accent1"/>
+          </a:effectRef>
+          <a:fontRef idx="minor">
+            <a:schemeClr val="lt1"/>
+          </a:fontRef>
+        </p:style>
+        <p:txBody>
+          <a:bodyPr rtlCol="0" anchor="ctr"/>
+          <a:lstStyle/>
+          <a:p>
+            <a:pPr algn="ctr"/>
+            <a:r>
+              <a:rPr lang="en-US" u="sng" dirty="0" smtClean="0">
+                <a:solidFill>
+                  <a:schemeClr val="tx1"/>
+                </a:solidFill>
+              </a:rPr>
+              <a:t>________</a:t>
+            </a:r>
+            <a:endParaRPr lang="en-US" u="sng" dirty="0">
+              <a:solidFill>
+                <a:schemeClr val="tx1"/>
+              </a:solidFill>
+            </a:endParaRPr>
+          </a:p>
+        </p:txBody>
+      </p:sp>
+      <p:sp>
+        <p:nvSpPr>
+          <p:cNvPr id="5" name="CaixaDeTexto 4"/>
+          <p:cNvSpPr txBox="1"/>
+          <p:nvPr/>
+        </p:nvSpPr>
+        <p:spPr>
+          <a:xfrm>
+            <a:off x="1547664" y="3707740"/>
+            <a:ext cx="1368152" cy="369332"/>
+          </a:xfrm>
+          <a:prstGeom prst="rect">
+            <a:avLst/>
+          </a:prstGeom>
+          <a:noFill/>
+        </p:spPr>
+        <p:txBody>
+          <a:bodyPr wrap="square" rtlCol="0">
+            <a:spAutoFit/>
+          </a:bodyPr>
+          <a:lstStyle/>
+          <a:p>
+            <a:pPr algn="ctr"/>
+            <a:r>
+              <a:rPr lang="en-US" b="1" dirty="0" smtClean="0"/>
+              <a:t>Changeset A</a:t>
+            </a:r>
+            <a:endParaRPr lang="en-US" b="1" dirty="0"/>
+          </a:p>
+        </p:txBody>
+      </p:sp>
+      <p:sp>
+        <p:nvSpPr>
+          <p:cNvPr id="6" name="Retângulo com Único Canto Aparado 5"/>
+          <p:cNvSpPr/>
+          <p:nvPr/>
+        </p:nvSpPr>
+        <p:spPr>
+          <a:xfrm>
+            <a:off x="4140748" y="2924944"/>
+            <a:ext cx="791292" cy="692622"/>
+          </a:xfrm>
+          <a:prstGeom prst="snip1Rect">
+            <a:avLst/>
+          </a:prstGeom>
+          <a:noFill/>
+          <a:ln>
+            <a:solidFill>
+              <a:schemeClr val="tx1"/>
+            </a:solidFill>
+          </a:ln>
+        </p:spPr>
+        <p:style>
+          <a:lnRef idx="2">
+            <a:schemeClr val="accent1">
+              <a:shade val="50000"/>
+            </a:schemeClr>
+          </a:lnRef>
+          <a:fillRef idx="1">
+            <a:schemeClr val="accent1"/>
+          </a:fillRef>
+          <a:effectRef idx="0">
+            <a:schemeClr val="accent1"/>
+          </a:effectRef>
+          <a:fontRef idx="minor">
+            <a:schemeClr val="lt1"/>
+          </a:fontRef>
+        </p:style>
+        <p:txBody>
+          <a:bodyPr rtlCol="0" anchor="ctr"/>
+          <a:lstStyle/>
+          <a:p>
+            <a:pPr algn="ctr"/>
+            <a:r>
+              <a:rPr lang="en-US" u="sng" dirty="0" smtClean="0">
+                <a:solidFill>
+                  <a:schemeClr val="tx1"/>
+                </a:solidFill>
+              </a:rPr>
+              <a:t>________</a:t>
+            </a:r>
+            <a:endParaRPr lang="en-US" u="sng" dirty="0">
+              <a:solidFill>
+                <a:schemeClr val="tx1"/>
+              </a:solidFill>
+            </a:endParaRPr>
+          </a:p>
+        </p:txBody>
+      </p:sp>
+      <p:sp>
+        <p:nvSpPr>
+          <p:cNvPr id="7" name="CaixaDeTexto 6"/>
+          <p:cNvSpPr txBox="1"/>
+          <p:nvPr/>
+        </p:nvSpPr>
+        <p:spPr>
+          <a:xfrm>
+            <a:off x="3779912" y="3676453"/>
+            <a:ext cx="1368152" cy="369332"/>
+          </a:xfrm>
+          <a:prstGeom prst="rect">
+            <a:avLst/>
+          </a:prstGeom>
+          <a:noFill/>
+        </p:spPr>
+        <p:txBody>
+          <a:bodyPr wrap="square" rtlCol="0">
+            <a:spAutoFit/>
+          </a:bodyPr>
+          <a:lstStyle/>
+          <a:p>
+            <a:pPr algn="ctr"/>
+            <a:r>
+              <a:rPr lang="en-US" b="1" dirty="0" smtClean="0"/>
+              <a:t>Changeset B</a:t>
+            </a:r>
+            <a:endParaRPr lang="en-US" b="1" dirty="0"/>
+          </a:p>
+        </p:txBody>
+      </p:sp>
+      <p:sp>
+        <p:nvSpPr>
+          <p:cNvPr id="8" name="Retângulo com Único Canto Aparado 7"/>
+          <p:cNvSpPr/>
+          <p:nvPr/>
+        </p:nvSpPr>
+        <p:spPr>
+          <a:xfrm>
+            <a:off x="4140748" y="4180367"/>
+            <a:ext cx="791292" cy="692622"/>
+          </a:xfrm>
+          <a:prstGeom prst="snip1Rect">
+            <a:avLst/>
+          </a:prstGeom>
+          <a:noFill/>
+          <a:ln>
+            <a:solidFill>
+              <a:schemeClr val="tx1"/>
+            </a:solidFill>
+          </a:ln>
+        </p:spPr>
+        <p:style>
+          <a:lnRef idx="2">
+            <a:schemeClr val="accent1">
+              <a:shade val="50000"/>
+            </a:schemeClr>
+          </a:lnRef>
+          <a:fillRef idx="1">
+            <a:schemeClr val="accent1"/>
+          </a:fillRef>
+          <a:effectRef idx="0">
+            <a:schemeClr val="accent1"/>
+          </a:effectRef>
+          <a:fontRef idx="minor">
+            <a:schemeClr val="lt1"/>
+          </a:fontRef>
+        </p:style>
+        <p:txBody>
+          <a:bodyPr rtlCol="0" anchor="ctr"/>
+          <a:lstStyle/>
+          <a:p>
+            <a:pPr algn="ctr"/>
+            <a:r>
+              <a:rPr lang="en-US" u="sng" dirty="0" smtClean="0">
+                <a:solidFill>
+                  <a:schemeClr val="tx1"/>
+                </a:solidFill>
+              </a:rPr>
+              <a:t>________</a:t>
+            </a:r>
+            <a:endParaRPr lang="en-US" u="sng" dirty="0">
+              <a:solidFill>
+                <a:schemeClr val="tx1"/>
+              </a:solidFill>
+            </a:endParaRPr>
+          </a:p>
+        </p:txBody>
+      </p:sp>
+      <p:sp>
+        <p:nvSpPr>
+          <p:cNvPr id="9" name="CaixaDeTexto 8"/>
+          <p:cNvSpPr txBox="1"/>
+          <p:nvPr/>
+        </p:nvSpPr>
+        <p:spPr>
+          <a:xfrm>
+            <a:off x="3851920" y="4931876"/>
+            <a:ext cx="1368152" cy="369332"/>
+          </a:xfrm>
+          <a:prstGeom prst="rect">
+            <a:avLst/>
+          </a:prstGeom>
+          <a:noFill/>
+        </p:spPr>
+        <p:txBody>
+          <a:bodyPr wrap="square" rtlCol="0">
+            <a:spAutoFit/>
+          </a:bodyPr>
+          <a:lstStyle/>
+          <a:p>
+            <a:pPr algn="ctr"/>
+            <a:r>
+              <a:rPr lang="en-US" b="1" dirty="0" smtClean="0"/>
+              <a:t>Changeset C</a:t>
+            </a:r>
+            <a:endParaRPr lang="en-US" b="1" dirty="0"/>
+          </a:p>
+        </p:txBody>
+      </p:sp>
+      <p:sp>
+        <p:nvSpPr>
+          <p:cNvPr id="10" name="Retângulo com Único Canto Aparado 9"/>
+          <p:cNvSpPr/>
+          <p:nvPr/>
+        </p:nvSpPr>
+        <p:spPr>
+          <a:xfrm>
+            <a:off x="1836492" y="4162396"/>
+            <a:ext cx="791292" cy="692622"/>
+          </a:xfrm>
+          <a:prstGeom prst="snip1Rect">
+            <a:avLst/>
+          </a:prstGeom>
+          <a:noFill/>
+          <a:ln>
+            <a:solidFill>
+              <a:schemeClr val="tx1"/>
+            </a:solidFill>
+          </a:ln>
+        </p:spPr>
+        <p:style>
+          <a:lnRef idx="2">
+            <a:schemeClr val="accent1">
+              <a:shade val="50000"/>
+            </a:schemeClr>
+          </a:lnRef>
+          <a:fillRef idx="1">
+            <a:schemeClr val="accent1"/>
+          </a:fillRef>
+          <a:effectRef idx="0">
+            <a:schemeClr val="accent1"/>
+          </a:effectRef>
+          <a:fontRef idx="minor">
+            <a:schemeClr val="lt1"/>
+          </a:fontRef>
+        </p:style>
+        <p:txBody>
+          <a:bodyPr rtlCol="0" anchor="ctr"/>
+          <a:lstStyle/>
+          <a:p>
+            <a:pPr algn="ctr"/>
+            <a:r>
+              <a:rPr lang="en-US" u="sng" dirty="0" smtClean="0">
+                <a:solidFill>
+                  <a:schemeClr val="tx1"/>
+                </a:solidFill>
+              </a:rPr>
+              <a:t>________</a:t>
+            </a:r>
+            <a:endParaRPr lang="en-US" u="sng" dirty="0">
+              <a:solidFill>
+                <a:schemeClr val="tx1"/>
+              </a:solidFill>
+            </a:endParaRPr>
+          </a:p>
+        </p:txBody>
+      </p:sp>
+      <p:sp>
+        <p:nvSpPr>
+          <p:cNvPr id="11" name="CaixaDeTexto 10"/>
+          <p:cNvSpPr txBox="1"/>
+          <p:nvPr/>
+        </p:nvSpPr>
+        <p:spPr>
+          <a:xfrm>
+            <a:off x="1547664" y="4891155"/>
+            <a:ext cx="1368152" cy="369332"/>
+          </a:xfrm>
+          <a:prstGeom prst="rect">
+            <a:avLst/>
+          </a:prstGeom>
+          <a:noFill/>
+        </p:spPr>
+        <p:txBody>
+          <a:bodyPr wrap="square" rtlCol="0">
+            <a:spAutoFit/>
+          </a:bodyPr>
+          <a:lstStyle/>
+          <a:p>
+            <a:pPr algn="ctr"/>
+            <a:r>
+              <a:rPr lang="en-US" b="1" dirty="0" smtClean="0"/>
+              <a:t>Changeset A</a:t>
+            </a:r>
+            <a:endParaRPr lang="en-US" b="1" dirty="0"/>
+          </a:p>
+        </p:txBody>
+      </p:sp>
+      <p:sp>
+        <p:nvSpPr>
+          <p:cNvPr id="12" name="Espaço Reservado para Conteúdo 2"/>
+          <p:cNvSpPr>
+            <a:spLocks noGrp="1"/>
+          </p:cNvSpPr>
+          <p:nvPr>
+            <p:ph idx="1"/>
+          </p:nvPr>
+        </p:nvSpPr>
+        <p:spPr>
+          <a:xfrm>
+            <a:off x="97160" y="1772816"/>
+            <a:ext cx="4114800" cy="604664"/>
+          </a:xfrm>
+        </p:spPr>
+        <p:txBody>
+          <a:bodyPr/>
+          <a:lstStyle/>
+          <a:p>
+            <a:pPr marL="0" indent="0">
+              <a:buNone/>
+            </a:pPr>
+            <a:r>
+              <a:rPr lang="en-US" dirty="0" smtClean="0"/>
+              <a:t>For features A, B and C:</a:t>
+            </a:r>
+            <a:endParaRPr lang="en-US" dirty="0"/>
+          </a:p>
+        </p:txBody>
+      </p:sp>
+      <p:sp>
+        <p:nvSpPr>
+          <p:cNvPr id="13" name="Retângulo com Único Canto Aparado 12"/>
+          <p:cNvSpPr/>
+          <p:nvPr/>
+        </p:nvSpPr>
+        <p:spPr>
+          <a:xfrm>
+            <a:off x="1836492" y="5332495"/>
+            <a:ext cx="791292" cy="692622"/>
+          </a:xfrm>
+          <a:prstGeom prst="snip1Rect">
+            <a:avLst/>
+          </a:prstGeom>
+          <a:noFill/>
+          <a:ln>
+            <a:solidFill>
+              <a:schemeClr val="tx1"/>
+            </a:solidFill>
+          </a:ln>
+        </p:spPr>
+        <p:style>
+          <a:lnRef idx="2">
+            <a:schemeClr val="accent1">
+              <a:shade val="50000"/>
+            </a:schemeClr>
+          </a:lnRef>
+          <a:fillRef idx="1">
+            <a:schemeClr val="accent1"/>
+          </a:fillRef>
+          <a:effectRef idx="0">
+            <a:schemeClr val="accent1"/>
+          </a:effectRef>
+          <a:fontRef idx="minor">
+            <a:schemeClr val="lt1"/>
+          </a:fontRef>
+        </p:style>
+        <p:txBody>
+          <a:bodyPr rtlCol="0" anchor="ctr"/>
+          <a:lstStyle/>
+          <a:p>
+            <a:pPr algn="ctr"/>
+            <a:r>
+              <a:rPr lang="en-US" u="sng" dirty="0" smtClean="0">
+                <a:solidFill>
+                  <a:schemeClr val="tx1"/>
+                </a:solidFill>
+              </a:rPr>
+              <a:t>________</a:t>
+            </a:r>
+            <a:endParaRPr lang="en-US" u="sng" dirty="0">
+              <a:solidFill>
+                <a:schemeClr val="tx1"/>
+              </a:solidFill>
+            </a:endParaRPr>
+          </a:p>
+        </p:txBody>
+      </p:sp>
+      <p:sp>
+        <p:nvSpPr>
+          <p:cNvPr id="14" name="CaixaDeTexto 13"/>
+          <p:cNvSpPr txBox="1"/>
+          <p:nvPr/>
+        </p:nvSpPr>
+        <p:spPr>
+          <a:xfrm>
+            <a:off x="1547664" y="6084004"/>
+            <a:ext cx="1368152" cy="369332"/>
+          </a:xfrm>
+          <a:prstGeom prst="rect">
+            <a:avLst/>
+          </a:prstGeom>
+          <a:noFill/>
+        </p:spPr>
+        <p:txBody>
+          <a:bodyPr wrap="square" rtlCol="0">
+            <a:spAutoFit/>
+          </a:bodyPr>
+          <a:lstStyle/>
+          <a:p>
+            <a:pPr algn="ctr"/>
+            <a:r>
+              <a:rPr lang="en-US" b="1" dirty="0" smtClean="0"/>
+              <a:t>Changeset B</a:t>
+            </a:r>
+            <a:endParaRPr lang="en-US" b="1" dirty="0"/>
+          </a:p>
+        </p:txBody>
+      </p:sp>
+      <p:sp>
+        <p:nvSpPr>
+          <p:cNvPr id="15" name="Retângulo com Único Canto Aparado 14"/>
+          <p:cNvSpPr/>
+          <p:nvPr/>
+        </p:nvSpPr>
+        <p:spPr>
+          <a:xfrm>
+            <a:off x="4140748" y="5332495"/>
+            <a:ext cx="791292" cy="692622"/>
+          </a:xfrm>
+          <a:prstGeom prst="snip1Rect">
+            <a:avLst/>
+          </a:prstGeom>
+          <a:noFill/>
+          <a:ln>
+            <a:solidFill>
+              <a:schemeClr val="tx1"/>
+            </a:solidFill>
+          </a:ln>
+        </p:spPr>
+        <p:style>
+          <a:lnRef idx="2">
+            <a:schemeClr val="accent1">
+              <a:shade val="50000"/>
+            </a:schemeClr>
+          </a:lnRef>
+          <a:fillRef idx="1">
+            <a:schemeClr val="accent1"/>
+          </a:fillRef>
+          <a:effectRef idx="0">
+            <a:schemeClr val="accent1"/>
+          </a:effectRef>
+          <a:fontRef idx="minor">
+            <a:schemeClr val="lt1"/>
+          </a:fontRef>
+        </p:style>
+        <p:txBody>
+          <a:bodyPr rtlCol="0" anchor="ctr"/>
+          <a:lstStyle/>
+          <a:p>
+            <a:pPr algn="ctr"/>
+            <a:r>
+              <a:rPr lang="en-US" u="sng" dirty="0" smtClean="0">
+                <a:solidFill>
+                  <a:schemeClr val="tx1"/>
+                </a:solidFill>
+              </a:rPr>
+              <a:t>________</a:t>
+            </a:r>
+            <a:endParaRPr lang="en-US" u="sng" dirty="0">
+              <a:solidFill>
+                <a:schemeClr val="tx1"/>
+              </a:solidFill>
+            </a:endParaRPr>
+          </a:p>
+        </p:txBody>
+      </p:sp>
+      <p:sp>
+        <p:nvSpPr>
+          <p:cNvPr id="16" name="CaixaDeTexto 15"/>
+          <p:cNvSpPr txBox="1"/>
+          <p:nvPr/>
+        </p:nvSpPr>
+        <p:spPr>
+          <a:xfrm>
+            <a:off x="3851920" y="6084004"/>
+            <a:ext cx="1368152" cy="369332"/>
+          </a:xfrm>
+          <a:prstGeom prst="rect">
+            <a:avLst/>
+          </a:prstGeom>
+          <a:noFill/>
+        </p:spPr>
+        <p:txBody>
+          <a:bodyPr wrap="square" rtlCol="0">
+            <a:spAutoFit/>
+          </a:bodyPr>
+          <a:lstStyle/>
+          <a:p>
+            <a:pPr algn="ctr"/>
+            <a:r>
+              <a:rPr lang="en-US" b="1" dirty="0" smtClean="0"/>
+              <a:t>Changeset C</a:t>
+            </a:r>
+            <a:endParaRPr lang="en-US" b="1" dirty="0"/>
+          </a:p>
+        </p:txBody>
+      </p:sp>
+      <p:sp>
+        <p:nvSpPr>
+          <p:cNvPr id="21" name="Retângulo 20"/>
+          <p:cNvSpPr/>
+          <p:nvPr/>
+        </p:nvSpPr>
+        <p:spPr>
+          <a:xfrm rot="10800000">
+            <a:off x="3203848" y="3140968"/>
+            <a:ext cx="504056" cy="446190"/>
+          </a:xfrm>
+          <a:prstGeom prst="rect">
+            <a:avLst/>
+          </a:prstGeom>
+          <a:noFill/>
+          <a:ln>
+            <a:noFill/>
+          </a:ln>
+        </p:spPr>
+        <p:style>
+          <a:lnRef idx="2">
+            <a:schemeClr val="accent1">
+              <a:shade val="50000"/>
+            </a:schemeClr>
+          </a:lnRef>
+          <a:fillRef idx="1">
+            <a:schemeClr val="accent1"/>
+          </a:fillRef>
+          <a:effectRef idx="0">
+            <a:schemeClr val="accent1"/>
+          </a:effectRef>
+          <a:fontRef idx="minor">
+            <a:schemeClr val="lt1"/>
+          </a:fontRef>
+        </p:style>
+        <p:txBody>
+          <a:bodyPr rtlCol="0" anchor="ctr"/>
+          <a:lstStyle/>
+          <a:p>
+            <a:pPr algn="ctr"/>
+            <a:r>
+              <a:rPr lang="en-US" sz="3600" b="1" dirty="0" smtClean="0">
+                <a:solidFill>
+                  <a:schemeClr val="tx1"/>
+                </a:solidFill>
+              </a:rPr>
+              <a:t>U</a:t>
+            </a:r>
+            <a:endParaRPr lang="en-US" sz="3600" b="1" dirty="0">
+              <a:solidFill>
+                <a:schemeClr val="tx1"/>
+              </a:solidFill>
+            </a:endParaRPr>
+          </a:p>
+        </p:txBody>
+      </p:sp>
+      <p:sp>
+        <p:nvSpPr>
+          <p:cNvPr id="22" name="Retângulo 21"/>
+          <p:cNvSpPr/>
+          <p:nvPr/>
+        </p:nvSpPr>
+        <p:spPr>
+          <a:xfrm rot="10800000">
+            <a:off x="3203848" y="4293096"/>
+            <a:ext cx="504056" cy="446190"/>
+          </a:xfrm>
+          <a:prstGeom prst="rect">
+            <a:avLst/>
+          </a:prstGeom>
+          <a:noFill/>
+          <a:ln>
+            <a:noFill/>
+          </a:ln>
+        </p:spPr>
+        <p:style>
+          <a:lnRef idx="2">
+            <a:schemeClr val="accent1">
+              <a:shade val="50000"/>
+            </a:schemeClr>
+          </a:lnRef>
+          <a:fillRef idx="1">
+            <a:schemeClr val="accent1"/>
+          </a:fillRef>
+          <a:effectRef idx="0">
+            <a:schemeClr val="accent1"/>
+          </a:effectRef>
+          <a:fontRef idx="minor">
+            <a:schemeClr val="lt1"/>
+          </a:fontRef>
+        </p:style>
+        <p:txBody>
+          <a:bodyPr rtlCol="0" anchor="ctr"/>
+          <a:lstStyle/>
+          <a:p>
+            <a:pPr algn="ctr"/>
+            <a:r>
+              <a:rPr lang="en-US" sz="3600" b="1" dirty="0" smtClean="0">
+                <a:solidFill>
+                  <a:schemeClr val="tx1"/>
+                </a:solidFill>
+              </a:rPr>
+              <a:t>U</a:t>
+            </a:r>
+            <a:endParaRPr lang="en-US" sz="3600" b="1" dirty="0">
+              <a:solidFill>
+                <a:schemeClr val="tx1"/>
+              </a:solidFill>
+            </a:endParaRPr>
+          </a:p>
+        </p:txBody>
+      </p:sp>
+      <p:sp>
+        <p:nvSpPr>
+          <p:cNvPr id="23" name="Retângulo 22"/>
+          <p:cNvSpPr/>
+          <p:nvPr/>
+        </p:nvSpPr>
+        <p:spPr>
+          <a:xfrm rot="10800000">
+            <a:off x="3203848" y="5445224"/>
+            <a:ext cx="504056" cy="446190"/>
+          </a:xfrm>
+          <a:prstGeom prst="rect">
+            <a:avLst/>
+          </a:prstGeom>
+          <a:noFill/>
+          <a:ln>
+            <a:noFill/>
+          </a:ln>
+        </p:spPr>
+        <p:style>
+          <a:lnRef idx="2">
+            <a:schemeClr val="accent1">
+              <a:shade val="50000"/>
+            </a:schemeClr>
+          </a:lnRef>
+          <a:fillRef idx="1">
+            <a:schemeClr val="accent1"/>
+          </a:fillRef>
+          <a:effectRef idx="0">
+            <a:schemeClr val="accent1"/>
+          </a:effectRef>
+          <a:fontRef idx="minor">
+            <a:schemeClr val="lt1"/>
+          </a:fontRef>
+        </p:style>
+        <p:txBody>
+          <a:bodyPr rtlCol="0" anchor="ctr"/>
+          <a:lstStyle/>
+          <a:p>
+            <a:pPr algn="ctr"/>
+            <a:r>
+              <a:rPr lang="en-US" sz="3600" b="1" dirty="0" smtClean="0">
+                <a:solidFill>
+                  <a:schemeClr val="tx1"/>
+                </a:solidFill>
+              </a:rPr>
+              <a:t>U</a:t>
+            </a:r>
+            <a:endParaRPr lang="en-US" sz="3600" b="1" dirty="0">
+              <a:solidFill>
+                <a:schemeClr val="tx1"/>
+              </a:solidFill>
+            </a:endParaRPr>
+          </a:p>
+        </p:txBody>
+      </p:sp>
+      <p:sp>
+        <p:nvSpPr>
+          <p:cNvPr id="26" name="CaixaDeTexto 25"/>
+          <p:cNvSpPr txBox="1"/>
+          <p:nvPr/>
+        </p:nvSpPr>
+        <p:spPr>
+          <a:xfrm>
+            <a:off x="5508104" y="2996952"/>
+            <a:ext cx="360040" cy="646331"/>
+          </a:xfrm>
+          <a:prstGeom prst="rect">
+            <a:avLst/>
+          </a:prstGeom>
+          <a:noFill/>
+        </p:spPr>
+        <p:txBody>
+          <a:bodyPr wrap="square" rtlCol="0">
+            <a:spAutoFit/>
+          </a:bodyPr>
+          <a:lstStyle/>
+          <a:p>
+            <a:r>
+              <a:rPr lang="en-US" sz="3600" b="1" dirty="0" smtClean="0"/>
+              <a:t>=</a:t>
+            </a:r>
+            <a:endParaRPr lang="en-US" sz="3600" b="1" dirty="0"/>
+          </a:p>
+        </p:txBody>
+      </p:sp>
+      <p:sp>
+        <p:nvSpPr>
+          <p:cNvPr id="27" name="CaixaDeTexto 26"/>
+          <p:cNvSpPr txBox="1"/>
+          <p:nvPr/>
+        </p:nvSpPr>
+        <p:spPr>
+          <a:xfrm>
+            <a:off x="5508104" y="4221088"/>
+            <a:ext cx="360040" cy="646331"/>
+          </a:xfrm>
+          <a:prstGeom prst="rect">
+            <a:avLst/>
+          </a:prstGeom>
+          <a:noFill/>
+        </p:spPr>
+        <p:txBody>
+          <a:bodyPr wrap="square" rtlCol="0">
+            <a:spAutoFit/>
+          </a:bodyPr>
+          <a:lstStyle/>
+          <a:p>
+            <a:r>
+              <a:rPr lang="en-US" sz="3600" b="1" dirty="0" smtClean="0"/>
+              <a:t>=</a:t>
+            </a:r>
+            <a:endParaRPr lang="en-US" sz="3600" b="1" dirty="0"/>
+          </a:p>
+        </p:txBody>
+      </p:sp>
+      <p:sp>
+        <p:nvSpPr>
+          <p:cNvPr id="28" name="CaixaDeTexto 27"/>
+          <p:cNvSpPr txBox="1"/>
+          <p:nvPr/>
+        </p:nvSpPr>
+        <p:spPr>
+          <a:xfrm>
+            <a:off x="5508104" y="5373216"/>
+            <a:ext cx="360040" cy="646331"/>
+          </a:xfrm>
+          <a:prstGeom prst="rect">
+            <a:avLst/>
+          </a:prstGeom>
+          <a:noFill/>
+        </p:spPr>
+        <p:txBody>
+          <a:bodyPr wrap="square" rtlCol="0">
+            <a:spAutoFit/>
+          </a:bodyPr>
+          <a:lstStyle/>
+          <a:p>
+            <a:r>
+              <a:rPr lang="en-US" sz="3600" b="1" dirty="0" smtClean="0"/>
+              <a:t>=</a:t>
+            </a:r>
+            <a:endParaRPr lang="en-US" sz="3600" b="1" dirty="0"/>
+          </a:p>
+        </p:txBody>
+      </p:sp>
+      <p:sp>
+        <p:nvSpPr>
+          <p:cNvPr id="29" name="Retângulo com Único Canto Aparado 28"/>
+          <p:cNvSpPr/>
+          <p:nvPr/>
+        </p:nvSpPr>
+        <p:spPr>
+          <a:xfrm>
+            <a:off x="6445004" y="2924944"/>
+            <a:ext cx="791292" cy="692622"/>
+          </a:xfrm>
+          <a:prstGeom prst="snip1Rect">
+            <a:avLst/>
+          </a:prstGeom>
+          <a:noFill/>
+          <a:ln>
+            <a:solidFill>
+              <a:schemeClr val="tx1"/>
+            </a:solidFill>
+          </a:ln>
+        </p:spPr>
+        <p:style>
+          <a:lnRef idx="2">
+            <a:schemeClr val="accent1">
+              <a:shade val="50000"/>
+            </a:schemeClr>
+          </a:lnRef>
+          <a:fillRef idx="1">
+            <a:schemeClr val="accent1"/>
+          </a:fillRef>
+          <a:effectRef idx="0">
+            <a:schemeClr val="accent1"/>
+          </a:effectRef>
+          <a:fontRef idx="minor">
+            <a:schemeClr val="lt1"/>
+          </a:fontRef>
+        </p:style>
+        <p:txBody>
+          <a:bodyPr rtlCol="0" anchor="ctr"/>
+          <a:lstStyle/>
+          <a:p>
+            <a:pPr algn="ctr"/>
+            <a:r>
+              <a:rPr lang="en-US" u="sng" dirty="0" smtClean="0">
+                <a:solidFill>
+                  <a:schemeClr val="tx1"/>
+                </a:solidFill>
+              </a:rPr>
+              <a:t>________</a:t>
+            </a:r>
+            <a:endParaRPr lang="en-US" u="sng" dirty="0">
+              <a:solidFill>
+                <a:schemeClr val="tx1"/>
+              </a:solidFill>
+            </a:endParaRPr>
+          </a:p>
+        </p:txBody>
+      </p:sp>
+      <p:sp>
+        <p:nvSpPr>
+          <p:cNvPr id="30" name="CaixaDeTexto 29"/>
+          <p:cNvSpPr txBox="1"/>
+          <p:nvPr/>
+        </p:nvSpPr>
+        <p:spPr>
+          <a:xfrm>
+            <a:off x="6156176" y="3676453"/>
+            <a:ext cx="1368152" cy="369332"/>
+          </a:xfrm>
+          <a:prstGeom prst="rect">
+            <a:avLst/>
+          </a:prstGeom>
+          <a:noFill/>
+        </p:spPr>
+        <p:txBody>
+          <a:bodyPr wrap="square" rtlCol="0">
+            <a:spAutoFit/>
+          </a:bodyPr>
+          <a:lstStyle/>
+          <a:p>
+            <a:pPr algn="ctr"/>
+            <a:r>
+              <a:rPr lang="en-US" b="1" dirty="0" smtClean="0"/>
+              <a:t>A ^ B</a:t>
+            </a:r>
+            <a:endParaRPr lang="en-US" b="1" dirty="0"/>
+          </a:p>
+        </p:txBody>
+      </p:sp>
+      <p:sp>
+        <p:nvSpPr>
+          <p:cNvPr id="31" name="Retângulo com Único Canto Aparado 30"/>
+          <p:cNvSpPr/>
+          <p:nvPr/>
+        </p:nvSpPr>
+        <p:spPr>
+          <a:xfrm>
+            <a:off x="6445004" y="4180367"/>
+            <a:ext cx="791292" cy="692622"/>
+          </a:xfrm>
+          <a:prstGeom prst="snip1Rect">
+            <a:avLst/>
+          </a:prstGeom>
+          <a:noFill/>
+          <a:ln>
+            <a:solidFill>
+              <a:schemeClr val="tx1"/>
+            </a:solidFill>
+          </a:ln>
+        </p:spPr>
+        <p:style>
+          <a:lnRef idx="2">
+            <a:schemeClr val="accent1">
+              <a:shade val="50000"/>
+            </a:schemeClr>
+          </a:lnRef>
+          <a:fillRef idx="1">
+            <a:schemeClr val="accent1"/>
+          </a:fillRef>
+          <a:effectRef idx="0">
+            <a:schemeClr val="accent1"/>
+          </a:effectRef>
+          <a:fontRef idx="minor">
+            <a:schemeClr val="lt1"/>
+          </a:fontRef>
+        </p:style>
+        <p:txBody>
+          <a:bodyPr rtlCol="0" anchor="ctr"/>
+          <a:lstStyle/>
+          <a:p>
+            <a:pPr algn="ctr"/>
+            <a:r>
+              <a:rPr lang="en-US" u="sng" dirty="0" smtClean="0">
+                <a:solidFill>
+                  <a:schemeClr val="tx1"/>
+                </a:solidFill>
+              </a:rPr>
+              <a:t>________</a:t>
+            </a:r>
+            <a:endParaRPr lang="en-US" u="sng" dirty="0">
+              <a:solidFill>
+                <a:schemeClr val="tx1"/>
+              </a:solidFill>
+            </a:endParaRPr>
+          </a:p>
+        </p:txBody>
+      </p:sp>
+      <p:sp>
+        <p:nvSpPr>
+          <p:cNvPr id="32" name="CaixaDeTexto 31"/>
+          <p:cNvSpPr txBox="1"/>
+          <p:nvPr/>
+        </p:nvSpPr>
+        <p:spPr>
+          <a:xfrm>
+            <a:off x="6156176" y="4931876"/>
+            <a:ext cx="1368152" cy="369332"/>
+          </a:xfrm>
+          <a:prstGeom prst="rect">
+            <a:avLst/>
+          </a:prstGeom>
+          <a:noFill/>
+        </p:spPr>
+        <p:txBody>
+          <a:bodyPr wrap="square" rtlCol="0">
+            <a:spAutoFit/>
+          </a:bodyPr>
+          <a:lstStyle/>
+          <a:p>
+            <a:pPr algn="ctr"/>
+            <a:r>
+              <a:rPr lang="en-US" b="1" dirty="0" smtClean="0"/>
+              <a:t>A ^ C</a:t>
+            </a:r>
+            <a:endParaRPr lang="en-US" b="1" dirty="0"/>
+          </a:p>
+        </p:txBody>
+      </p:sp>
+      <p:sp>
+        <p:nvSpPr>
+          <p:cNvPr id="33" name="Retângulo com Único Canto Aparado 32"/>
+          <p:cNvSpPr/>
+          <p:nvPr/>
+        </p:nvSpPr>
+        <p:spPr>
+          <a:xfrm>
+            <a:off x="6445004" y="5332495"/>
+            <a:ext cx="791292" cy="692622"/>
+          </a:xfrm>
+          <a:prstGeom prst="snip1Rect">
+            <a:avLst/>
+          </a:prstGeom>
+          <a:noFill/>
+          <a:ln>
+            <a:solidFill>
+              <a:schemeClr val="tx1"/>
+            </a:solidFill>
+          </a:ln>
+        </p:spPr>
+        <p:style>
+          <a:lnRef idx="2">
+            <a:schemeClr val="accent1">
+              <a:shade val="50000"/>
+            </a:schemeClr>
+          </a:lnRef>
+          <a:fillRef idx="1">
+            <a:schemeClr val="accent1"/>
+          </a:fillRef>
+          <a:effectRef idx="0">
+            <a:schemeClr val="accent1"/>
+          </a:effectRef>
+          <a:fontRef idx="minor">
+            <a:schemeClr val="lt1"/>
+          </a:fontRef>
+        </p:style>
+        <p:txBody>
+          <a:bodyPr rtlCol="0" anchor="ctr"/>
+          <a:lstStyle/>
+          <a:p>
+            <a:pPr algn="ctr"/>
+            <a:r>
+              <a:rPr lang="en-US" u="sng" dirty="0" smtClean="0">
+                <a:solidFill>
+                  <a:schemeClr val="tx1"/>
+                </a:solidFill>
+              </a:rPr>
+              <a:t>________</a:t>
+            </a:r>
+            <a:endParaRPr lang="en-US" u="sng" dirty="0">
+              <a:solidFill>
+                <a:schemeClr val="tx1"/>
+              </a:solidFill>
+            </a:endParaRPr>
+          </a:p>
+        </p:txBody>
+      </p:sp>
+      <p:sp>
+        <p:nvSpPr>
+          <p:cNvPr id="34" name="CaixaDeTexto 33"/>
+          <p:cNvSpPr txBox="1"/>
+          <p:nvPr/>
+        </p:nvSpPr>
+        <p:spPr>
+          <a:xfrm>
+            <a:off x="6156176" y="6084004"/>
+            <a:ext cx="1368152" cy="369332"/>
+          </a:xfrm>
+          <a:prstGeom prst="rect">
+            <a:avLst/>
+          </a:prstGeom>
+          <a:noFill/>
+        </p:spPr>
+        <p:txBody>
+          <a:bodyPr wrap="square" rtlCol="0">
+            <a:spAutoFit/>
+          </a:bodyPr>
+          <a:lstStyle/>
+          <a:p>
+            <a:pPr algn="ctr"/>
+            <a:r>
+              <a:rPr lang="en-US" b="1" dirty="0"/>
+              <a:t>B</a:t>
+            </a:r>
+            <a:r>
+              <a:rPr lang="en-US" b="1" dirty="0" smtClean="0"/>
+              <a:t> ^ C</a:t>
+            </a:r>
+            <a:endParaRPr lang="en-US" b="1" dirty="0"/>
+          </a:p>
+        </p:txBody>
+      </p:sp>
+    </p:spTree>
+    <p:extLst>
+      <p:ext uri="{BB962C8B-B14F-4D97-AF65-F5344CB8AC3E}">
+        <p14:creationId xmlns:p14="http://schemas.microsoft.com/office/powerpoint/2010/main" val="524890082"/>
+      </p:ext>
+    </p:extLst>
+  </p:cSld>
+  <p:clrMapOvr>
+    <a:masterClrMapping/>
+  </p:clrMapOvr>
+</p:sld>
+</file>
+
+<file path=ppt/slides/slide7.xml><?xml version="1.0" encoding="utf-8"?>
+<p:sld xmlns:a="http://schemas.openxmlformats.org/drawingml/2006/main" xmlns:r="http://schemas.openxmlformats.org/officeDocument/2006/relationships" xmlns:p="http://schemas.openxmlformats.org/presentationml/2006/main">
+  <p:cSld>
+    <p:spTree>
+      <p:nvGrpSpPr>
+        <p:cNvPr id="1" name=""/>
+        <p:cNvGrpSpPr/>
+        <p:nvPr/>
+      </p:nvGrpSpPr>
+      <p:grpSpPr>
+        <a:xfrm>
+          <a:off x="0" y="0"/>
+          <a:ext cx="0" cy="0"/>
+          <a:chOff x="0" y="0"/>
+          <a:chExt cx="0" cy="0"/>
+        </a:xfrm>
+      </p:grpSpPr>
+      <p:sp>
+        <p:nvSpPr>
+          <p:cNvPr id="2" name="Título 1"/>
+          <p:cNvSpPr>
+            <a:spLocks noGrp="1"/>
+          </p:cNvSpPr>
+          <p:nvPr>
+            <p:ph type="title"/>
+          </p:nvPr>
+        </p:nvSpPr>
+        <p:spPr/>
+        <p:txBody>
+          <a:bodyPr>
+            <a:normAutofit fontScale="90000"/>
+          </a:bodyPr>
+          <a:lstStyle/>
+          <a:p>
+            <a:r>
               <a:rPr lang="en-US" dirty="0"/>
               <a:t>Formula for calculating the intersection for n </a:t>
             </a:r>
@@ -6069,8 +6943,8 @@
           </a:p>
         </p:txBody>
       </p:sp>
-      <mc:AlternateContent xmlns:mc="http://schemas.openxmlformats.org/markup-compatibility/2006">
-        <mc:Choice xmlns:a14="http://schemas.microsoft.com/office/drawing/2010/main" Requires="a14">
+      <mc:AlternateContent xmlns:mc="http://schemas.openxmlformats.org/markup-compatibility/2006" xmlns:a14="http://schemas.microsoft.com/office/drawing/2010/main">
+        <mc:Choice Requires="a14">
           <p:sp>
             <p:nvSpPr>
               <p:cNvPr id="4" name="Espaço Reservado para Conteúdo 2"/>
@@ -6262,6 +7136,7 @@
                                   <a:schemeClr val="tx1"/>
                                 </a:solidFill>
                               </a:ln>
+                              <a:latin typeface="Cambria Math"/>
                             </a:rPr>
                           </m:ctrlPr>
                         </m:sSubPr>
@@ -6273,6 +7148,7 @@
                                   <a:schemeClr val="tx1"/>
                                 </a:solidFill>
                               </a:ln>
+                              <a:latin typeface="Cambria Math"/>
                             </a:rPr>
                             <m:t>𝐶</m:t>
                           </m:r>
@@ -6285,6 +7161,7 @@
                                   <a:schemeClr val="tx1"/>
                                 </a:solidFill>
                               </a:ln>
+                              <a:latin typeface="Cambria Math"/>
                             </a:rPr>
                             <m:t>𝑛</m:t>
                           </m:r>
@@ -6295,6 +7172,7 @@
                                   <a:schemeClr val="tx1"/>
                                 </a:solidFill>
                               </a:ln>
+                              <a:latin typeface="Cambria Math"/>
                             </a:rPr>
                             <m:t>,2</m:t>
                           </m:r>
@@ -6307,6 +7185,7 @@
                               <a:schemeClr val="tx1"/>
                             </a:solidFill>
                           </a:ln>
+                          <a:latin typeface="Cambria Math"/>
                         </a:rPr>
                         <m:t>=</m:t>
                       </m:r>
@@ -6319,6 +7198,7 @@
                                   <a:schemeClr val="tx1"/>
                                 </a:solidFill>
                               </a:ln>
+                              <a:latin typeface="Cambria Math"/>
                             </a:rPr>
                           </m:ctrlPr>
                         </m:fPr>
@@ -6330,6 +7210,7 @@
                                   <a:schemeClr val="tx1"/>
                                 </a:solidFill>
                               </a:ln>
+                              <a:latin typeface="Cambria Math"/>
                             </a:rPr>
                             <m:t>𝑛</m:t>
                           </m:r>
@@ -6340,6 +7221,7 @@
                                   <a:schemeClr val="tx1"/>
                                 </a:solidFill>
                               </a:ln>
+                              <a:latin typeface="Cambria Math"/>
                             </a:rPr>
                             <m:t>!</m:t>
                           </m:r>
@@ -6352,6 +7234,7 @@
                                   <a:schemeClr val="tx1"/>
                                 </a:solidFill>
                               </a:ln>
+                              <a:latin typeface="Cambria Math"/>
                             </a:rPr>
                             <m:t>2!(</m:t>
                           </m:r>
@@ -6365,6 +7248,7 @@
                                   <a:schemeClr val="tx1"/>
                                 </a:solidFill>
                               </a:ln>
+                              <a:latin typeface="Cambria Math"/>
                             </a:rPr>
                             <m:t>n</m:t>
                           </m:r>
@@ -6375,6 +7259,7 @@
                                   <a:schemeClr val="tx1"/>
                                 </a:solidFill>
                               </a:ln>
+                              <a:latin typeface="Cambria Math"/>
                             </a:rPr>
                             <m:t>−2)</m:t>
                           </m:r>
@@ -6394,7 +7279,7 @@
             </p:txBody>
           </p:sp>
         </mc:Choice>
-        <mc:Fallback>
+        <mc:Fallback xmlns="">
           <p:sp>
             <p:nvSpPr>
               <p:cNvPr id="4" name="Espaço Reservado para Conteúdo 2"/>
@@ -6446,571 +7331,6 @@
 </p:sld>
 </file>
 
-<file path=ppt/slides/slide7.xml><?xml version="1.0" encoding="utf-8"?>
-<p:sld xmlns:a="http://schemas.openxmlformats.org/drawingml/2006/main" xmlns:r="http://schemas.openxmlformats.org/officeDocument/2006/relationships" xmlns:p="http://schemas.openxmlformats.org/presentationml/2006/main">
-  <p:cSld>
-    <p:spTree>
-      <p:nvGrpSpPr>
-        <p:cNvPr id="1" name=""/>
-        <p:cNvGrpSpPr/>
-        <p:nvPr/>
-      </p:nvGrpSpPr>
-      <p:grpSpPr>
-        <a:xfrm>
-          <a:off x="0" y="0"/>
-          <a:ext cx="0" cy="0"/>
-          <a:chOff x="0" y="0"/>
-          <a:chExt cx="0" cy="0"/>
-        </a:xfrm>
-      </p:grpSpPr>
-      <p:sp>
-        <p:nvSpPr>
-          <p:cNvPr id="2" name="Título 1"/>
-          <p:cNvSpPr>
-            <a:spLocks noGrp="1"/>
-          </p:cNvSpPr>
-          <p:nvPr>
-            <p:ph type="title"/>
-          </p:nvPr>
-        </p:nvSpPr>
-        <p:spPr>
-          <a:xfrm>
-            <a:off x="457200" y="44624"/>
-            <a:ext cx="8229600" cy="2578298"/>
-          </a:xfrm>
-        </p:spPr>
-        <p:txBody>
-          <a:bodyPr>
-            <a:normAutofit fontScale="90000"/>
-          </a:bodyPr>
-          <a:lstStyle/>
-          <a:p>
-            <a:r>
-              <a:rPr lang="en-US" dirty="0" smtClean="0"/>
-              <a:t>At the end we’ll have all a list of files that were changed in parallel by developers implementing different feature, that is, potential conflicts</a:t>
-            </a:r>
-            <a:endParaRPr lang="en-US" dirty="0"/>
-          </a:p>
-        </p:txBody>
-      </p:sp>
-      <p:sp>
-        <p:nvSpPr>
-          <p:cNvPr id="4" name="Estrela de 5 pontas 3"/>
-          <p:cNvSpPr/>
-          <p:nvPr/>
-        </p:nvSpPr>
-        <p:spPr>
-          <a:xfrm>
-            <a:off x="5004048" y="2924944"/>
-            <a:ext cx="1368152" cy="1058416"/>
-          </a:xfrm>
-          <a:prstGeom prst="star5">
-            <a:avLst/>
-          </a:prstGeom>
-          <a:noFill/>
-          <a:ln>
-            <a:solidFill>
-              <a:schemeClr val="tx1"/>
-            </a:solidFill>
-          </a:ln>
-        </p:spPr>
-        <p:style>
-          <a:lnRef idx="2">
-            <a:schemeClr val="accent1">
-              <a:shade val="50000"/>
-            </a:schemeClr>
-          </a:lnRef>
-          <a:fillRef idx="1">
-            <a:schemeClr val="accent1"/>
-          </a:fillRef>
-          <a:effectRef idx="0">
-            <a:schemeClr val="accent1"/>
-          </a:effectRef>
-          <a:fontRef idx="minor">
-            <a:schemeClr val="lt1"/>
-          </a:fontRef>
-        </p:style>
-        <p:txBody>
-          <a:bodyPr rtlCol="0" anchor="ctr"/>
-          <a:lstStyle/>
-          <a:p>
-            <a:pPr algn="ctr"/>
-            <a:r>
-              <a:rPr lang="en-US" b="1" dirty="0" smtClean="0">
-                <a:solidFill>
-                  <a:schemeClr val="tx1"/>
-                </a:solidFill>
-              </a:rPr>
-              <a:t>F2</a:t>
-            </a:r>
-            <a:endParaRPr lang="en-US" b="1" dirty="0">
-              <a:solidFill>
-                <a:schemeClr val="tx1"/>
-              </a:solidFill>
-            </a:endParaRPr>
-          </a:p>
-        </p:txBody>
-      </p:sp>
-      <p:sp>
-        <p:nvSpPr>
-          <p:cNvPr id="5" name="Hexágono 4"/>
-          <p:cNvSpPr/>
-          <p:nvPr/>
-        </p:nvSpPr>
-        <p:spPr>
-          <a:xfrm>
-            <a:off x="2987824" y="2924944"/>
-            <a:ext cx="1143566" cy="1058416"/>
-          </a:xfrm>
-          <a:prstGeom prst="hexagon">
-            <a:avLst/>
-          </a:prstGeom>
-          <a:noFill/>
-          <a:ln>
-            <a:solidFill>
-              <a:schemeClr val="tx1"/>
-            </a:solidFill>
-          </a:ln>
-        </p:spPr>
-        <p:style>
-          <a:lnRef idx="2">
-            <a:schemeClr val="accent1">
-              <a:shade val="50000"/>
-            </a:schemeClr>
-          </a:lnRef>
-          <a:fillRef idx="1">
-            <a:schemeClr val="accent1"/>
-          </a:fillRef>
-          <a:effectRef idx="0">
-            <a:schemeClr val="accent1"/>
-          </a:effectRef>
-          <a:fontRef idx="minor">
-            <a:schemeClr val="lt1"/>
-          </a:fontRef>
-        </p:style>
-        <p:txBody>
-          <a:bodyPr rtlCol="0" anchor="ctr"/>
-          <a:lstStyle/>
-          <a:p>
-            <a:pPr algn="ctr"/>
-            <a:r>
-              <a:rPr lang="en-US" b="1" dirty="0" smtClean="0">
-                <a:solidFill>
-                  <a:schemeClr val="tx1"/>
-                </a:solidFill>
-              </a:rPr>
-              <a:t>F1</a:t>
-            </a:r>
-            <a:endParaRPr lang="en-US" b="1" dirty="0">
-              <a:solidFill>
-                <a:schemeClr val="tx1"/>
-              </a:solidFill>
-            </a:endParaRPr>
-          </a:p>
-        </p:txBody>
-      </p:sp>
-      <p:pic>
-        <p:nvPicPr>
-          <p:cNvPr id="6" name="Picture 7" descr="https://encrypted-tbn3.google.com/images?q=tbn:ANd9GcSNCY_mqYVGxj3qpfdUIPND-cBG06of2jJmwOC927lEEDUQW1ZfmQ"/>
-          <p:cNvPicPr>
-            <a:picLocks noChangeAspect="1" noChangeArrowheads="1"/>
-          </p:cNvPicPr>
-          <p:nvPr/>
-        </p:nvPicPr>
-        <p:blipFill>
-          <a:blip r:embed="rId2" cstate="print">
-            <a:extLst>
-              <a:ext uri="{28A0092B-C50C-407E-A947-70E740481C1C}">
-                <a14:useLocalDpi xmlns:a14="http://schemas.microsoft.com/office/drawing/2010/main" val="0"/>
-              </a:ext>
-            </a:extLst>
-          </a:blip>
-          <a:srcRect/>
-          <a:stretch>
-            <a:fillRect/>
-          </a:stretch>
-        </p:blipFill>
-        <p:spPr bwMode="auto">
-          <a:xfrm>
-            <a:off x="2555776" y="3645024"/>
-            <a:ext cx="233692" cy="465915"/>
-          </a:xfrm>
-          <a:prstGeom prst="rect">
-            <a:avLst/>
-          </a:prstGeom>
-          <a:noFill/>
-          <a:extLst>
-            <a:ext uri="{909E8E84-426E-40DD-AFC4-6F175D3DCCD1}">
-              <a14:hiddenFill xmlns:a14="http://schemas.microsoft.com/office/drawing/2010/main">
-                <a:solidFill>
-                  <a:srgbClr val="FFFFFF"/>
-                </a:solidFill>
-              </a14:hiddenFill>
-            </a:ext>
-          </a:extLst>
-        </p:spPr>
-      </p:pic>
-      <p:pic>
-        <p:nvPicPr>
-          <p:cNvPr id="7" name="Picture 7" descr="https://encrypted-tbn3.google.com/images?q=tbn:ANd9GcSNCY_mqYVGxj3qpfdUIPND-cBG06of2jJmwOC927lEEDUQW1ZfmQ"/>
-          <p:cNvPicPr>
-            <a:picLocks noChangeAspect="1" noChangeArrowheads="1"/>
-          </p:cNvPicPr>
-          <p:nvPr/>
-        </p:nvPicPr>
-        <p:blipFill>
-          <a:blip r:embed="rId2" cstate="print">
-            <a:extLst>
-              <a:ext uri="{28A0092B-C50C-407E-A947-70E740481C1C}">
-                <a14:useLocalDpi xmlns:a14="http://schemas.microsoft.com/office/drawing/2010/main" val="0"/>
-              </a:ext>
-            </a:extLst>
-          </a:blip>
-          <a:srcRect/>
-          <a:stretch>
-            <a:fillRect/>
-          </a:stretch>
-        </p:blipFill>
-        <p:spPr bwMode="auto">
-          <a:xfrm>
-            <a:off x="2250076" y="3645024"/>
-            <a:ext cx="233692" cy="465915"/>
-          </a:xfrm>
-          <a:prstGeom prst="rect">
-            <a:avLst/>
-          </a:prstGeom>
-          <a:noFill/>
-          <a:extLst>
-            <a:ext uri="{909E8E84-426E-40DD-AFC4-6F175D3DCCD1}">
-              <a14:hiddenFill xmlns:a14="http://schemas.microsoft.com/office/drawing/2010/main">
-                <a:solidFill>
-                  <a:srgbClr val="FFFFFF"/>
-                </a:solidFill>
-              </a14:hiddenFill>
-            </a:ext>
-          </a:extLst>
-        </p:spPr>
-      </p:pic>
-      <p:pic>
-        <p:nvPicPr>
-          <p:cNvPr id="8" name="Picture 7" descr="https://encrypted-tbn3.google.com/images?q=tbn:ANd9GcSNCY_mqYVGxj3qpfdUIPND-cBG06of2jJmwOC927lEEDUQW1ZfmQ"/>
-          <p:cNvPicPr>
-            <a:picLocks noChangeAspect="1" noChangeArrowheads="1"/>
-          </p:cNvPicPr>
-          <p:nvPr/>
-        </p:nvPicPr>
-        <p:blipFill>
-          <a:blip r:embed="rId2" cstate="print">
-            <a:extLst>
-              <a:ext uri="{28A0092B-C50C-407E-A947-70E740481C1C}">
-                <a14:useLocalDpi xmlns:a14="http://schemas.microsoft.com/office/drawing/2010/main" val="0"/>
-              </a:ext>
-            </a:extLst>
-          </a:blip>
-          <a:srcRect/>
-          <a:stretch>
-            <a:fillRect/>
-          </a:stretch>
-        </p:blipFill>
-        <p:spPr bwMode="auto">
-          <a:xfrm>
-            <a:off x="1907704" y="3645024"/>
-            <a:ext cx="233692" cy="465915"/>
-          </a:xfrm>
-          <a:prstGeom prst="rect">
-            <a:avLst/>
-          </a:prstGeom>
-          <a:noFill/>
-          <a:extLst>
-            <a:ext uri="{909E8E84-426E-40DD-AFC4-6F175D3DCCD1}">
-              <a14:hiddenFill xmlns:a14="http://schemas.microsoft.com/office/drawing/2010/main">
-                <a:solidFill>
-                  <a:srgbClr val="FFFFFF"/>
-                </a:solidFill>
-              </a14:hiddenFill>
-            </a:ext>
-          </a:extLst>
-        </p:spPr>
-      </p:pic>
-      <p:pic>
-        <p:nvPicPr>
-          <p:cNvPr id="9" name="Picture 7" descr="https://encrypted-tbn3.google.com/images?q=tbn:ANd9GcSNCY_mqYVGxj3qpfdUIPND-cBG06of2jJmwOC927lEEDUQW1ZfmQ"/>
-          <p:cNvPicPr>
-            <a:picLocks noChangeAspect="1" noChangeArrowheads="1"/>
-          </p:cNvPicPr>
-          <p:nvPr/>
-        </p:nvPicPr>
-        <p:blipFill>
-          <a:blip r:embed="rId2" cstate="print">
-            <a:extLst>
-              <a:ext uri="{28A0092B-C50C-407E-A947-70E740481C1C}">
-                <a14:useLocalDpi xmlns:a14="http://schemas.microsoft.com/office/drawing/2010/main" val="0"/>
-              </a:ext>
-            </a:extLst>
-          </a:blip>
-          <a:srcRect/>
-          <a:stretch>
-            <a:fillRect/>
-          </a:stretch>
-        </p:blipFill>
-        <p:spPr bwMode="auto">
-          <a:xfrm>
-            <a:off x="6714572" y="3645024"/>
-            <a:ext cx="233692" cy="465915"/>
-          </a:xfrm>
-          <a:prstGeom prst="rect">
-            <a:avLst/>
-          </a:prstGeom>
-          <a:noFill/>
-          <a:extLst>
-            <a:ext uri="{909E8E84-426E-40DD-AFC4-6F175D3DCCD1}">
-              <a14:hiddenFill xmlns:a14="http://schemas.microsoft.com/office/drawing/2010/main">
-                <a:solidFill>
-                  <a:srgbClr val="FFFFFF"/>
-                </a:solidFill>
-              </a14:hiddenFill>
-            </a:ext>
-          </a:extLst>
-        </p:spPr>
-      </p:pic>
-      <p:pic>
-        <p:nvPicPr>
-          <p:cNvPr id="10" name="Picture 7" descr="https://encrypted-tbn3.google.com/images?q=tbn:ANd9GcSNCY_mqYVGxj3qpfdUIPND-cBG06of2jJmwOC927lEEDUQW1ZfmQ"/>
-          <p:cNvPicPr>
-            <a:picLocks noChangeAspect="1" noChangeArrowheads="1"/>
-          </p:cNvPicPr>
-          <p:nvPr/>
-        </p:nvPicPr>
-        <p:blipFill>
-          <a:blip r:embed="rId2" cstate="print">
-            <a:extLst>
-              <a:ext uri="{28A0092B-C50C-407E-A947-70E740481C1C}">
-                <a14:useLocalDpi xmlns:a14="http://schemas.microsoft.com/office/drawing/2010/main" val="0"/>
-              </a:ext>
-            </a:extLst>
-          </a:blip>
-          <a:srcRect/>
-          <a:stretch>
-            <a:fillRect/>
-          </a:stretch>
-        </p:blipFill>
-        <p:spPr bwMode="auto">
-          <a:xfrm>
-            <a:off x="6408872" y="3645024"/>
-            <a:ext cx="233692" cy="465915"/>
-          </a:xfrm>
-          <a:prstGeom prst="rect">
-            <a:avLst/>
-          </a:prstGeom>
-          <a:noFill/>
-          <a:extLst>
-            <a:ext uri="{909E8E84-426E-40DD-AFC4-6F175D3DCCD1}">
-              <a14:hiddenFill xmlns:a14="http://schemas.microsoft.com/office/drawing/2010/main">
-                <a:solidFill>
-                  <a:srgbClr val="FFFFFF"/>
-                </a:solidFill>
-              </a14:hiddenFill>
-            </a:ext>
-          </a:extLst>
-        </p:spPr>
-      </p:pic>
-      <p:sp>
-        <p:nvSpPr>
-          <p:cNvPr id="11" name="Multiplicar 10"/>
-          <p:cNvSpPr/>
-          <p:nvPr/>
-        </p:nvSpPr>
-        <p:spPr>
-          <a:xfrm>
-            <a:off x="4110960" y="4653136"/>
-            <a:ext cx="872658" cy="1008112"/>
-          </a:xfrm>
-          <a:prstGeom prst="mathMultiply">
-            <a:avLst/>
-          </a:prstGeom>
-          <a:solidFill>
-            <a:srgbClr val="FF0000"/>
-          </a:solidFill>
-          <a:ln>
-            <a:noFill/>
-          </a:ln>
-        </p:spPr>
-        <p:style>
-          <a:lnRef idx="2">
-            <a:schemeClr val="accent1">
-              <a:shade val="50000"/>
-            </a:schemeClr>
-          </a:lnRef>
-          <a:fillRef idx="1">
-            <a:schemeClr val="accent1"/>
-          </a:fillRef>
-          <a:effectRef idx="0">
-            <a:schemeClr val="accent1"/>
-          </a:effectRef>
-          <a:fontRef idx="minor">
-            <a:schemeClr val="lt1"/>
-          </a:fontRef>
-        </p:style>
-        <p:txBody>
-          <a:bodyPr rtlCol="0" anchor="ctr"/>
-          <a:lstStyle/>
-          <a:p>
-            <a:pPr algn="ctr"/>
-            <a:endParaRPr lang="en-US"/>
-          </a:p>
-        </p:txBody>
-      </p:sp>
-      <p:cxnSp>
-        <p:nvCxnSpPr>
-          <p:cNvPr id="12" name="Conector angulado 11"/>
-          <p:cNvCxnSpPr>
-            <a:stCxn id="4" idx="2"/>
-          </p:cNvCxnSpPr>
-          <p:nvPr/>
-        </p:nvCxnSpPr>
-        <p:spPr>
-          <a:xfrm rot="5400000">
-            <a:off x="4499419" y="4031227"/>
-            <a:ext cx="813795" cy="718054"/>
-          </a:xfrm>
-          <a:prstGeom prst="bentConnector3">
-            <a:avLst>
-              <a:gd name="adj1" fmla="val 53875"/>
-            </a:avLst>
-          </a:prstGeom>
-          <a:ln w="25400">
-            <a:solidFill>
-              <a:schemeClr val="tx1"/>
-            </a:solidFill>
-            <a:tailEnd type="arrow"/>
-          </a:ln>
-        </p:spPr>
-        <p:style>
-          <a:lnRef idx="1">
-            <a:schemeClr val="accent1"/>
-          </a:lnRef>
-          <a:fillRef idx="0">
-            <a:schemeClr val="accent1"/>
-          </a:fillRef>
-          <a:effectRef idx="0">
-            <a:schemeClr val="accent1"/>
-          </a:effectRef>
-          <a:fontRef idx="minor">
-            <a:schemeClr val="tx1"/>
-          </a:fontRef>
-        </p:style>
-      </p:cxnSp>
-      <p:cxnSp>
-        <p:nvCxnSpPr>
-          <p:cNvPr id="13" name="Conector angulado 12"/>
-          <p:cNvCxnSpPr>
-            <a:stCxn id="5" idx="1"/>
-          </p:cNvCxnSpPr>
-          <p:nvPr/>
-        </p:nvCxnSpPr>
-        <p:spPr>
-          <a:xfrm rot="16200000" flipH="1">
-            <a:off x="3800142" y="4050004"/>
-            <a:ext cx="813792" cy="680504"/>
-          </a:xfrm>
-          <a:prstGeom prst="bentConnector3">
-            <a:avLst>
-              <a:gd name="adj1" fmla="val 53875"/>
-            </a:avLst>
-          </a:prstGeom>
-          <a:ln w="25400">
-            <a:solidFill>
-              <a:schemeClr val="tx1"/>
-            </a:solidFill>
-            <a:tailEnd type="arrow"/>
-          </a:ln>
-        </p:spPr>
-        <p:style>
-          <a:lnRef idx="1">
-            <a:schemeClr val="accent1"/>
-          </a:lnRef>
-          <a:fillRef idx="0">
-            <a:schemeClr val="accent1"/>
-          </a:fillRef>
-          <a:effectRef idx="0">
-            <a:schemeClr val="accent1"/>
-          </a:effectRef>
-          <a:fontRef idx="minor">
-            <a:schemeClr val="tx1"/>
-          </a:fontRef>
-        </p:style>
-      </p:cxnSp>
-      <p:sp>
-        <p:nvSpPr>
-          <p:cNvPr id="14" name="Cubo 13"/>
-          <p:cNvSpPr/>
-          <p:nvPr/>
-        </p:nvSpPr>
-        <p:spPr>
-          <a:xfrm>
-            <a:off x="3059832" y="4797152"/>
-            <a:ext cx="2952328" cy="1584176"/>
-          </a:xfrm>
-          <a:prstGeom prst="cube">
-            <a:avLst/>
-          </a:prstGeom>
-          <a:noFill/>
-          <a:ln>
-            <a:solidFill>
-              <a:schemeClr val="tx1"/>
-            </a:solidFill>
-          </a:ln>
-        </p:spPr>
-        <p:style>
-          <a:lnRef idx="2">
-            <a:schemeClr val="accent1">
-              <a:shade val="50000"/>
-            </a:schemeClr>
-          </a:lnRef>
-          <a:fillRef idx="1">
-            <a:schemeClr val="accent1"/>
-          </a:fillRef>
-          <a:effectRef idx="0">
-            <a:schemeClr val="accent1"/>
-          </a:effectRef>
-          <a:fontRef idx="minor">
-            <a:schemeClr val="lt1"/>
-          </a:fontRef>
-        </p:style>
-        <p:txBody>
-          <a:bodyPr rtlCol="0" anchor="ctr"/>
-          <a:lstStyle/>
-          <a:p>
-            <a:pPr algn="ctr"/>
-            <a:r>
-              <a:rPr lang="en-US" b="1" dirty="0" smtClean="0">
-                <a:solidFill>
-                  <a:schemeClr val="tx1"/>
-                </a:solidFill>
-              </a:rPr>
-              <a:t>System</a:t>
-            </a:r>
-            <a:endParaRPr lang="en-US" b="1" dirty="0">
-              <a:solidFill>
-                <a:schemeClr val="tx1"/>
-              </a:solidFill>
-            </a:endParaRPr>
-          </a:p>
-        </p:txBody>
-      </p:sp>
-    </p:spTree>
-    <p:extLst>
-      <p:ext uri="{BB962C8B-B14F-4D97-AF65-F5344CB8AC3E}">
-        <p14:creationId xmlns:p14="http://schemas.microsoft.com/office/powerpoint/2010/main" val="997141335"/>
-      </p:ext>
-    </p:extLst>
-  </p:cSld>
-  <p:clrMapOvr>
-    <a:masterClrMapping/>
-  </p:clrMapOvr>
-</p:sld>
-</file>
-
 <file path=ppt/slides/slide8.xml><?xml version="1.0" encoding="utf-8"?>
 <p:sld xmlns:a="http://schemas.openxmlformats.org/drawingml/2006/main" xmlns:r="http://schemas.openxmlformats.org/officeDocument/2006/relationships" xmlns:p="http://schemas.openxmlformats.org/presentationml/2006/main">
   <p:cSld>
@@ -7038,14 +7358,21 @@
             <p:ph type="title"/>
           </p:nvPr>
         </p:nvSpPr>
-        <p:spPr/>
-        <p:txBody>
-          <a:bodyPr/>
+        <p:spPr>
+          <a:xfrm>
+            <a:off x="457200" y="44624"/>
+            <a:ext cx="8229600" cy="2578298"/>
+          </a:xfrm>
+        </p:spPr>
+        <p:txBody>
+          <a:bodyPr>
+            <a:normAutofit fontScale="90000"/>
+          </a:bodyPr>
           <a:lstStyle/>
           <a:p>
             <a:r>
               <a:rPr lang="en-US" dirty="0" smtClean="0"/>
-              <a:t>Step-by-step</a:t>
+              <a:t>At the end we’ll have all a list of files that were changed in parallel by developers implementing different feature, that is, potential conflicts</a:t>
             </a:r>
             <a:endParaRPr lang="en-US" dirty="0"/>
           </a:p>
@@ -7053,60 +7380,123 @@
       </p:sp>
       <p:sp>
         <p:nvSpPr>
-          <p:cNvPr id="3" name="Espaço Reservado para Conteúdo 2"/>
-          <p:cNvSpPr>
-            <a:spLocks noGrp="1"/>
-          </p:cNvSpPr>
-          <p:nvPr>
-            <p:ph idx="1"/>
-          </p:nvPr>
-        </p:nvSpPr>
-        <p:spPr/>
-        <p:txBody>
-          <a:bodyPr/>
-          <a:lstStyle/>
-          <a:p>
-            <a:r>
-              <a:rPr lang="en-US" dirty="0" smtClean="0"/>
-              <a:t>Download zipped commit</a:t>
-            </a:r>
-          </a:p>
-          <a:p>
-            <a:r>
-              <a:rPr lang="en-US" dirty="0" smtClean="0"/>
-              <a:t>Unzip commit</a:t>
-            </a:r>
-          </a:p>
-          <a:p>
-            <a:r>
-              <a:rPr lang="en-US" dirty="0" smtClean="0"/>
-              <a:t>Compute differences between code assets</a:t>
-            </a:r>
-          </a:p>
-          <a:p>
-            <a:r>
-              <a:rPr lang="en-US" dirty="0" smtClean="0"/>
-              <a:t>Calculate changesets from the base commit</a:t>
-            </a:r>
-          </a:p>
-          <a:p>
-            <a:r>
-              <a:rPr lang="en-US" dirty="0" smtClean="0"/>
-              <a:t>Calculate changesets intersections between commits</a:t>
-            </a:r>
-          </a:p>
-          <a:p>
-            <a:r>
-              <a:rPr lang="en-US" dirty="0" smtClean="0"/>
-              <a:t>Show reports</a:t>
-            </a:r>
-            <a:endParaRPr lang="en-US" dirty="0"/>
+          <p:cNvPr id="4" name="Estrela de 5 pontas 3"/>
+          <p:cNvSpPr/>
+          <p:nvPr/>
+        </p:nvSpPr>
+        <p:spPr>
+          <a:xfrm>
+            <a:off x="5004048" y="2924944"/>
+            <a:ext cx="1368152" cy="1058416"/>
+          </a:xfrm>
+          <a:prstGeom prst="star5">
+            <a:avLst/>
+          </a:prstGeom>
+          <a:noFill/>
+          <a:ln>
+            <a:solidFill>
+              <a:schemeClr val="tx1"/>
+            </a:solidFill>
+          </a:ln>
+        </p:spPr>
+        <p:style>
+          <a:lnRef idx="2">
+            <a:schemeClr val="accent1">
+              <a:shade val="50000"/>
+            </a:schemeClr>
+          </a:lnRef>
+          <a:fillRef idx="1">
+            <a:schemeClr val="accent1"/>
+          </a:fillRef>
+          <a:effectRef idx="0">
+            <a:schemeClr val="accent1"/>
+          </a:effectRef>
+          <a:fontRef idx="minor">
+            <a:schemeClr val="lt1"/>
+          </a:fontRef>
+        </p:style>
+        <p:txBody>
+          <a:bodyPr rtlCol="0" anchor="ctr"/>
+          <a:lstStyle/>
+          <a:p>
+            <a:pPr algn="ctr"/>
+            <a:r>
+              <a:rPr lang="en-US" b="1" dirty="0" smtClean="0">
+                <a:solidFill>
+                  <a:schemeClr val="tx1"/>
+                </a:solidFill>
+              </a:rPr>
+              <a:t>F2</a:t>
+            </a:r>
+            <a:endParaRPr lang="en-US" b="1" dirty="0">
+              <a:solidFill>
+                <a:schemeClr val="tx1"/>
+              </a:solidFill>
+            </a:endParaRPr>
+          </a:p>
+        </p:txBody>
+      </p:sp>
+      <p:sp>
+        <p:nvSpPr>
+          <p:cNvPr id="5" name="Hexágono 4"/>
+          <p:cNvSpPr/>
+          <p:nvPr/>
+        </p:nvSpPr>
+        <p:spPr>
+          <a:xfrm>
+            <a:off x="2987824" y="2924944"/>
+            <a:ext cx="1143566" cy="1058416"/>
+          </a:xfrm>
+          <a:prstGeom prst="hexagon">
+            <a:avLst/>
+          </a:prstGeom>
+          <a:noFill/>
+          <a:ln>
+            <a:solidFill>
+              <a:schemeClr val="tx1"/>
+            </a:solidFill>
+          </a:ln>
+        </p:spPr>
+        <p:style>
+          <a:lnRef idx="2">
+            <a:schemeClr val="accent1">
+              <a:shade val="50000"/>
+            </a:schemeClr>
+          </a:lnRef>
+          <a:fillRef idx="1">
+            <a:schemeClr val="accent1"/>
+          </a:fillRef>
+          <a:effectRef idx="0">
+            <a:schemeClr val="accent1"/>
+          </a:effectRef>
+          <a:fontRef idx="minor">
+            <a:schemeClr val="lt1"/>
+          </a:fontRef>
+        </p:style>
+        <p:txBody>
+          <a:bodyPr rtlCol="0" anchor="ctr"/>
+          <a:lstStyle/>
+          <a:p>
+            <a:pPr algn="ctr"/>
+            <a:r>
+              <a:rPr lang="en-US" b="1" dirty="0" smtClean="0">
+                <a:solidFill>
+                  <a:schemeClr val="tx1"/>
+                </a:solidFill>
+              </a:rPr>
+              <a:t>F1</a:t>
+            </a:r>
+            <a:endParaRPr lang="en-US" b="1" dirty="0">
+              <a:solidFill>
+                <a:schemeClr val="tx1"/>
+              </a:solidFill>
+            </a:endParaRPr>
           </a:p>
         </p:txBody>
       </p:sp>
       <p:pic>
         <p:nvPicPr>
-          <p:cNvPr id="1026" name="Picture 2" descr="Green Check Mark Clip Art"/>
+          <p:cNvPr id="6" name="Picture 7" descr="https://encrypted-tbn3.google.com/images?q=tbn:ANd9GcSNCY_mqYVGxj3qpfdUIPND-cBG06of2jJmwOC927lEEDUQW1ZfmQ"/>
           <p:cNvPicPr>
             <a:picLocks noChangeAspect="1" noChangeArrowheads="1"/>
           </p:cNvPicPr>
@@ -7126,9 +7516,9 @@
           </a:stretch>
         </p:blipFill>
         <p:spPr bwMode="auto">
-          <a:xfrm rot="1170216">
-            <a:off x="5372349" y="1409109"/>
-            <a:ext cx="540949" cy="622721"/>
+          <a:xfrm>
+            <a:off x="2555776" y="3645024"/>
+            <a:ext cx="233692" cy="465915"/>
           </a:xfrm>
           <a:prstGeom prst="rect">
             <a:avLst/>
@@ -7147,7 +7537,7 @@
       </p:pic>
       <p:pic>
         <p:nvPicPr>
-          <p:cNvPr id="5" name="Picture 2" descr="Green Check Mark Clip Art"/>
+          <p:cNvPr id="7" name="Picture 7" descr="https://encrypted-tbn3.google.com/images?q=tbn:ANd9GcSNCY_mqYVGxj3qpfdUIPND-cBG06of2jJmwOC927lEEDUQW1ZfmQ"/>
           <p:cNvPicPr>
             <a:picLocks noChangeAspect="1" noChangeArrowheads="1"/>
           </p:cNvPicPr>
@@ -7167,9 +7557,9 @@
           </a:stretch>
         </p:blipFill>
         <p:spPr bwMode="auto">
-          <a:xfrm rot="1170216">
-            <a:off x="3510569" y="2061277"/>
-            <a:ext cx="540949" cy="622721"/>
+          <a:xfrm>
+            <a:off x="2250076" y="3645024"/>
+            <a:ext cx="233692" cy="465915"/>
           </a:xfrm>
           <a:prstGeom prst="rect">
             <a:avLst/>
@@ -7188,7 +7578,7 @@
       </p:pic>
       <p:pic>
         <p:nvPicPr>
-          <p:cNvPr id="6" name="Picture 2" descr="Green Check Mark Clip Art"/>
+          <p:cNvPr id="8" name="Picture 7" descr="https://encrypted-tbn3.google.com/images?q=tbn:ANd9GcSNCY_mqYVGxj3qpfdUIPND-cBG06of2jJmwOC927lEEDUQW1ZfmQ"/>
           <p:cNvPicPr>
             <a:picLocks noChangeAspect="1" noChangeArrowheads="1"/>
           </p:cNvPicPr>
@@ -7208,9 +7598,9 @@
           </a:stretch>
         </p:blipFill>
         <p:spPr bwMode="auto">
-          <a:xfrm rot="1170216">
-            <a:off x="8047073" y="2517818"/>
-            <a:ext cx="540949" cy="622721"/>
+          <a:xfrm>
+            <a:off x="1907704" y="3645024"/>
+            <a:ext cx="233692" cy="465915"/>
           </a:xfrm>
           <a:prstGeom prst="rect">
             <a:avLst/>
@@ -7227,10 +7617,276 @@
           </a:extLst>
         </p:spPr>
       </p:pic>
+      <p:pic>
+        <p:nvPicPr>
+          <p:cNvPr id="9" name="Picture 7" descr="https://encrypted-tbn3.google.com/images?q=tbn:ANd9GcSNCY_mqYVGxj3qpfdUIPND-cBG06of2jJmwOC927lEEDUQW1ZfmQ"/>
+          <p:cNvPicPr>
+            <a:picLocks noChangeAspect="1" noChangeArrowheads="1"/>
+          </p:cNvPicPr>
+          <p:nvPr/>
+        </p:nvPicPr>
+        <p:blipFill>
+          <a:blip r:embed="rId2" cstate="print">
+            <a:extLst>
+              <a:ext uri="{28A0092B-C50C-407E-A947-70E740481C1C}">
+                <a14:useLocalDpi xmlns:a14="http://schemas.microsoft.com/office/drawing/2010/main" val="0"/>
+              </a:ext>
+            </a:extLst>
+          </a:blip>
+          <a:srcRect/>
+          <a:stretch>
+            <a:fillRect/>
+          </a:stretch>
+        </p:blipFill>
+        <p:spPr bwMode="auto">
+          <a:xfrm>
+            <a:off x="6714572" y="3645024"/>
+            <a:ext cx="233692" cy="465915"/>
+          </a:xfrm>
+          <a:prstGeom prst="rect">
+            <a:avLst/>
+          </a:prstGeom>
+          <a:noFill/>
+          <a:extLst>
+            <a:ext uri="{909E8E84-426E-40DD-AFC4-6F175D3DCCD1}">
+              <a14:hiddenFill xmlns:a14="http://schemas.microsoft.com/office/drawing/2010/main">
+                <a:solidFill>
+                  <a:srgbClr val="FFFFFF"/>
+                </a:solidFill>
+              </a14:hiddenFill>
+            </a:ext>
+          </a:extLst>
+        </p:spPr>
+      </p:pic>
+      <p:pic>
+        <p:nvPicPr>
+          <p:cNvPr id="10" name="Picture 7" descr="https://encrypted-tbn3.google.com/images?q=tbn:ANd9GcSNCY_mqYVGxj3qpfdUIPND-cBG06of2jJmwOC927lEEDUQW1ZfmQ"/>
+          <p:cNvPicPr>
+            <a:picLocks noChangeAspect="1" noChangeArrowheads="1"/>
+          </p:cNvPicPr>
+          <p:nvPr/>
+        </p:nvPicPr>
+        <p:blipFill>
+          <a:blip r:embed="rId2" cstate="print">
+            <a:extLst>
+              <a:ext uri="{28A0092B-C50C-407E-A947-70E740481C1C}">
+                <a14:useLocalDpi xmlns:a14="http://schemas.microsoft.com/office/drawing/2010/main" val="0"/>
+              </a:ext>
+            </a:extLst>
+          </a:blip>
+          <a:srcRect/>
+          <a:stretch>
+            <a:fillRect/>
+          </a:stretch>
+        </p:blipFill>
+        <p:spPr bwMode="auto">
+          <a:xfrm>
+            <a:off x="6408872" y="3645024"/>
+            <a:ext cx="233692" cy="465915"/>
+          </a:xfrm>
+          <a:prstGeom prst="rect">
+            <a:avLst/>
+          </a:prstGeom>
+          <a:noFill/>
+          <a:extLst>
+            <a:ext uri="{909E8E84-426E-40DD-AFC4-6F175D3DCCD1}">
+              <a14:hiddenFill xmlns:a14="http://schemas.microsoft.com/office/drawing/2010/main">
+                <a:solidFill>
+                  <a:srgbClr val="FFFFFF"/>
+                </a:solidFill>
+              </a14:hiddenFill>
+            </a:ext>
+          </a:extLst>
+        </p:spPr>
+      </p:pic>
+      <p:sp>
+        <p:nvSpPr>
+          <p:cNvPr id="11" name="Multiplicar 10"/>
+          <p:cNvSpPr/>
+          <p:nvPr/>
+        </p:nvSpPr>
+        <p:spPr>
+          <a:xfrm>
+            <a:off x="4110960" y="4653136"/>
+            <a:ext cx="872658" cy="1008112"/>
+          </a:xfrm>
+          <a:prstGeom prst="mathMultiply">
+            <a:avLst/>
+          </a:prstGeom>
+          <a:solidFill>
+            <a:srgbClr val="FF0000"/>
+          </a:solidFill>
+          <a:ln>
+            <a:noFill/>
+          </a:ln>
+        </p:spPr>
+        <p:style>
+          <a:lnRef idx="2">
+            <a:schemeClr val="accent1">
+              <a:shade val="50000"/>
+            </a:schemeClr>
+          </a:lnRef>
+          <a:fillRef idx="1">
+            <a:schemeClr val="accent1"/>
+          </a:fillRef>
+          <a:effectRef idx="0">
+            <a:schemeClr val="accent1"/>
+          </a:effectRef>
+          <a:fontRef idx="minor">
+            <a:schemeClr val="lt1"/>
+          </a:fontRef>
+        </p:style>
+        <p:txBody>
+          <a:bodyPr rtlCol="0" anchor="ctr"/>
+          <a:lstStyle/>
+          <a:p>
+            <a:pPr algn="ctr"/>
+            <a:endParaRPr lang="en-US"/>
+          </a:p>
+        </p:txBody>
+      </p:sp>
+      <p:cxnSp>
+        <p:nvCxnSpPr>
+          <p:cNvPr id="12" name="Conector angulado 11"/>
+          <p:cNvCxnSpPr>
+            <a:stCxn id="4" idx="2"/>
+          </p:cNvCxnSpPr>
+          <p:nvPr/>
+        </p:nvCxnSpPr>
+        <p:spPr>
+          <a:xfrm rot="5400000">
+            <a:off x="4499419" y="4031227"/>
+            <a:ext cx="813795" cy="718054"/>
+          </a:xfrm>
+          <a:prstGeom prst="bentConnector3">
+            <a:avLst>
+              <a:gd name="adj1" fmla="val 53875"/>
+            </a:avLst>
+          </a:prstGeom>
+          <a:ln w="25400">
+            <a:solidFill>
+              <a:schemeClr val="tx1"/>
+            </a:solidFill>
+            <a:tailEnd type="arrow"/>
+          </a:ln>
+        </p:spPr>
+        <p:style>
+          <a:lnRef idx="1">
+            <a:schemeClr val="accent1"/>
+          </a:lnRef>
+          <a:fillRef idx="0">
+            <a:schemeClr val="accent1"/>
+          </a:fillRef>
+          <a:effectRef idx="0">
+            <a:schemeClr val="accent1"/>
+          </a:effectRef>
+          <a:fontRef idx="minor">
+            <a:schemeClr val="tx1"/>
+          </a:fontRef>
+        </p:style>
+      </p:cxnSp>
+      <p:cxnSp>
+        <p:nvCxnSpPr>
+          <p:cNvPr id="13" name="Conector angulado 12"/>
+          <p:cNvCxnSpPr>
+            <a:stCxn id="5" idx="1"/>
+          </p:cNvCxnSpPr>
+          <p:nvPr/>
+        </p:nvCxnSpPr>
+        <p:spPr>
+          <a:xfrm rot="16200000" flipH="1">
+            <a:off x="3800142" y="4050004"/>
+            <a:ext cx="813792" cy="680504"/>
+          </a:xfrm>
+          <a:prstGeom prst="bentConnector3">
+            <a:avLst>
+              <a:gd name="adj1" fmla="val 53875"/>
+            </a:avLst>
+          </a:prstGeom>
+          <a:ln w="25400">
+            <a:solidFill>
+              <a:schemeClr val="tx1"/>
+            </a:solidFill>
+            <a:tailEnd type="arrow"/>
+          </a:ln>
+        </p:spPr>
+        <p:style>
+          <a:lnRef idx="1">
+            <a:schemeClr val="accent1"/>
+          </a:lnRef>
+          <a:fillRef idx="0">
+            <a:schemeClr val="accent1"/>
+          </a:fillRef>
+          <a:effectRef idx="0">
+            <a:schemeClr val="accent1"/>
+          </a:effectRef>
+          <a:fontRef idx="minor">
+            <a:schemeClr val="tx1"/>
+          </a:fontRef>
+        </p:style>
+      </p:cxnSp>
+      <p:sp>
+        <p:nvSpPr>
+          <p:cNvPr id="14" name="Cubo 13"/>
+          <p:cNvSpPr/>
+          <p:nvPr/>
+        </p:nvSpPr>
+        <p:spPr>
+          <a:xfrm>
+            <a:off x="3059832" y="4797152"/>
+            <a:ext cx="2952328" cy="1584176"/>
+          </a:xfrm>
+          <a:prstGeom prst="cube">
+            <a:avLst/>
+          </a:prstGeom>
+          <a:noFill/>
+          <a:ln>
+            <a:solidFill>
+              <a:schemeClr val="tx1"/>
+            </a:solidFill>
+          </a:ln>
+        </p:spPr>
+        <p:style>
+          <a:lnRef idx="2">
+            <a:schemeClr val="accent1">
+              <a:shade val="50000"/>
+            </a:schemeClr>
+          </a:lnRef>
+          <a:fillRef idx="1">
+            <a:schemeClr val="accent1"/>
+          </a:fillRef>
+          <a:effectRef idx="0">
+            <a:schemeClr val="accent1"/>
+          </a:effectRef>
+          <a:fontRef idx="minor">
+            <a:schemeClr val="lt1"/>
+          </a:fontRef>
+        </p:style>
+        <p:txBody>
+          <a:bodyPr rtlCol="0" anchor="ctr"/>
+          <a:lstStyle/>
+          <a:p>
+            <a:pPr algn="ctr"/>
+            <a:r>
+              <a:rPr lang="en-US" b="1" dirty="0" smtClean="0">
+                <a:solidFill>
+                  <a:schemeClr val="tx1"/>
+                </a:solidFill>
+              </a:rPr>
+              <a:t>System</a:t>
+            </a:r>
+            <a:endParaRPr lang="en-US" b="1" dirty="0">
+              <a:solidFill>
+                <a:schemeClr val="tx1"/>
+              </a:solidFill>
+            </a:endParaRPr>
+          </a:p>
+        </p:txBody>
+      </p:sp>
     </p:spTree>
     <p:extLst>
       <p:ext uri="{BB962C8B-B14F-4D97-AF65-F5344CB8AC3E}">
-        <p14:creationId xmlns:p14="http://schemas.microsoft.com/office/powerpoint/2010/main" val="1403852349"/>
+        <p14:creationId xmlns:p14="http://schemas.microsoft.com/office/powerpoint/2010/main" val="997141335"/>
       </p:ext>
     </p:extLst>
   </p:cSld>
@@ -7274,7 +7930,7 @@
           <a:p>
             <a:r>
               <a:rPr lang="en-US" dirty="0" smtClean="0"/>
-              <a:t>Future work</a:t>
+              <a:t>Step-by-step</a:t>
             </a:r>
             <a:endParaRPr lang="en-US" dirty="0"/>
           </a:p>
@@ -7292,24 +7948,223 @@
         </p:nvSpPr>
         <p:spPr/>
         <p:txBody>
-          <a:bodyPr/>
-          <a:lstStyle/>
-          <a:p>
-            <a:pPr marL="0" indent="0">
-              <a:buNone/>
-            </a:pPr>
+          <a:bodyPr>
+            <a:normAutofit fontScale="92500"/>
+          </a:bodyPr>
+          <a:lstStyle/>
+          <a:p>
             <a:r>
               <a:rPr lang="en-US" dirty="0" smtClean="0"/>
-              <a:t>Parse the intersection files to check whether the changes made in parallel were confined to the same methods</a:t>
+              <a:t>Download zipped commit</a:t>
+            </a:r>
+          </a:p>
+          <a:p>
+            <a:r>
+              <a:rPr lang="en-US" dirty="0" smtClean="0"/>
+              <a:t>Unzip commit</a:t>
+            </a:r>
+          </a:p>
+          <a:p>
+            <a:r>
+              <a:rPr lang="en-US" dirty="0" smtClean="0"/>
+              <a:t>Load files from an directory and its subdirectories</a:t>
+            </a:r>
+          </a:p>
+          <a:p>
+            <a:r>
+              <a:rPr lang="en-US" dirty="0" smtClean="0"/>
+              <a:t>Compute differences between code assets</a:t>
+            </a:r>
+          </a:p>
+          <a:p>
+            <a:r>
+              <a:rPr lang="en-US" dirty="0" smtClean="0"/>
+              <a:t>Calculate changesets from the base commit</a:t>
+            </a:r>
+          </a:p>
+          <a:p>
+            <a:r>
+              <a:rPr lang="en-US" dirty="0" smtClean="0"/>
+              <a:t>Calculate changesets intersections between commits</a:t>
+            </a:r>
+          </a:p>
+          <a:p>
+            <a:r>
+              <a:rPr lang="en-US" dirty="0" smtClean="0"/>
+              <a:t>Show reports</a:t>
             </a:r>
             <a:endParaRPr lang="en-US" dirty="0"/>
           </a:p>
         </p:txBody>
       </p:sp>
+      <p:pic>
+        <p:nvPicPr>
+          <p:cNvPr id="6" name="Picture 2" descr="Green Check Mark Clip Art"/>
+          <p:cNvPicPr>
+            <a:picLocks noChangeAspect="1" noChangeArrowheads="1"/>
+          </p:cNvPicPr>
+          <p:nvPr/>
+        </p:nvPicPr>
+        <p:blipFill>
+          <a:blip r:embed="rId2" cstate="print">
+            <a:extLst>
+              <a:ext uri="{28A0092B-C50C-407E-A947-70E740481C1C}">
+                <a14:useLocalDpi xmlns:a14="http://schemas.microsoft.com/office/drawing/2010/main" val="0"/>
+              </a:ext>
+            </a:extLst>
+          </a:blip>
+          <a:srcRect/>
+          <a:stretch>
+            <a:fillRect/>
+          </a:stretch>
+        </p:blipFill>
+        <p:spPr bwMode="auto">
+          <a:xfrm rot="1170216">
+            <a:off x="8637109" y="2547150"/>
+            <a:ext cx="405160" cy="466406"/>
+          </a:xfrm>
+          <a:prstGeom prst="rect">
+            <a:avLst/>
+          </a:prstGeom>
+          <a:noFill/>
+          <a:extLst>
+            <a:ext uri="{909E8E84-426E-40DD-AFC4-6F175D3DCCD1}">
+              <a14:hiddenFill xmlns:a14="http://schemas.microsoft.com/office/drawing/2010/main">
+                <a:solidFill>
+                  <a:srgbClr val="FFFFFF"/>
+                </a:solidFill>
+              </a14:hiddenFill>
+            </a:ext>
+          </a:extLst>
+        </p:spPr>
+      </p:pic>
+      <p:pic>
+        <p:nvPicPr>
+          <p:cNvPr id="7" name="Picture 2" descr="Green Check Mark Clip Art"/>
+          <p:cNvPicPr>
+            <a:picLocks noChangeAspect="1" noChangeArrowheads="1"/>
+          </p:cNvPicPr>
+          <p:nvPr/>
+        </p:nvPicPr>
+        <p:blipFill>
+          <a:blip r:embed="rId2" cstate="print">
+            <a:extLst>
+              <a:ext uri="{28A0092B-C50C-407E-A947-70E740481C1C}">
+                <a14:useLocalDpi xmlns:a14="http://schemas.microsoft.com/office/drawing/2010/main" val="0"/>
+              </a:ext>
+            </a:extLst>
+          </a:blip>
+          <a:srcRect/>
+          <a:stretch>
+            <a:fillRect/>
+          </a:stretch>
+        </p:blipFill>
+        <p:spPr bwMode="auto">
+          <a:xfrm rot="1170216">
+            <a:off x="3270083" y="2115102"/>
+            <a:ext cx="405160" cy="466406"/>
+          </a:xfrm>
+          <a:prstGeom prst="rect">
+            <a:avLst/>
+          </a:prstGeom>
+          <a:noFill/>
+          <a:extLst>
+            <a:ext uri="{909E8E84-426E-40DD-AFC4-6F175D3DCCD1}">
+              <a14:hiddenFill xmlns:a14="http://schemas.microsoft.com/office/drawing/2010/main">
+                <a:solidFill>
+                  <a:srgbClr val="FFFFFF"/>
+                </a:solidFill>
+              </a14:hiddenFill>
+            </a:ext>
+          </a:extLst>
+        </p:spPr>
+      </p:pic>
+      <p:pic>
+        <p:nvPicPr>
+          <p:cNvPr id="8" name="Picture 2" descr="Green Check Mark Clip Art"/>
+          <p:cNvPicPr>
+            <a:picLocks noChangeAspect="1" noChangeArrowheads="1"/>
+          </p:cNvPicPr>
+          <p:nvPr/>
+        </p:nvPicPr>
+        <p:blipFill>
+          <a:blip r:embed="rId2" cstate="print">
+            <a:extLst>
+              <a:ext uri="{28A0092B-C50C-407E-A947-70E740481C1C}">
+                <a14:useLocalDpi xmlns:a14="http://schemas.microsoft.com/office/drawing/2010/main" val="0"/>
+              </a:ext>
+            </a:extLst>
+          </a:blip>
+          <a:srcRect/>
+          <a:stretch>
+            <a:fillRect/>
+          </a:stretch>
+        </p:blipFill>
+        <p:spPr bwMode="auto">
+          <a:xfrm rot="1170216">
+            <a:off x="4998275" y="1540188"/>
+            <a:ext cx="405160" cy="466406"/>
+          </a:xfrm>
+          <a:prstGeom prst="rect">
+            <a:avLst/>
+          </a:prstGeom>
+          <a:noFill/>
+          <a:extLst>
+            <a:ext uri="{909E8E84-426E-40DD-AFC4-6F175D3DCCD1}">
+              <a14:hiddenFill xmlns:a14="http://schemas.microsoft.com/office/drawing/2010/main">
+                <a:solidFill>
+                  <a:srgbClr val="FFFFFF"/>
+                </a:solidFill>
+              </a14:hiddenFill>
+            </a:ext>
+          </a:extLst>
+        </p:spPr>
+      </p:pic>
+      <p:pic>
+        <p:nvPicPr>
+          <p:cNvPr id="9" name="Picture 2" descr="Green Check Mark Clip Art"/>
+          <p:cNvPicPr>
+            <a:picLocks noChangeAspect="1" noChangeArrowheads="1"/>
+          </p:cNvPicPr>
+          <p:nvPr/>
+        </p:nvPicPr>
+        <p:blipFill>
+          <a:blip r:embed="rId2" cstate="print">
+            <a:extLst>
+              <a:ext uri="{28A0092B-C50C-407E-A947-70E740481C1C}">
+                <a14:useLocalDpi xmlns:a14="http://schemas.microsoft.com/office/drawing/2010/main" val="0"/>
+              </a:ext>
+            </a:extLst>
+          </a:blip>
+          <a:srcRect/>
+          <a:stretch>
+            <a:fillRect/>
+          </a:stretch>
+        </p:blipFill>
+        <p:spPr bwMode="auto">
+          <a:xfrm rot="1170216">
+            <a:off x="7556989" y="3196372"/>
+            <a:ext cx="405160" cy="466406"/>
+          </a:xfrm>
+          <a:prstGeom prst="rect">
+            <a:avLst/>
+          </a:prstGeom>
+          <a:noFill/>
+          <a:extLst>
+            <a:ext uri="{909E8E84-426E-40DD-AFC4-6F175D3DCCD1}">
+              <a14:hiddenFill xmlns:a14="http://schemas.microsoft.com/office/drawing/2010/main">
+                <a:solidFill>
+                  <a:srgbClr val="FFFFFF"/>
+                </a:solidFill>
+              </a14:hiddenFill>
+            </a:ext>
+          </a:extLst>
+        </p:spPr>
+      </p:pic>
     </p:spTree>
     <p:extLst>
       <p:ext uri="{BB962C8B-B14F-4D97-AF65-F5344CB8AC3E}">
-        <p14:creationId xmlns:p14="http://schemas.microsoft.com/office/powerpoint/2010/main" val="943371163"/>
+        <p14:creationId xmlns:p14="http://schemas.microsoft.com/office/powerpoint/2010/main" val="1403852349"/>
       </p:ext>
     </p:extLst>
   </p:cSld>

--- a/project/Mining Git.pptx
+++ b/project/Mining Git.pptx
@@ -13,8 +13,10 @@
     <p:sldId id="261" r:id="rId7"/>
     <p:sldId id="262" r:id="rId8"/>
     <p:sldId id="263" r:id="rId9"/>
-    <p:sldId id="257" r:id="rId10"/>
-    <p:sldId id="264" r:id="rId11"/>
+    <p:sldId id="266" r:id="rId10"/>
+    <p:sldId id="267" r:id="rId11"/>
+    <p:sldId id="257" r:id="rId12"/>
+    <p:sldId id="264" r:id="rId13"/>
   </p:sldIdLst>
   <p:sldSz cx="9144000" cy="6858000" type="screen4x3"/>
   <p:notesSz cx="6858000" cy="9144000"/>
@@ -297,7 +299,7 @@
           <a:p>
             <a:fld id="{E06ED853-94C4-4CD4-BAC0-E9D782A6748D}" type="datetimeFigureOut">
               <a:rPr lang="en-US" smtClean="0"/>
-              <a:t>11/23/2012</a:t>
+              <a:t>2/6/2013</a:t>
             </a:fld>
             <a:endParaRPr lang="en-US"/>
           </a:p>
@@ -467,7 +469,7 @@
           <a:p>
             <a:fld id="{E06ED853-94C4-4CD4-BAC0-E9D782A6748D}" type="datetimeFigureOut">
               <a:rPr lang="en-US" smtClean="0"/>
-              <a:t>11/23/2012</a:t>
+              <a:t>2/6/2013</a:t>
             </a:fld>
             <a:endParaRPr lang="en-US"/>
           </a:p>
@@ -647,7 +649,7 @@
           <a:p>
             <a:fld id="{E06ED853-94C4-4CD4-BAC0-E9D782A6748D}" type="datetimeFigureOut">
               <a:rPr lang="en-US" smtClean="0"/>
-              <a:t>11/23/2012</a:t>
+              <a:t>2/6/2013</a:t>
             </a:fld>
             <a:endParaRPr lang="en-US"/>
           </a:p>
@@ -817,7 +819,7 @@
           <a:p>
             <a:fld id="{E06ED853-94C4-4CD4-BAC0-E9D782A6748D}" type="datetimeFigureOut">
               <a:rPr lang="en-US" smtClean="0"/>
-              <a:t>11/23/2012</a:t>
+              <a:t>2/6/2013</a:t>
             </a:fld>
             <a:endParaRPr lang="en-US"/>
           </a:p>
@@ -1063,7 +1065,7 @@
           <a:p>
             <a:fld id="{E06ED853-94C4-4CD4-BAC0-E9D782A6748D}" type="datetimeFigureOut">
               <a:rPr lang="en-US" smtClean="0"/>
-              <a:t>11/23/2012</a:t>
+              <a:t>2/6/2013</a:t>
             </a:fld>
             <a:endParaRPr lang="en-US"/>
           </a:p>
@@ -1351,7 +1353,7 @@
           <a:p>
             <a:fld id="{E06ED853-94C4-4CD4-BAC0-E9D782A6748D}" type="datetimeFigureOut">
               <a:rPr lang="en-US" smtClean="0"/>
-              <a:t>11/23/2012</a:t>
+              <a:t>2/6/2013</a:t>
             </a:fld>
             <a:endParaRPr lang="en-US"/>
           </a:p>
@@ -1773,7 +1775,7 @@
           <a:p>
             <a:fld id="{E06ED853-94C4-4CD4-BAC0-E9D782A6748D}" type="datetimeFigureOut">
               <a:rPr lang="en-US" smtClean="0"/>
-              <a:t>11/23/2012</a:t>
+              <a:t>2/6/2013</a:t>
             </a:fld>
             <a:endParaRPr lang="en-US"/>
           </a:p>
@@ -1891,7 +1893,7 @@
           <a:p>
             <a:fld id="{E06ED853-94C4-4CD4-BAC0-E9D782A6748D}" type="datetimeFigureOut">
               <a:rPr lang="en-US" smtClean="0"/>
-              <a:t>11/23/2012</a:t>
+              <a:t>2/6/2013</a:t>
             </a:fld>
             <a:endParaRPr lang="en-US"/>
           </a:p>
@@ -1986,7 +1988,7 @@
           <a:p>
             <a:fld id="{E06ED853-94C4-4CD4-BAC0-E9D782A6748D}" type="datetimeFigureOut">
               <a:rPr lang="en-US" smtClean="0"/>
-              <a:t>11/23/2012</a:t>
+              <a:t>2/6/2013</a:t>
             </a:fld>
             <a:endParaRPr lang="en-US"/>
           </a:p>
@@ -2263,7 +2265,7 @@
           <a:p>
             <a:fld id="{E06ED853-94C4-4CD4-BAC0-E9D782A6748D}" type="datetimeFigureOut">
               <a:rPr lang="en-US" smtClean="0"/>
-              <a:t>11/23/2012</a:t>
+              <a:t>2/6/2013</a:t>
             </a:fld>
             <a:endParaRPr lang="en-US"/>
           </a:p>
@@ -2516,7 +2518,7 @@
           <a:p>
             <a:fld id="{E06ED853-94C4-4CD4-BAC0-E9D782A6748D}" type="datetimeFigureOut">
               <a:rPr lang="en-US" smtClean="0"/>
-              <a:t>11/23/2012</a:t>
+              <a:t>2/6/2013</a:t>
             </a:fld>
             <a:endParaRPr lang="en-US"/>
           </a:p>
@@ -2729,7 +2731,7 @@
           <a:p>
             <a:fld id="{E06ED853-94C4-4CD4-BAC0-E9D782A6748D}" type="datetimeFigureOut">
               <a:rPr lang="en-US" smtClean="0"/>
-              <a:t>11/23/2012</a:t>
+              <a:t>2/6/2013</a:t>
             </a:fld>
             <a:endParaRPr lang="en-US"/>
           </a:p>
@@ -3172,6 +3174,393 @@
 </file>
 
 <file path=ppt/slides/slide10.xml><?xml version="1.0" encoding="utf-8"?>
+<p:sld xmlns:a="http://schemas.openxmlformats.org/drawingml/2006/main" xmlns:r="http://schemas.openxmlformats.org/officeDocument/2006/relationships" xmlns:p="http://schemas.openxmlformats.org/presentationml/2006/main">
+  <p:cSld>
+    <p:spTree>
+      <p:nvGrpSpPr>
+        <p:cNvPr id="1" name=""/>
+        <p:cNvGrpSpPr/>
+        <p:nvPr/>
+      </p:nvGrpSpPr>
+      <p:grpSpPr>
+        <a:xfrm>
+          <a:off x="0" y="0"/>
+          <a:ext cx="0" cy="0"/>
+          <a:chOff x="0" y="0"/>
+          <a:chExt cx="0" cy="0"/>
+        </a:xfrm>
+      </p:grpSpPr>
+      <p:sp>
+        <p:nvSpPr>
+          <p:cNvPr id="2" name="Título 1"/>
+          <p:cNvSpPr>
+            <a:spLocks noGrp="1"/>
+          </p:cNvSpPr>
+          <p:nvPr>
+            <p:ph type="title"/>
+          </p:nvPr>
+        </p:nvSpPr>
+        <p:spPr/>
+        <p:txBody>
+          <a:bodyPr/>
+          <a:lstStyle/>
+          <a:p>
+            <a:endParaRPr lang="pt-BR"/>
+          </a:p>
+        </p:txBody>
+      </p:sp>
+      <p:sp>
+        <p:nvSpPr>
+          <p:cNvPr id="3" name="Espaço Reservado para Texto 2"/>
+          <p:cNvSpPr>
+            <a:spLocks noGrp="1"/>
+          </p:cNvSpPr>
+          <p:nvPr>
+            <p:ph type="body" idx="1"/>
+          </p:nvPr>
+        </p:nvSpPr>
+        <p:spPr/>
+        <p:txBody>
+          <a:bodyPr/>
+          <a:lstStyle/>
+          <a:p>
+            <a:endParaRPr lang="pt-BR"/>
+          </a:p>
+        </p:txBody>
+      </p:sp>
+    </p:spTree>
+    <p:extLst>
+      <p:ext uri="{BB962C8B-B14F-4D97-AF65-F5344CB8AC3E}">
+        <p14:creationId xmlns:p14="http://schemas.microsoft.com/office/powerpoint/2010/main" val="3462152150"/>
+      </p:ext>
+    </p:extLst>
+  </p:cSld>
+  <p:clrMapOvr>
+    <a:masterClrMapping/>
+  </p:clrMapOvr>
+</p:sld>
+</file>
+
+<file path=ppt/slides/slide11.xml><?xml version="1.0" encoding="utf-8"?>
+<p:sld xmlns:a="http://schemas.openxmlformats.org/drawingml/2006/main" xmlns:r="http://schemas.openxmlformats.org/officeDocument/2006/relationships" xmlns:p="http://schemas.openxmlformats.org/presentationml/2006/main">
+  <p:cSld>
+    <p:spTree>
+      <p:nvGrpSpPr>
+        <p:cNvPr id="1" name=""/>
+        <p:cNvGrpSpPr/>
+        <p:nvPr/>
+      </p:nvGrpSpPr>
+      <p:grpSpPr>
+        <a:xfrm>
+          <a:off x="0" y="0"/>
+          <a:ext cx="0" cy="0"/>
+          <a:chOff x="0" y="0"/>
+          <a:chExt cx="0" cy="0"/>
+        </a:xfrm>
+      </p:grpSpPr>
+      <p:sp>
+        <p:nvSpPr>
+          <p:cNvPr id="2" name="Título 1"/>
+          <p:cNvSpPr>
+            <a:spLocks noGrp="1"/>
+          </p:cNvSpPr>
+          <p:nvPr>
+            <p:ph type="title"/>
+          </p:nvPr>
+        </p:nvSpPr>
+        <p:spPr/>
+        <p:txBody>
+          <a:bodyPr/>
+          <a:lstStyle/>
+          <a:p>
+            <a:r>
+              <a:rPr lang="en-US" dirty="0" smtClean="0"/>
+              <a:t>Step-by-step</a:t>
+            </a:r>
+            <a:endParaRPr lang="en-US" dirty="0"/>
+          </a:p>
+        </p:txBody>
+      </p:sp>
+      <p:sp>
+        <p:nvSpPr>
+          <p:cNvPr id="3" name="Espaço Reservado para Conteúdo 2"/>
+          <p:cNvSpPr>
+            <a:spLocks noGrp="1"/>
+          </p:cNvSpPr>
+          <p:nvPr>
+            <p:ph idx="1"/>
+          </p:nvPr>
+        </p:nvSpPr>
+        <p:spPr/>
+        <p:txBody>
+          <a:bodyPr>
+            <a:normAutofit fontScale="92500"/>
+          </a:bodyPr>
+          <a:lstStyle/>
+          <a:p>
+            <a:r>
+              <a:rPr lang="en-US" dirty="0" smtClean="0"/>
+              <a:t>Download zipped commit</a:t>
+            </a:r>
+          </a:p>
+          <a:p>
+            <a:r>
+              <a:rPr lang="en-US" dirty="0" smtClean="0"/>
+              <a:t>Unzip commit</a:t>
+            </a:r>
+          </a:p>
+          <a:p>
+            <a:r>
+              <a:rPr lang="en-US" dirty="0" smtClean="0"/>
+              <a:t>Load files from an directory and its subdirectories</a:t>
+            </a:r>
+          </a:p>
+          <a:p>
+            <a:r>
+              <a:rPr lang="en-US" dirty="0" smtClean="0"/>
+              <a:t>Compute differences between code assets</a:t>
+            </a:r>
+          </a:p>
+          <a:p>
+            <a:r>
+              <a:rPr lang="en-US" dirty="0" smtClean="0"/>
+              <a:t>Calculate changesets from the base commit</a:t>
+            </a:r>
+          </a:p>
+          <a:p>
+            <a:r>
+              <a:rPr lang="en-US" dirty="0" smtClean="0"/>
+              <a:t>Calculate changesets intersections between commits</a:t>
+            </a:r>
+          </a:p>
+          <a:p>
+            <a:r>
+              <a:rPr lang="en-US" dirty="0" smtClean="0"/>
+              <a:t>Show reports</a:t>
+            </a:r>
+            <a:endParaRPr lang="en-US" dirty="0"/>
+          </a:p>
+        </p:txBody>
+      </p:sp>
+      <p:pic>
+        <p:nvPicPr>
+          <p:cNvPr id="6" name="Picture 2" descr="Green Check Mark Clip Art"/>
+          <p:cNvPicPr>
+            <a:picLocks noChangeAspect="1" noChangeArrowheads="1"/>
+          </p:cNvPicPr>
+          <p:nvPr/>
+        </p:nvPicPr>
+        <p:blipFill>
+          <a:blip r:embed="rId2" cstate="print">
+            <a:extLst>
+              <a:ext uri="{28A0092B-C50C-407E-A947-70E740481C1C}">
+                <a14:useLocalDpi xmlns:a14="http://schemas.microsoft.com/office/drawing/2010/main" val="0"/>
+              </a:ext>
+            </a:extLst>
+          </a:blip>
+          <a:srcRect/>
+          <a:stretch>
+            <a:fillRect/>
+          </a:stretch>
+        </p:blipFill>
+        <p:spPr bwMode="auto">
+          <a:xfrm rot="1170216">
+            <a:off x="8637109" y="2547150"/>
+            <a:ext cx="405160" cy="466406"/>
+          </a:xfrm>
+          <a:prstGeom prst="rect">
+            <a:avLst/>
+          </a:prstGeom>
+          <a:noFill/>
+          <a:extLst>
+            <a:ext uri="{909E8E84-426E-40DD-AFC4-6F175D3DCCD1}">
+              <a14:hiddenFill xmlns:a14="http://schemas.microsoft.com/office/drawing/2010/main">
+                <a:solidFill>
+                  <a:srgbClr val="FFFFFF"/>
+                </a:solidFill>
+              </a14:hiddenFill>
+            </a:ext>
+          </a:extLst>
+        </p:spPr>
+      </p:pic>
+      <p:pic>
+        <p:nvPicPr>
+          <p:cNvPr id="7" name="Picture 2" descr="Green Check Mark Clip Art"/>
+          <p:cNvPicPr>
+            <a:picLocks noChangeAspect="1" noChangeArrowheads="1"/>
+          </p:cNvPicPr>
+          <p:nvPr/>
+        </p:nvPicPr>
+        <p:blipFill>
+          <a:blip r:embed="rId2" cstate="print">
+            <a:extLst>
+              <a:ext uri="{28A0092B-C50C-407E-A947-70E740481C1C}">
+                <a14:useLocalDpi xmlns:a14="http://schemas.microsoft.com/office/drawing/2010/main" val="0"/>
+              </a:ext>
+            </a:extLst>
+          </a:blip>
+          <a:srcRect/>
+          <a:stretch>
+            <a:fillRect/>
+          </a:stretch>
+        </p:blipFill>
+        <p:spPr bwMode="auto">
+          <a:xfrm rot="1170216">
+            <a:off x="3270083" y="2115102"/>
+            <a:ext cx="405160" cy="466406"/>
+          </a:xfrm>
+          <a:prstGeom prst="rect">
+            <a:avLst/>
+          </a:prstGeom>
+          <a:noFill/>
+          <a:extLst>
+            <a:ext uri="{909E8E84-426E-40DD-AFC4-6F175D3DCCD1}">
+              <a14:hiddenFill xmlns:a14="http://schemas.microsoft.com/office/drawing/2010/main">
+                <a:solidFill>
+                  <a:srgbClr val="FFFFFF"/>
+                </a:solidFill>
+              </a14:hiddenFill>
+            </a:ext>
+          </a:extLst>
+        </p:spPr>
+      </p:pic>
+      <p:pic>
+        <p:nvPicPr>
+          <p:cNvPr id="8" name="Picture 2" descr="Green Check Mark Clip Art"/>
+          <p:cNvPicPr>
+            <a:picLocks noChangeAspect="1" noChangeArrowheads="1"/>
+          </p:cNvPicPr>
+          <p:nvPr/>
+        </p:nvPicPr>
+        <p:blipFill>
+          <a:blip r:embed="rId2" cstate="print">
+            <a:extLst>
+              <a:ext uri="{28A0092B-C50C-407E-A947-70E740481C1C}">
+                <a14:useLocalDpi xmlns:a14="http://schemas.microsoft.com/office/drawing/2010/main" val="0"/>
+              </a:ext>
+            </a:extLst>
+          </a:blip>
+          <a:srcRect/>
+          <a:stretch>
+            <a:fillRect/>
+          </a:stretch>
+        </p:blipFill>
+        <p:spPr bwMode="auto">
+          <a:xfrm rot="1170216">
+            <a:off x="4998275" y="1540188"/>
+            <a:ext cx="405160" cy="466406"/>
+          </a:xfrm>
+          <a:prstGeom prst="rect">
+            <a:avLst/>
+          </a:prstGeom>
+          <a:noFill/>
+          <a:extLst>
+            <a:ext uri="{909E8E84-426E-40DD-AFC4-6F175D3DCCD1}">
+              <a14:hiddenFill xmlns:a14="http://schemas.microsoft.com/office/drawing/2010/main">
+                <a:solidFill>
+                  <a:srgbClr val="FFFFFF"/>
+                </a:solidFill>
+              </a14:hiddenFill>
+            </a:ext>
+          </a:extLst>
+        </p:spPr>
+      </p:pic>
+      <p:pic>
+        <p:nvPicPr>
+          <p:cNvPr id="9" name="Picture 2" descr="Green Check Mark Clip Art"/>
+          <p:cNvPicPr>
+            <a:picLocks noChangeAspect="1" noChangeArrowheads="1"/>
+          </p:cNvPicPr>
+          <p:nvPr/>
+        </p:nvPicPr>
+        <p:blipFill>
+          <a:blip r:embed="rId2" cstate="print">
+            <a:extLst>
+              <a:ext uri="{28A0092B-C50C-407E-A947-70E740481C1C}">
+                <a14:useLocalDpi xmlns:a14="http://schemas.microsoft.com/office/drawing/2010/main" val="0"/>
+              </a:ext>
+            </a:extLst>
+          </a:blip>
+          <a:srcRect/>
+          <a:stretch>
+            <a:fillRect/>
+          </a:stretch>
+        </p:blipFill>
+        <p:spPr bwMode="auto">
+          <a:xfrm rot="1170216">
+            <a:off x="7556989" y="3196372"/>
+            <a:ext cx="405160" cy="466406"/>
+          </a:xfrm>
+          <a:prstGeom prst="rect">
+            <a:avLst/>
+          </a:prstGeom>
+          <a:noFill/>
+          <a:extLst>
+            <a:ext uri="{909E8E84-426E-40DD-AFC4-6F175D3DCCD1}">
+              <a14:hiddenFill xmlns:a14="http://schemas.microsoft.com/office/drawing/2010/main">
+                <a:solidFill>
+                  <a:srgbClr val="FFFFFF"/>
+                </a:solidFill>
+              </a14:hiddenFill>
+            </a:ext>
+          </a:extLst>
+        </p:spPr>
+      </p:pic>
+      <p:pic>
+        <p:nvPicPr>
+          <p:cNvPr id="10" name="Picture 2" descr="Green Check Mark Clip Art"/>
+          <p:cNvPicPr>
+            <a:picLocks noChangeAspect="1" noChangeArrowheads="1"/>
+          </p:cNvPicPr>
+          <p:nvPr/>
+        </p:nvPicPr>
+        <p:blipFill>
+          <a:blip r:embed="rId2" cstate="print">
+            <a:extLst>
+              <a:ext uri="{28A0092B-C50C-407E-A947-70E740481C1C}">
+                <a14:useLocalDpi xmlns:a14="http://schemas.microsoft.com/office/drawing/2010/main" val="0"/>
+              </a:ext>
+            </a:extLst>
+          </a:blip>
+          <a:srcRect/>
+          <a:stretch>
+            <a:fillRect/>
+          </a:stretch>
+        </p:blipFill>
+        <p:spPr bwMode="auto">
+          <a:xfrm rot="1170216">
+            <a:off x="7701475" y="3771286"/>
+            <a:ext cx="405160" cy="466406"/>
+          </a:xfrm>
+          <a:prstGeom prst="rect">
+            <a:avLst/>
+          </a:prstGeom>
+          <a:noFill/>
+          <a:extLst>
+            <a:ext uri="{909E8E84-426E-40DD-AFC4-6F175D3DCCD1}">
+              <a14:hiddenFill xmlns:a14="http://schemas.microsoft.com/office/drawing/2010/main">
+                <a:solidFill>
+                  <a:srgbClr val="FFFFFF"/>
+                </a:solidFill>
+              </a14:hiddenFill>
+            </a:ext>
+          </a:extLst>
+        </p:spPr>
+      </p:pic>
+    </p:spTree>
+    <p:extLst>
+      <p:ext uri="{BB962C8B-B14F-4D97-AF65-F5344CB8AC3E}">
+        <p14:creationId xmlns:p14="http://schemas.microsoft.com/office/powerpoint/2010/main" val="1403852349"/>
+      </p:ext>
+    </p:extLst>
+  </p:cSld>
+  <p:clrMapOvr>
+    <a:masterClrMapping/>
+  </p:clrMapOvr>
+</p:sld>
+</file>
+
+<file path=ppt/slides/slide12.xml><?xml version="1.0" encoding="utf-8"?>
 <p:sld xmlns:a="http://schemas.openxmlformats.org/drawingml/2006/main" xmlns:r="http://schemas.openxmlformats.org/officeDocument/2006/relationships" xmlns:p="http://schemas.openxmlformats.org/presentationml/2006/main">
   <p:cSld>
     <p:spTree>
@@ -7915,7 +8304,7 @@
       </p:grpSpPr>
       <p:sp>
         <p:nvSpPr>
-          <p:cNvPr id="2" name="Título 1"/>
+          <p:cNvPr id="4" name="Título 3"/>
           <p:cNvSpPr>
             <a:spLocks noGrp="1"/>
           </p:cNvSpPr>
@@ -7929,242 +8318,76 @@
           <a:lstStyle/>
           <a:p>
             <a:r>
-              <a:rPr lang="en-US" dirty="0" smtClean="0"/>
-              <a:t>Step-by-step</a:t>
-            </a:r>
-            <a:endParaRPr lang="en-US" dirty="0"/>
-          </a:p>
-        </p:txBody>
-      </p:sp>
-      <p:sp>
-        <p:nvSpPr>
-          <p:cNvPr id="3" name="Espaço Reservado para Conteúdo 2"/>
+              <a:rPr lang="pt-BR" dirty="0" err="1" smtClean="0"/>
+              <a:t>Algorithm</a:t>
+            </a:r>
+            <a:r>
+              <a:rPr lang="pt-BR" dirty="0" smtClean="0"/>
+              <a:t> </a:t>
+            </a:r>
+            <a:r>
+              <a:rPr lang="pt-BR" dirty="0" err="1" smtClean="0"/>
+              <a:t>that</a:t>
+            </a:r>
+            <a:r>
+              <a:rPr lang="pt-BR" dirty="0" smtClean="0"/>
+              <a:t> computes </a:t>
+            </a:r>
+            <a:r>
+              <a:rPr lang="pt-BR" dirty="0" err="1" smtClean="0"/>
+              <a:t>the</a:t>
+            </a:r>
+            <a:r>
+              <a:rPr lang="pt-BR" dirty="0" smtClean="0"/>
+              <a:t> </a:t>
+            </a:r>
+            <a:r>
+              <a:rPr lang="pt-BR" dirty="0" err="1" smtClean="0"/>
+              <a:t>changeset</a:t>
+            </a:r>
+            <a:r>
+              <a:rPr lang="pt-BR" dirty="0" smtClean="0"/>
+              <a:t> </a:t>
+            </a:r>
+            <a:r>
+              <a:rPr lang="pt-BR" dirty="0" err="1" smtClean="0"/>
+              <a:t>from</a:t>
+            </a:r>
+            <a:r>
+              <a:rPr lang="pt-BR" dirty="0" smtClean="0"/>
+              <a:t> a base </a:t>
+            </a:r>
+            <a:r>
+              <a:rPr lang="pt-BR" dirty="0" err="1" smtClean="0"/>
+              <a:t>commit</a:t>
+            </a:r>
+            <a:endParaRPr lang="pt-BR" dirty="0"/>
+          </a:p>
+        </p:txBody>
+      </p:sp>
+      <p:sp>
+        <p:nvSpPr>
+          <p:cNvPr id="5" name="Espaço Reservado para Texto 4"/>
           <p:cNvSpPr>
             <a:spLocks noGrp="1"/>
           </p:cNvSpPr>
           <p:nvPr>
-            <p:ph idx="1"/>
+            <p:ph type="body" idx="1"/>
           </p:nvPr>
         </p:nvSpPr>
         <p:spPr/>
         <p:txBody>
-          <a:bodyPr>
-            <a:normAutofit fontScale="92500"/>
-          </a:bodyPr>
-          <a:lstStyle/>
-          <a:p>
-            <a:r>
-              <a:rPr lang="en-US" dirty="0" smtClean="0"/>
-              <a:t>Download zipped commit</a:t>
-            </a:r>
-          </a:p>
-          <a:p>
-            <a:r>
-              <a:rPr lang="en-US" dirty="0" smtClean="0"/>
-              <a:t>Unzip commit</a:t>
-            </a:r>
-          </a:p>
-          <a:p>
-            <a:r>
-              <a:rPr lang="en-US" dirty="0" smtClean="0"/>
-              <a:t>Load files from an directory and its subdirectories</a:t>
-            </a:r>
-          </a:p>
-          <a:p>
-            <a:r>
-              <a:rPr lang="en-US" dirty="0" smtClean="0"/>
-              <a:t>Compute differences between code assets</a:t>
-            </a:r>
-          </a:p>
-          <a:p>
-            <a:r>
-              <a:rPr lang="en-US" dirty="0" smtClean="0"/>
-              <a:t>Calculate changesets from the base commit</a:t>
-            </a:r>
-          </a:p>
-          <a:p>
-            <a:r>
-              <a:rPr lang="en-US" dirty="0" smtClean="0"/>
-              <a:t>Calculate changesets intersections between commits</a:t>
-            </a:r>
-          </a:p>
-          <a:p>
-            <a:r>
-              <a:rPr lang="en-US" dirty="0" smtClean="0"/>
-              <a:t>Show reports</a:t>
-            </a:r>
-            <a:endParaRPr lang="en-US" dirty="0"/>
-          </a:p>
-        </p:txBody>
-      </p:sp>
-      <p:pic>
-        <p:nvPicPr>
-          <p:cNvPr id="6" name="Picture 2" descr="Green Check Mark Clip Art"/>
-          <p:cNvPicPr>
-            <a:picLocks noChangeAspect="1" noChangeArrowheads="1"/>
-          </p:cNvPicPr>
-          <p:nvPr/>
-        </p:nvPicPr>
-        <p:blipFill>
-          <a:blip r:embed="rId2" cstate="print">
-            <a:extLst>
-              <a:ext uri="{28A0092B-C50C-407E-A947-70E740481C1C}">
-                <a14:useLocalDpi xmlns:a14="http://schemas.microsoft.com/office/drawing/2010/main" val="0"/>
-              </a:ext>
-            </a:extLst>
-          </a:blip>
-          <a:srcRect/>
-          <a:stretch>
-            <a:fillRect/>
-          </a:stretch>
-        </p:blipFill>
-        <p:spPr bwMode="auto">
-          <a:xfrm rot="1170216">
-            <a:off x="8637109" y="2547150"/>
-            <a:ext cx="405160" cy="466406"/>
-          </a:xfrm>
-          <a:prstGeom prst="rect">
-            <a:avLst/>
-          </a:prstGeom>
-          <a:noFill/>
-          <a:extLst>
-            <a:ext uri="{909E8E84-426E-40DD-AFC4-6F175D3DCCD1}">
-              <a14:hiddenFill xmlns:a14="http://schemas.microsoft.com/office/drawing/2010/main">
-                <a:solidFill>
-                  <a:srgbClr val="FFFFFF"/>
-                </a:solidFill>
-              </a14:hiddenFill>
-            </a:ext>
-          </a:extLst>
-        </p:spPr>
-      </p:pic>
-      <p:pic>
-        <p:nvPicPr>
-          <p:cNvPr id="7" name="Picture 2" descr="Green Check Mark Clip Art"/>
-          <p:cNvPicPr>
-            <a:picLocks noChangeAspect="1" noChangeArrowheads="1"/>
-          </p:cNvPicPr>
-          <p:nvPr/>
-        </p:nvPicPr>
-        <p:blipFill>
-          <a:blip r:embed="rId2" cstate="print">
-            <a:extLst>
-              <a:ext uri="{28A0092B-C50C-407E-A947-70E740481C1C}">
-                <a14:useLocalDpi xmlns:a14="http://schemas.microsoft.com/office/drawing/2010/main" val="0"/>
-              </a:ext>
-            </a:extLst>
-          </a:blip>
-          <a:srcRect/>
-          <a:stretch>
-            <a:fillRect/>
-          </a:stretch>
-        </p:blipFill>
-        <p:spPr bwMode="auto">
-          <a:xfrm rot="1170216">
-            <a:off x="3270083" y="2115102"/>
-            <a:ext cx="405160" cy="466406"/>
-          </a:xfrm>
-          <a:prstGeom prst="rect">
-            <a:avLst/>
-          </a:prstGeom>
-          <a:noFill/>
-          <a:extLst>
-            <a:ext uri="{909E8E84-426E-40DD-AFC4-6F175D3DCCD1}">
-              <a14:hiddenFill xmlns:a14="http://schemas.microsoft.com/office/drawing/2010/main">
-                <a:solidFill>
-                  <a:srgbClr val="FFFFFF"/>
-                </a:solidFill>
-              </a14:hiddenFill>
-            </a:ext>
-          </a:extLst>
-        </p:spPr>
-      </p:pic>
-      <p:pic>
-        <p:nvPicPr>
-          <p:cNvPr id="8" name="Picture 2" descr="Green Check Mark Clip Art"/>
-          <p:cNvPicPr>
-            <a:picLocks noChangeAspect="1" noChangeArrowheads="1"/>
-          </p:cNvPicPr>
-          <p:nvPr/>
-        </p:nvPicPr>
-        <p:blipFill>
-          <a:blip r:embed="rId2" cstate="print">
-            <a:extLst>
-              <a:ext uri="{28A0092B-C50C-407E-A947-70E740481C1C}">
-                <a14:useLocalDpi xmlns:a14="http://schemas.microsoft.com/office/drawing/2010/main" val="0"/>
-              </a:ext>
-            </a:extLst>
-          </a:blip>
-          <a:srcRect/>
-          <a:stretch>
-            <a:fillRect/>
-          </a:stretch>
-        </p:blipFill>
-        <p:spPr bwMode="auto">
-          <a:xfrm rot="1170216">
-            <a:off x="4998275" y="1540188"/>
-            <a:ext cx="405160" cy="466406"/>
-          </a:xfrm>
-          <a:prstGeom prst="rect">
-            <a:avLst/>
-          </a:prstGeom>
-          <a:noFill/>
-          <a:extLst>
-            <a:ext uri="{909E8E84-426E-40DD-AFC4-6F175D3DCCD1}">
-              <a14:hiddenFill xmlns:a14="http://schemas.microsoft.com/office/drawing/2010/main">
-                <a:solidFill>
-                  <a:srgbClr val="FFFFFF"/>
-                </a:solidFill>
-              </a14:hiddenFill>
-            </a:ext>
-          </a:extLst>
-        </p:spPr>
-      </p:pic>
-      <p:pic>
-        <p:nvPicPr>
-          <p:cNvPr id="9" name="Picture 2" descr="Green Check Mark Clip Art"/>
-          <p:cNvPicPr>
-            <a:picLocks noChangeAspect="1" noChangeArrowheads="1"/>
-          </p:cNvPicPr>
-          <p:nvPr/>
-        </p:nvPicPr>
-        <p:blipFill>
-          <a:blip r:embed="rId2" cstate="print">
-            <a:extLst>
-              <a:ext uri="{28A0092B-C50C-407E-A947-70E740481C1C}">
-                <a14:useLocalDpi xmlns:a14="http://schemas.microsoft.com/office/drawing/2010/main" val="0"/>
-              </a:ext>
-            </a:extLst>
-          </a:blip>
-          <a:srcRect/>
-          <a:stretch>
-            <a:fillRect/>
-          </a:stretch>
-        </p:blipFill>
-        <p:spPr bwMode="auto">
-          <a:xfrm rot="1170216">
-            <a:off x="7556989" y="3196372"/>
-            <a:ext cx="405160" cy="466406"/>
-          </a:xfrm>
-          <a:prstGeom prst="rect">
-            <a:avLst/>
-          </a:prstGeom>
-          <a:noFill/>
-          <a:extLst>
-            <a:ext uri="{909E8E84-426E-40DD-AFC4-6F175D3DCCD1}">
-              <a14:hiddenFill xmlns:a14="http://schemas.microsoft.com/office/drawing/2010/main">
-                <a:solidFill>
-                  <a:srgbClr val="FFFFFF"/>
-                </a:solidFill>
-              </a14:hiddenFill>
-            </a:ext>
-          </a:extLst>
-        </p:spPr>
-      </p:pic>
+          <a:bodyPr/>
+          <a:lstStyle/>
+          <a:p>
+            <a:endParaRPr lang="pt-BR"/>
+          </a:p>
+        </p:txBody>
+      </p:sp>
     </p:spTree>
     <p:extLst>
       <p:ext uri="{BB962C8B-B14F-4D97-AF65-F5344CB8AC3E}">
-        <p14:creationId xmlns:p14="http://schemas.microsoft.com/office/powerpoint/2010/main" val="1403852349"/>
+        <p14:creationId xmlns:p14="http://schemas.microsoft.com/office/powerpoint/2010/main" val="3635147579"/>
       </p:ext>
     </p:extLst>
   </p:cSld>
